--- a/04-DataAccessTechnologies/04-DataAccessTechnologies.pptx
+++ b/04-DataAccessTechnologies/04-DataAccessTechnologies.pptx
@@ -5,15 +5,20 @@
     <p:sldMasterId id="2147483660" r:id="rId4"/>
   </p:sldMasterIdLst>
   <p:notesMasterIdLst>
-    <p:notesMasterId r:id="rId8"/>
+    <p:notesMasterId r:id="rId13"/>
   </p:notesMasterIdLst>
   <p:handoutMasterIdLst>
-    <p:handoutMasterId r:id="rId9"/>
+    <p:handoutMasterId r:id="rId14"/>
   </p:handoutMasterIdLst>
   <p:sldIdLst>
     <p:sldId id="277" r:id="rId5"/>
     <p:sldId id="278" r:id="rId6"/>
-    <p:sldId id="269" r:id="rId7"/>
+    <p:sldId id="279" r:id="rId7"/>
+    <p:sldId id="284" r:id="rId8"/>
+    <p:sldId id="280" r:id="rId9"/>
+    <p:sldId id="281" r:id="rId10"/>
+    <p:sldId id="282" r:id="rId11"/>
+    <p:sldId id="269" r:id="rId12"/>
   </p:sldIdLst>
   <p:sldSz cx="12192000" cy="6858000"/>
   <p:notesSz cx="6858000" cy="9144000"/>
@@ -205,7 +210,7 @@
           <a:p>
             <a:fld id="{312E7B4A-039C-48A2-9B2C-AF16AA3873D8}" type="datetimeFigureOut">
               <a:rPr lang="en-US" smtClean="0"/>
-              <a:t>11/7/2013</a:t>
+              <a:t>11/9/2013</a:t>
             </a:fld>
             <a:endParaRPr lang="en-US"/>
           </a:p>
@@ -370,7 +375,7 @@
           <a:p>
             <a:fld id="{DA005A0C-54D9-45AA-87D4-C551D08DFCE1}" type="datetimeFigureOut">
               <a:rPr lang="en-US" smtClean="0"/>
-              <a:t>11/7/2013</a:t>
+              <a:t>11/9/2013</a:t>
             </a:fld>
             <a:endParaRPr lang="en-US"/>
           </a:p>
@@ -3556,21 +3561,18 @@
               <a:rPr lang="en-GB" dirty="0" smtClean="0"/>
               <a:t>ADO.NET</a:t>
             </a:r>
-            <a:endParaRPr lang="en-GB" dirty="0" smtClean="0"/>
           </a:p>
           <a:p>
             <a:r>
               <a:rPr lang="en-GB" dirty="0" smtClean="0"/>
               <a:t>LINQ</a:t>
             </a:r>
-            <a:endParaRPr lang="en-GB" dirty="0" smtClean="0"/>
           </a:p>
           <a:p>
             <a:r>
               <a:rPr lang="en-GB" dirty="0" smtClean="0"/>
               <a:t>XML</a:t>
             </a:r>
-            <a:endParaRPr lang="en-GB" dirty="0" smtClean="0"/>
           </a:p>
           <a:p>
             <a:r>
@@ -3625,6 +3627,6232 @@
 </file>
 
 <file path=ppt/slides/slide3.xml><?xml version="1.0" encoding="utf-8"?>
+<p:sld xmlns:a="http://schemas.openxmlformats.org/drawingml/2006/main" xmlns:r="http://schemas.openxmlformats.org/officeDocument/2006/relationships" xmlns:p="http://schemas.openxmlformats.org/presentationml/2006/main">
+  <p:cSld>
+    <p:spTree>
+      <p:nvGrpSpPr>
+        <p:cNvPr id="1" name=""/>
+        <p:cNvGrpSpPr/>
+        <p:nvPr/>
+      </p:nvGrpSpPr>
+      <p:grpSpPr>
+        <a:xfrm>
+          <a:off x="0" y="0"/>
+          <a:ext cx="0" cy="0"/>
+          <a:chOff x="0" y="0"/>
+          <a:chExt cx="0" cy="0"/>
+        </a:xfrm>
+      </p:grpSpPr>
+      <p:sp>
+        <p:nvSpPr>
+          <p:cNvPr id="5" name="Text Placeholder 4"/>
+          <p:cNvSpPr>
+            <a:spLocks noGrp="1"/>
+          </p:cNvSpPr>
+          <p:nvPr>
+            <p:ph type="body" sz="quarter" idx="10"/>
+          </p:nvPr>
+        </p:nvSpPr>
+        <p:spPr/>
+        <p:txBody>
+          <a:bodyPr/>
+          <a:lstStyle/>
+          <a:p>
+            <a:r>
+              <a:rPr lang="en-US" dirty="0" smtClean="0"/>
+              <a:t>ADO.NET</a:t>
+            </a:r>
+            <a:endParaRPr lang="en-US" dirty="0"/>
+          </a:p>
+        </p:txBody>
+      </p:sp>
+      <p:sp>
+        <p:nvSpPr>
+          <p:cNvPr id="4" name="Subtitle 3"/>
+          <p:cNvSpPr>
+            <a:spLocks noGrp="1"/>
+          </p:cNvSpPr>
+          <p:nvPr>
+            <p:ph type="subTitle" idx="1"/>
+          </p:nvPr>
+        </p:nvSpPr>
+        <p:spPr/>
+        <p:txBody>
+          <a:bodyPr/>
+          <a:lstStyle/>
+          <a:p>
+            <a:endParaRPr lang="en-US"/>
+          </a:p>
+        </p:txBody>
+      </p:sp>
+    </p:spTree>
+    <p:extLst>
+      <p:ext uri="{BB962C8B-B14F-4D97-AF65-F5344CB8AC3E}">
+        <p14:creationId xmlns:p14="http://schemas.microsoft.com/office/powerpoint/2010/main" val="3883540657"/>
+      </p:ext>
+    </p:extLst>
+  </p:cSld>
+  <p:clrMapOvr>
+    <a:masterClrMapping/>
+  </p:clrMapOvr>
+  <p:timing>
+    <p:tnLst>
+      <p:par>
+        <p:cTn id="1" dur="indefinite" restart="never" nodeType="tmRoot"/>
+      </p:par>
+    </p:tnLst>
+  </p:timing>
+</p:sld>
+</file>
+
+<file path=ppt/slides/slide4.xml><?xml version="1.0" encoding="utf-8"?>
+<p:sld xmlns:a="http://schemas.openxmlformats.org/drawingml/2006/main" xmlns:r="http://schemas.openxmlformats.org/officeDocument/2006/relationships" xmlns:p="http://schemas.openxmlformats.org/presentationml/2006/main">
+  <p:cSld>
+    <p:spTree>
+      <p:nvGrpSpPr>
+        <p:cNvPr id="1" name=""/>
+        <p:cNvGrpSpPr/>
+        <p:nvPr/>
+      </p:nvGrpSpPr>
+      <p:grpSpPr>
+        <a:xfrm>
+          <a:off x="0" y="0"/>
+          <a:ext cx="0" cy="0"/>
+          <a:chOff x="0" y="0"/>
+          <a:chExt cx="0" cy="0"/>
+        </a:xfrm>
+      </p:grpSpPr>
+      <p:sp>
+        <p:nvSpPr>
+          <p:cNvPr id="6" name="SQL Database Icon"/>
+          <p:cNvSpPr>
+            <a:spLocks noChangeAspect="1"/>
+          </p:cNvSpPr>
+          <p:nvPr/>
+        </p:nvSpPr>
+        <p:spPr>
+          <a:xfrm>
+            <a:off x="9397480" y="2905383"/>
+            <a:ext cx="840146" cy="1110612"/>
+          </a:xfrm>
+          <a:custGeom>
+            <a:avLst/>
+            <a:gdLst>
+              <a:gd name="connsiteX0" fmla="*/ 221877 w 338942"/>
+              <a:gd name="connsiteY0" fmla="*/ 278494 h 448056"/>
+              <a:gd name="connsiteX1" fmla="*/ 239164 w 338942"/>
+              <a:gd name="connsiteY1" fmla="*/ 278494 h 448056"/>
+              <a:gd name="connsiteX2" fmla="*/ 256158 w 338942"/>
+              <a:gd name="connsiteY2" fmla="*/ 283280 h 448056"/>
+              <a:gd name="connsiteX3" fmla="*/ 262311 w 338942"/>
+              <a:gd name="connsiteY3" fmla="*/ 296465 h 448056"/>
+              <a:gd name="connsiteX4" fmla="*/ 256256 w 338942"/>
+              <a:gd name="connsiteY4" fmla="*/ 310237 h 448056"/>
+              <a:gd name="connsiteX5" fmla="*/ 238969 w 338942"/>
+              <a:gd name="connsiteY5" fmla="*/ 315413 h 448056"/>
+              <a:gd name="connsiteX6" fmla="*/ 221877 w 338942"/>
+              <a:gd name="connsiteY6" fmla="*/ 315413 h 448056"/>
+              <a:gd name="connsiteX7" fmla="*/ 79002 w 338942"/>
+              <a:gd name="connsiteY7" fmla="*/ 224288 h 448056"/>
+              <a:gd name="connsiteX8" fmla="*/ 94433 w 338942"/>
+              <a:gd name="connsiteY8" fmla="*/ 224288 h 448056"/>
+              <a:gd name="connsiteX9" fmla="*/ 127348 w 338942"/>
+              <a:gd name="connsiteY9" fmla="*/ 236204 h 448056"/>
+              <a:gd name="connsiteX10" fmla="*/ 138482 w 338942"/>
+              <a:gd name="connsiteY10" fmla="*/ 267262 h 448056"/>
+              <a:gd name="connsiteX11" fmla="*/ 127055 w 338942"/>
+              <a:gd name="connsiteY11" fmla="*/ 300470 h 448056"/>
+              <a:gd name="connsiteX12" fmla="*/ 94629 w 338942"/>
+              <a:gd name="connsiteY12" fmla="*/ 313069 h 448056"/>
+              <a:gd name="connsiteX13" fmla="*/ 79002 w 338942"/>
+              <a:gd name="connsiteY13" fmla="*/ 313069 h 448056"/>
+              <a:gd name="connsiteX14" fmla="*/ 221877 w 338942"/>
+              <a:gd name="connsiteY14" fmla="*/ 221847 h 448056"/>
+              <a:gd name="connsiteX15" fmla="*/ 233695 w 338942"/>
+              <a:gd name="connsiteY15" fmla="*/ 221847 h 448056"/>
+              <a:gd name="connsiteX16" fmla="*/ 256744 w 338942"/>
+              <a:gd name="connsiteY16" fmla="*/ 237278 h 448056"/>
+              <a:gd name="connsiteX17" fmla="*/ 251080 w 338942"/>
+              <a:gd name="connsiteY17" fmla="*/ 250268 h 448056"/>
+              <a:gd name="connsiteX18" fmla="*/ 235746 w 338942"/>
+              <a:gd name="connsiteY18" fmla="*/ 255054 h 448056"/>
+              <a:gd name="connsiteX19" fmla="*/ 221877 w 338942"/>
+              <a:gd name="connsiteY19" fmla="*/ 255054 h 448056"/>
+              <a:gd name="connsiteX20" fmla="*/ 190330 w 338942"/>
+              <a:gd name="connsiteY20" fmla="*/ 198602 h 448056"/>
+              <a:gd name="connsiteX21" fmla="*/ 190330 w 338942"/>
+              <a:gd name="connsiteY21" fmla="*/ 338658 h 448056"/>
+              <a:gd name="connsiteX22" fmla="*/ 244145 w 338942"/>
+              <a:gd name="connsiteY22" fmla="*/ 338658 h 448056"/>
+              <a:gd name="connsiteX23" fmla="*/ 281796 w 338942"/>
+              <a:gd name="connsiteY23" fmla="*/ 327329 h 448056"/>
+              <a:gd name="connsiteX24" fmla="*/ 295519 w 338942"/>
+              <a:gd name="connsiteY24" fmla="*/ 296856 h 448056"/>
+              <a:gd name="connsiteX25" fmla="*/ 286826 w 338942"/>
+              <a:gd name="connsiteY25" fmla="*/ 274783 h 448056"/>
+              <a:gd name="connsiteX26" fmla="*/ 262702 w 338942"/>
+              <a:gd name="connsiteY26" fmla="*/ 263453 h 448056"/>
+              <a:gd name="connsiteX27" fmla="*/ 262702 w 338942"/>
+              <a:gd name="connsiteY27" fmla="*/ 263063 h 448056"/>
+              <a:gd name="connsiteX28" fmla="*/ 281162 w 338942"/>
+              <a:gd name="connsiteY28" fmla="*/ 252514 h 448056"/>
+              <a:gd name="connsiteX29" fmla="*/ 289952 w 338942"/>
+              <a:gd name="connsiteY29" fmla="*/ 231418 h 448056"/>
+              <a:gd name="connsiteX30" fmla="*/ 278036 w 338942"/>
+              <a:gd name="connsiteY30" fmla="*/ 207685 h 448056"/>
+              <a:gd name="connsiteX31" fmla="*/ 241313 w 338942"/>
+              <a:gd name="connsiteY31" fmla="*/ 198602 h 448056"/>
+              <a:gd name="connsiteX32" fmla="*/ 47455 w 338942"/>
+              <a:gd name="connsiteY32" fmla="*/ 198602 h 448056"/>
+              <a:gd name="connsiteX33" fmla="*/ 47455 w 338942"/>
+              <a:gd name="connsiteY33" fmla="*/ 338658 h 448056"/>
+              <a:gd name="connsiteX34" fmla="*/ 97070 w 338942"/>
+              <a:gd name="connsiteY34" fmla="*/ 338658 h 448056"/>
+              <a:gd name="connsiteX35" fmla="*/ 151325 w 338942"/>
+              <a:gd name="connsiteY35" fmla="*/ 319076 h 448056"/>
+              <a:gd name="connsiteX36" fmla="*/ 171689 w 338942"/>
+              <a:gd name="connsiteY36" fmla="*/ 266872 h 448056"/>
+              <a:gd name="connsiteX37" fmla="*/ 97070 w 338942"/>
+              <a:gd name="connsiteY37" fmla="*/ 198602 h 448056"/>
+              <a:gd name="connsiteX38" fmla="*/ 169471 w 338942"/>
+              <a:gd name="connsiteY38" fmla="*/ 21905 h 448056"/>
+              <a:gd name="connsiteX39" fmla="*/ 47606 w 338942"/>
+              <a:gd name="connsiteY39" fmla="*/ 61850 h 448056"/>
+              <a:gd name="connsiteX40" fmla="*/ 169471 w 338942"/>
+              <a:gd name="connsiteY40" fmla="*/ 101795 h 448056"/>
+              <a:gd name="connsiteX41" fmla="*/ 291336 w 338942"/>
+              <a:gd name="connsiteY41" fmla="*/ 61850 h 448056"/>
+              <a:gd name="connsiteX42" fmla="*/ 169471 w 338942"/>
+              <a:gd name="connsiteY42" fmla="*/ 21905 h 448056"/>
+              <a:gd name="connsiteX43" fmla="*/ 169471 w 338942"/>
+              <a:gd name="connsiteY43" fmla="*/ 0 h 448056"/>
+              <a:gd name="connsiteX44" fmla="*/ 338942 w 338942"/>
+              <a:gd name="connsiteY44" fmla="*/ 55550 h 448056"/>
+              <a:gd name="connsiteX45" fmla="*/ 338942 w 338942"/>
+              <a:gd name="connsiteY45" fmla="*/ 392507 h 448056"/>
+              <a:gd name="connsiteX46" fmla="*/ 338942 w 338942"/>
+              <a:gd name="connsiteY46" fmla="*/ 395783 h 448056"/>
+              <a:gd name="connsiteX47" fmla="*/ 337934 w 338942"/>
+              <a:gd name="connsiteY47" fmla="*/ 395783 h 448056"/>
+              <a:gd name="connsiteX48" fmla="*/ 169471 w 338942"/>
+              <a:gd name="connsiteY48" fmla="*/ 448056 h 448056"/>
+              <a:gd name="connsiteX49" fmla="*/ 1008 w 338942"/>
+              <a:gd name="connsiteY49" fmla="*/ 395783 h 448056"/>
+              <a:gd name="connsiteX50" fmla="*/ 0 w 338942"/>
+              <a:gd name="connsiteY50" fmla="*/ 395783 h 448056"/>
+              <a:gd name="connsiteX51" fmla="*/ 0 w 338942"/>
+              <a:gd name="connsiteY51" fmla="*/ 392507 h 448056"/>
+              <a:gd name="connsiteX52" fmla="*/ 0 w 338942"/>
+              <a:gd name="connsiteY52" fmla="*/ 55550 h 448056"/>
+              <a:gd name="connsiteX53" fmla="*/ 169471 w 338942"/>
+              <a:gd name="connsiteY53" fmla="*/ 0 h 448056"/>
+            </a:gdLst>
+            <a:ahLst/>
+            <a:cxnLst>
+              <a:cxn ang="0">
+                <a:pos x="connsiteX0" y="connsiteY0"/>
+              </a:cxn>
+              <a:cxn ang="0">
+                <a:pos x="connsiteX1" y="connsiteY1"/>
+              </a:cxn>
+              <a:cxn ang="0">
+                <a:pos x="connsiteX2" y="connsiteY2"/>
+              </a:cxn>
+              <a:cxn ang="0">
+                <a:pos x="connsiteX3" y="connsiteY3"/>
+              </a:cxn>
+              <a:cxn ang="0">
+                <a:pos x="connsiteX4" y="connsiteY4"/>
+              </a:cxn>
+              <a:cxn ang="0">
+                <a:pos x="connsiteX5" y="connsiteY5"/>
+              </a:cxn>
+              <a:cxn ang="0">
+                <a:pos x="connsiteX6" y="connsiteY6"/>
+              </a:cxn>
+              <a:cxn ang="0">
+                <a:pos x="connsiteX7" y="connsiteY7"/>
+              </a:cxn>
+              <a:cxn ang="0">
+                <a:pos x="connsiteX8" y="connsiteY8"/>
+              </a:cxn>
+              <a:cxn ang="0">
+                <a:pos x="connsiteX9" y="connsiteY9"/>
+              </a:cxn>
+              <a:cxn ang="0">
+                <a:pos x="connsiteX10" y="connsiteY10"/>
+              </a:cxn>
+              <a:cxn ang="0">
+                <a:pos x="connsiteX11" y="connsiteY11"/>
+              </a:cxn>
+              <a:cxn ang="0">
+                <a:pos x="connsiteX12" y="connsiteY12"/>
+              </a:cxn>
+              <a:cxn ang="0">
+                <a:pos x="connsiteX13" y="connsiteY13"/>
+              </a:cxn>
+              <a:cxn ang="0">
+                <a:pos x="connsiteX14" y="connsiteY14"/>
+              </a:cxn>
+              <a:cxn ang="0">
+                <a:pos x="connsiteX15" y="connsiteY15"/>
+              </a:cxn>
+              <a:cxn ang="0">
+                <a:pos x="connsiteX16" y="connsiteY16"/>
+              </a:cxn>
+              <a:cxn ang="0">
+                <a:pos x="connsiteX17" y="connsiteY17"/>
+              </a:cxn>
+              <a:cxn ang="0">
+                <a:pos x="connsiteX18" y="connsiteY18"/>
+              </a:cxn>
+              <a:cxn ang="0">
+                <a:pos x="connsiteX19" y="connsiteY19"/>
+              </a:cxn>
+              <a:cxn ang="0">
+                <a:pos x="connsiteX20" y="connsiteY20"/>
+              </a:cxn>
+              <a:cxn ang="0">
+                <a:pos x="connsiteX21" y="connsiteY21"/>
+              </a:cxn>
+              <a:cxn ang="0">
+                <a:pos x="connsiteX22" y="connsiteY22"/>
+              </a:cxn>
+              <a:cxn ang="0">
+                <a:pos x="connsiteX23" y="connsiteY23"/>
+              </a:cxn>
+              <a:cxn ang="0">
+                <a:pos x="connsiteX24" y="connsiteY24"/>
+              </a:cxn>
+              <a:cxn ang="0">
+                <a:pos x="connsiteX25" y="connsiteY25"/>
+              </a:cxn>
+              <a:cxn ang="0">
+                <a:pos x="connsiteX26" y="connsiteY26"/>
+              </a:cxn>
+              <a:cxn ang="0">
+                <a:pos x="connsiteX27" y="connsiteY27"/>
+              </a:cxn>
+              <a:cxn ang="0">
+                <a:pos x="connsiteX28" y="connsiteY28"/>
+              </a:cxn>
+              <a:cxn ang="0">
+                <a:pos x="connsiteX29" y="connsiteY29"/>
+              </a:cxn>
+              <a:cxn ang="0">
+                <a:pos x="connsiteX30" y="connsiteY30"/>
+              </a:cxn>
+              <a:cxn ang="0">
+                <a:pos x="connsiteX31" y="connsiteY31"/>
+              </a:cxn>
+              <a:cxn ang="0">
+                <a:pos x="connsiteX32" y="connsiteY32"/>
+              </a:cxn>
+              <a:cxn ang="0">
+                <a:pos x="connsiteX33" y="connsiteY33"/>
+              </a:cxn>
+              <a:cxn ang="0">
+                <a:pos x="connsiteX34" y="connsiteY34"/>
+              </a:cxn>
+              <a:cxn ang="0">
+                <a:pos x="connsiteX35" y="connsiteY35"/>
+              </a:cxn>
+              <a:cxn ang="0">
+                <a:pos x="connsiteX36" y="connsiteY36"/>
+              </a:cxn>
+              <a:cxn ang="0">
+                <a:pos x="connsiteX37" y="connsiteY37"/>
+              </a:cxn>
+              <a:cxn ang="0">
+                <a:pos x="connsiteX38" y="connsiteY38"/>
+              </a:cxn>
+              <a:cxn ang="0">
+                <a:pos x="connsiteX39" y="connsiteY39"/>
+              </a:cxn>
+              <a:cxn ang="0">
+                <a:pos x="connsiteX40" y="connsiteY40"/>
+              </a:cxn>
+              <a:cxn ang="0">
+                <a:pos x="connsiteX41" y="connsiteY41"/>
+              </a:cxn>
+              <a:cxn ang="0">
+                <a:pos x="connsiteX42" y="connsiteY42"/>
+              </a:cxn>
+              <a:cxn ang="0">
+                <a:pos x="connsiteX43" y="connsiteY43"/>
+              </a:cxn>
+              <a:cxn ang="0">
+                <a:pos x="connsiteX44" y="connsiteY44"/>
+              </a:cxn>
+              <a:cxn ang="0">
+                <a:pos x="connsiteX45" y="connsiteY45"/>
+              </a:cxn>
+              <a:cxn ang="0">
+                <a:pos x="connsiteX46" y="connsiteY46"/>
+              </a:cxn>
+              <a:cxn ang="0">
+                <a:pos x="connsiteX47" y="connsiteY47"/>
+              </a:cxn>
+              <a:cxn ang="0">
+                <a:pos x="connsiteX48" y="connsiteY48"/>
+              </a:cxn>
+              <a:cxn ang="0">
+                <a:pos x="connsiteX49" y="connsiteY49"/>
+              </a:cxn>
+              <a:cxn ang="0">
+                <a:pos x="connsiteX50" y="connsiteY50"/>
+              </a:cxn>
+              <a:cxn ang="0">
+                <a:pos x="connsiteX51" y="connsiteY51"/>
+              </a:cxn>
+              <a:cxn ang="0">
+                <a:pos x="connsiteX52" y="connsiteY52"/>
+              </a:cxn>
+              <a:cxn ang="0">
+                <a:pos x="connsiteX53" y="connsiteY53"/>
+              </a:cxn>
+            </a:cxnLst>
+            <a:rect l="l" t="t" r="r" b="b"/>
+            <a:pathLst>
+              <a:path w="338942" h="448056">
+                <a:moveTo>
+                  <a:pt x="221877" y="278494"/>
+                </a:moveTo>
+                <a:lnTo>
+                  <a:pt x="239164" y="278494"/>
+                </a:lnTo>
+                <a:cubicBezTo>
+                  <a:pt x="246392" y="278494"/>
+                  <a:pt x="252056" y="280090"/>
+                  <a:pt x="256158" y="283280"/>
+                </a:cubicBezTo>
+                <a:cubicBezTo>
+                  <a:pt x="260260" y="286471"/>
+                  <a:pt x="262311" y="290866"/>
+                  <a:pt x="262311" y="296465"/>
+                </a:cubicBezTo>
+                <a:cubicBezTo>
+                  <a:pt x="262311" y="302195"/>
+                  <a:pt x="260293" y="306786"/>
+                  <a:pt x="256256" y="310237"/>
+                </a:cubicBezTo>
+                <a:cubicBezTo>
+                  <a:pt x="252024" y="313687"/>
+                  <a:pt x="246261" y="315413"/>
+                  <a:pt x="238969" y="315413"/>
+                </a:cubicBezTo>
+                <a:lnTo>
+                  <a:pt x="221877" y="315413"/>
+                </a:lnTo>
+                <a:close/>
+                <a:moveTo>
+                  <a:pt x="79002" y="224288"/>
+                </a:moveTo>
+                <a:lnTo>
+                  <a:pt x="94433" y="224288"/>
+                </a:lnTo>
+                <a:cubicBezTo>
+                  <a:pt x="108628" y="224288"/>
+                  <a:pt x="119599" y="228260"/>
+                  <a:pt x="127348" y="236204"/>
+                </a:cubicBezTo>
+                <a:cubicBezTo>
+                  <a:pt x="134770" y="243822"/>
+                  <a:pt x="138482" y="254175"/>
+                  <a:pt x="138482" y="267262"/>
+                </a:cubicBezTo>
+                <a:cubicBezTo>
+                  <a:pt x="138482" y="281262"/>
+                  <a:pt x="134673" y="292331"/>
+                  <a:pt x="127055" y="300470"/>
+                </a:cubicBezTo>
+                <a:cubicBezTo>
+                  <a:pt x="119241" y="308869"/>
+                  <a:pt x="108433" y="313069"/>
+                  <a:pt x="94629" y="313069"/>
+                </a:cubicBezTo>
+                <a:lnTo>
+                  <a:pt x="79002" y="313069"/>
+                </a:lnTo>
+                <a:close/>
+                <a:moveTo>
+                  <a:pt x="221877" y="221847"/>
+                </a:moveTo>
+                <a:lnTo>
+                  <a:pt x="233695" y="221847"/>
+                </a:lnTo>
+                <a:cubicBezTo>
+                  <a:pt x="249061" y="221847"/>
+                  <a:pt x="256744" y="226990"/>
+                  <a:pt x="256744" y="237278"/>
+                </a:cubicBezTo>
+                <a:cubicBezTo>
+                  <a:pt x="256744" y="242748"/>
+                  <a:pt x="254856" y="247078"/>
+                  <a:pt x="251080" y="250268"/>
+                </a:cubicBezTo>
+                <a:cubicBezTo>
+                  <a:pt x="247303" y="253459"/>
+                  <a:pt x="242192" y="255054"/>
+                  <a:pt x="235746" y="255054"/>
+                </a:cubicBezTo>
+                <a:lnTo>
+                  <a:pt x="221877" y="255054"/>
+                </a:lnTo>
+                <a:close/>
+                <a:moveTo>
+                  <a:pt x="190330" y="198602"/>
+                </a:moveTo>
+                <a:lnTo>
+                  <a:pt x="190330" y="338658"/>
+                </a:lnTo>
+                <a:lnTo>
+                  <a:pt x="244145" y="338658"/>
+                </a:lnTo>
+                <a:cubicBezTo>
+                  <a:pt x="260098" y="338658"/>
+                  <a:pt x="272648" y="334882"/>
+                  <a:pt x="281796" y="327329"/>
+                </a:cubicBezTo>
+                <a:cubicBezTo>
+                  <a:pt x="290945" y="319775"/>
+                  <a:pt x="295519" y="309618"/>
+                  <a:pt x="295519" y="296856"/>
+                </a:cubicBezTo>
+                <a:cubicBezTo>
+                  <a:pt x="295519" y="288196"/>
+                  <a:pt x="292621" y="280838"/>
+                  <a:pt x="286826" y="274783"/>
+                </a:cubicBezTo>
+                <a:cubicBezTo>
+                  <a:pt x="280836" y="268467"/>
+                  <a:pt x="272795" y="264691"/>
+                  <a:pt x="262702" y="263453"/>
+                </a:cubicBezTo>
+                <a:lnTo>
+                  <a:pt x="262702" y="263063"/>
+                </a:lnTo>
+                <a:cubicBezTo>
+                  <a:pt x="270060" y="261044"/>
+                  <a:pt x="276213" y="257528"/>
+                  <a:pt x="281162" y="252514"/>
+                </a:cubicBezTo>
+                <a:cubicBezTo>
+                  <a:pt x="287022" y="246589"/>
+                  <a:pt x="289952" y="239557"/>
+                  <a:pt x="289952" y="231418"/>
+                </a:cubicBezTo>
+                <a:cubicBezTo>
+                  <a:pt x="289952" y="221326"/>
+                  <a:pt x="285980" y="213415"/>
+                  <a:pt x="278036" y="207685"/>
+                </a:cubicBezTo>
+                <a:cubicBezTo>
+                  <a:pt x="269637" y="201629"/>
+                  <a:pt x="257396" y="198602"/>
+                  <a:pt x="241313" y="198602"/>
+                </a:cubicBezTo>
+                <a:close/>
+                <a:moveTo>
+                  <a:pt x="47455" y="198602"/>
+                </a:moveTo>
+                <a:lnTo>
+                  <a:pt x="47455" y="338658"/>
+                </a:lnTo>
+                <a:lnTo>
+                  <a:pt x="97070" y="338658"/>
+                </a:lnTo>
+                <a:cubicBezTo>
+                  <a:pt x="119664" y="338658"/>
+                  <a:pt x="137749" y="332131"/>
+                  <a:pt x="151325" y="319076"/>
+                </a:cubicBezTo>
+                <a:cubicBezTo>
+                  <a:pt x="164901" y="306021"/>
+                  <a:pt x="171689" y="288619"/>
+                  <a:pt x="171689" y="266872"/>
+                </a:cubicBezTo>
+                <a:cubicBezTo>
+                  <a:pt x="171689" y="221358"/>
+                  <a:pt x="146816" y="198602"/>
+                  <a:pt x="97070" y="198602"/>
+                </a:cubicBezTo>
+                <a:close/>
+                <a:moveTo>
+                  <a:pt x="169471" y="21905"/>
+                </a:moveTo>
+                <a:cubicBezTo>
+                  <a:pt x="102167" y="21905"/>
+                  <a:pt x="47606" y="39789"/>
+                  <a:pt x="47606" y="61850"/>
+                </a:cubicBezTo>
+                <a:cubicBezTo>
+                  <a:pt x="47606" y="83911"/>
+                  <a:pt x="102167" y="101795"/>
+                  <a:pt x="169471" y="101795"/>
+                </a:cubicBezTo>
+                <a:cubicBezTo>
+                  <a:pt x="236775" y="101795"/>
+                  <a:pt x="291336" y="83911"/>
+                  <a:pt x="291336" y="61850"/>
+                </a:cubicBezTo>
+                <a:cubicBezTo>
+                  <a:pt x="291336" y="39789"/>
+                  <a:pt x="236775" y="21905"/>
+                  <a:pt x="169471" y="21905"/>
+                </a:cubicBezTo>
+                <a:close/>
+                <a:moveTo>
+                  <a:pt x="169471" y="0"/>
+                </a:moveTo>
+                <a:cubicBezTo>
+                  <a:pt x="263067" y="0"/>
+                  <a:pt x="338942" y="24870"/>
+                  <a:pt x="338942" y="55550"/>
+                </a:cubicBezTo>
+                <a:lnTo>
+                  <a:pt x="338942" y="392507"/>
+                </a:lnTo>
+                <a:lnTo>
+                  <a:pt x="338942" y="395783"/>
+                </a:lnTo>
+                <a:lnTo>
+                  <a:pt x="337934" y="395783"/>
+                </a:lnTo>
+                <a:cubicBezTo>
+                  <a:pt x="333263" y="425005"/>
+                  <a:pt x="259580" y="448056"/>
+                  <a:pt x="169471" y="448056"/>
+                </a:cubicBezTo>
+                <a:cubicBezTo>
+                  <a:pt x="79363" y="448056"/>
+                  <a:pt x="5680" y="425005"/>
+                  <a:pt x="1008" y="395783"/>
+                </a:cubicBezTo>
+                <a:lnTo>
+                  <a:pt x="0" y="395783"/>
+                </a:lnTo>
+                <a:lnTo>
+                  <a:pt x="0" y="392507"/>
+                </a:lnTo>
+                <a:lnTo>
+                  <a:pt x="0" y="55550"/>
+                </a:lnTo>
+                <a:cubicBezTo>
+                  <a:pt x="0" y="24870"/>
+                  <a:pt x="75875" y="0"/>
+                  <a:pt x="169471" y="0"/>
+                </a:cubicBezTo>
+                <a:close/>
+              </a:path>
+            </a:pathLst>
+          </a:custGeom>
+          <a:solidFill>
+            <a:srgbClr val="3C454F"/>
+          </a:solidFill>
+          <a:ln>
+            <a:noFill/>
+          </a:ln>
+        </p:spPr>
+        <p:style>
+          <a:lnRef idx="2">
+            <a:schemeClr val="accent1">
+              <a:shade val="50000"/>
+            </a:schemeClr>
+          </a:lnRef>
+          <a:fillRef idx="1">
+            <a:schemeClr val="accent1"/>
+          </a:fillRef>
+          <a:effectRef idx="0">
+            <a:schemeClr val="accent1"/>
+          </a:effectRef>
+          <a:fontRef idx="minor">
+            <a:schemeClr val="lt1"/>
+          </a:fontRef>
+        </p:style>
+        <p:txBody>
+          <a:bodyPr wrap="square" lIns="45720" rIns="45720" rtlCol="0" anchor="ctr">
+            <a:noAutofit/>
+          </a:bodyPr>
+          <a:lstStyle/>
+          <a:p>
+            <a:pPr algn="ctr"/>
+            <a:endParaRPr lang="en-US" sz="800" dirty="0">
+              <a:solidFill>
+                <a:schemeClr val="tx2"/>
+              </a:solidFill>
+            </a:endParaRPr>
+          </a:p>
+        </p:txBody>
+      </p:sp>
+      <p:grpSp>
+        <p:nvGrpSpPr>
+          <p:cNvPr id="20" name="Tables"/>
+          <p:cNvGrpSpPr/>
+          <p:nvPr/>
+        </p:nvGrpSpPr>
+        <p:grpSpPr>
+          <a:xfrm>
+            <a:off x="10237626" y="3402710"/>
+            <a:ext cx="1706721" cy="2118659"/>
+            <a:chOff x="9715112" y="2270596"/>
+            <a:chExt cx="1706721" cy="2118659"/>
+          </a:xfrm>
+        </p:grpSpPr>
+        <p:sp>
+          <p:nvSpPr>
+            <p:cNvPr id="8" name="Table Icon (Bret's)"/>
+            <p:cNvSpPr>
+              <a:spLocks noChangeAspect="1"/>
+            </p:cNvSpPr>
+            <p:nvPr/>
+          </p:nvSpPr>
+          <p:spPr>
+            <a:xfrm>
+              <a:off x="9715112" y="3213340"/>
+              <a:ext cx="726335" cy="726335"/>
+            </a:xfrm>
+            <a:custGeom>
+              <a:avLst/>
+              <a:gdLst>
+                <a:gd name="connsiteX0" fmla="*/ 688969 w 964557"/>
+                <a:gd name="connsiteY0" fmla="*/ 750538 h 964557"/>
+                <a:gd name="connsiteX1" fmla="*/ 688969 w 964557"/>
+                <a:gd name="connsiteY1" fmla="*/ 858282 h 964557"/>
+                <a:gd name="connsiteX2" fmla="*/ 826763 w 964557"/>
+                <a:gd name="connsiteY2" fmla="*/ 858282 h 964557"/>
+                <a:gd name="connsiteX3" fmla="*/ 826763 w 964557"/>
+                <a:gd name="connsiteY3" fmla="*/ 750538 h 964557"/>
+                <a:gd name="connsiteX4" fmla="*/ 413382 w 964557"/>
+                <a:gd name="connsiteY4" fmla="*/ 750538 h 964557"/>
+                <a:gd name="connsiteX5" fmla="*/ 413382 w 964557"/>
+                <a:gd name="connsiteY5" fmla="*/ 858282 h 964557"/>
+                <a:gd name="connsiteX6" fmla="*/ 551176 w 964557"/>
+                <a:gd name="connsiteY6" fmla="*/ 858282 h 964557"/>
+                <a:gd name="connsiteX7" fmla="*/ 551176 w 964557"/>
+                <a:gd name="connsiteY7" fmla="*/ 750538 h 964557"/>
+                <a:gd name="connsiteX8" fmla="*/ 137794 w 964557"/>
+                <a:gd name="connsiteY8" fmla="*/ 750538 h 964557"/>
+                <a:gd name="connsiteX9" fmla="*/ 137794 w 964557"/>
+                <a:gd name="connsiteY9" fmla="*/ 858282 h 964557"/>
+                <a:gd name="connsiteX10" fmla="*/ 275588 w 964557"/>
+                <a:gd name="connsiteY10" fmla="*/ 858282 h 964557"/>
+                <a:gd name="connsiteX11" fmla="*/ 275588 w 964557"/>
+                <a:gd name="connsiteY11" fmla="*/ 750538 h 964557"/>
+                <a:gd name="connsiteX12" fmla="*/ 688969 w 964557"/>
+                <a:gd name="connsiteY12" fmla="*/ 535050 h 964557"/>
+                <a:gd name="connsiteX13" fmla="*/ 688969 w 964557"/>
+                <a:gd name="connsiteY13" fmla="*/ 642794 h 964557"/>
+                <a:gd name="connsiteX14" fmla="*/ 826763 w 964557"/>
+                <a:gd name="connsiteY14" fmla="*/ 642794 h 964557"/>
+                <a:gd name="connsiteX15" fmla="*/ 826763 w 964557"/>
+                <a:gd name="connsiteY15" fmla="*/ 535050 h 964557"/>
+                <a:gd name="connsiteX16" fmla="*/ 413382 w 964557"/>
+                <a:gd name="connsiteY16" fmla="*/ 535050 h 964557"/>
+                <a:gd name="connsiteX17" fmla="*/ 413382 w 964557"/>
+                <a:gd name="connsiteY17" fmla="*/ 642794 h 964557"/>
+                <a:gd name="connsiteX18" fmla="*/ 551176 w 964557"/>
+                <a:gd name="connsiteY18" fmla="*/ 642794 h 964557"/>
+                <a:gd name="connsiteX19" fmla="*/ 551176 w 964557"/>
+                <a:gd name="connsiteY19" fmla="*/ 535050 h 964557"/>
+                <a:gd name="connsiteX20" fmla="*/ 137794 w 964557"/>
+                <a:gd name="connsiteY20" fmla="*/ 535050 h 964557"/>
+                <a:gd name="connsiteX21" fmla="*/ 137794 w 964557"/>
+                <a:gd name="connsiteY21" fmla="*/ 642794 h 964557"/>
+                <a:gd name="connsiteX22" fmla="*/ 275588 w 964557"/>
+                <a:gd name="connsiteY22" fmla="*/ 642794 h 964557"/>
+                <a:gd name="connsiteX23" fmla="*/ 275588 w 964557"/>
+                <a:gd name="connsiteY23" fmla="*/ 535050 h 964557"/>
+                <a:gd name="connsiteX24" fmla="*/ 688969 w 964557"/>
+                <a:gd name="connsiteY24" fmla="*/ 321030 h 964557"/>
+                <a:gd name="connsiteX25" fmla="*/ 688969 w 964557"/>
+                <a:gd name="connsiteY25" fmla="*/ 428774 h 964557"/>
+                <a:gd name="connsiteX26" fmla="*/ 826763 w 964557"/>
+                <a:gd name="connsiteY26" fmla="*/ 428774 h 964557"/>
+                <a:gd name="connsiteX27" fmla="*/ 826763 w 964557"/>
+                <a:gd name="connsiteY27" fmla="*/ 321030 h 964557"/>
+                <a:gd name="connsiteX28" fmla="*/ 413382 w 964557"/>
+                <a:gd name="connsiteY28" fmla="*/ 321030 h 964557"/>
+                <a:gd name="connsiteX29" fmla="*/ 413382 w 964557"/>
+                <a:gd name="connsiteY29" fmla="*/ 428774 h 964557"/>
+                <a:gd name="connsiteX30" fmla="*/ 551176 w 964557"/>
+                <a:gd name="connsiteY30" fmla="*/ 428774 h 964557"/>
+                <a:gd name="connsiteX31" fmla="*/ 551176 w 964557"/>
+                <a:gd name="connsiteY31" fmla="*/ 321030 h 964557"/>
+                <a:gd name="connsiteX32" fmla="*/ 137794 w 964557"/>
+                <a:gd name="connsiteY32" fmla="*/ 321030 h 964557"/>
+                <a:gd name="connsiteX33" fmla="*/ 137794 w 964557"/>
+                <a:gd name="connsiteY33" fmla="*/ 428774 h 964557"/>
+                <a:gd name="connsiteX34" fmla="*/ 275588 w 964557"/>
+                <a:gd name="connsiteY34" fmla="*/ 428774 h 964557"/>
+                <a:gd name="connsiteX35" fmla="*/ 275588 w 964557"/>
+                <a:gd name="connsiteY35" fmla="*/ 321030 h 964557"/>
+                <a:gd name="connsiteX36" fmla="*/ 0 w 964557"/>
+                <a:gd name="connsiteY36" fmla="*/ 0 h 964557"/>
+                <a:gd name="connsiteX37" fmla="*/ 964557 w 964557"/>
+                <a:gd name="connsiteY37" fmla="*/ 0 h 964557"/>
+                <a:gd name="connsiteX38" fmla="*/ 964557 w 964557"/>
+                <a:gd name="connsiteY38" fmla="*/ 964557 h 964557"/>
+                <a:gd name="connsiteX39" fmla="*/ 0 w 964557"/>
+                <a:gd name="connsiteY39" fmla="*/ 964557 h 964557"/>
+              </a:gdLst>
+              <a:ahLst/>
+              <a:cxnLst>
+                <a:cxn ang="0">
+                  <a:pos x="connsiteX0" y="connsiteY0"/>
+                </a:cxn>
+                <a:cxn ang="0">
+                  <a:pos x="connsiteX1" y="connsiteY1"/>
+                </a:cxn>
+                <a:cxn ang="0">
+                  <a:pos x="connsiteX2" y="connsiteY2"/>
+                </a:cxn>
+                <a:cxn ang="0">
+                  <a:pos x="connsiteX3" y="connsiteY3"/>
+                </a:cxn>
+                <a:cxn ang="0">
+                  <a:pos x="connsiteX4" y="connsiteY4"/>
+                </a:cxn>
+                <a:cxn ang="0">
+                  <a:pos x="connsiteX5" y="connsiteY5"/>
+                </a:cxn>
+                <a:cxn ang="0">
+                  <a:pos x="connsiteX6" y="connsiteY6"/>
+                </a:cxn>
+                <a:cxn ang="0">
+                  <a:pos x="connsiteX7" y="connsiteY7"/>
+                </a:cxn>
+                <a:cxn ang="0">
+                  <a:pos x="connsiteX8" y="connsiteY8"/>
+                </a:cxn>
+                <a:cxn ang="0">
+                  <a:pos x="connsiteX9" y="connsiteY9"/>
+                </a:cxn>
+                <a:cxn ang="0">
+                  <a:pos x="connsiteX10" y="connsiteY10"/>
+                </a:cxn>
+                <a:cxn ang="0">
+                  <a:pos x="connsiteX11" y="connsiteY11"/>
+                </a:cxn>
+                <a:cxn ang="0">
+                  <a:pos x="connsiteX12" y="connsiteY12"/>
+                </a:cxn>
+                <a:cxn ang="0">
+                  <a:pos x="connsiteX13" y="connsiteY13"/>
+                </a:cxn>
+                <a:cxn ang="0">
+                  <a:pos x="connsiteX14" y="connsiteY14"/>
+                </a:cxn>
+                <a:cxn ang="0">
+                  <a:pos x="connsiteX15" y="connsiteY15"/>
+                </a:cxn>
+                <a:cxn ang="0">
+                  <a:pos x="connsiteX16" y="connsiteY16"/>
+                </a:cxn>
+                <a:cxn ang="0">
+                  <a:pos x="connsiteX17" y="connsiteY17"/>
+                </a:cxn>
+                <a:cxn ang="0">
+                  <a:pos x="connsiteX18" y="connsiteY18"/>
+                </a:cxn>
+                <a:cxn ang="0">
+                  <a:pos x="connsiteX19" y="connsiteY19"/>
+                </a:cxn>
+                <a:cxn ang="0">
+                  <a:pos x="connsiteX20" y="connsiteY20"/>
+                </a:cxn>
+                <a:cxn ang="0">
+                  <a:pos x="connsiteX21" y="connsiteY21"/>
+                </a:cxn>
+                <a:cxn ang="0">
+                  <a:pos x="connsiteX22" y="connsiteY22"/>
+                </a:cxn>
+                <a:cxn ang="0">
+                  <a:pos x="connsiteX23" y="connsiteY23"/>
+                </a:cxn>
+                <a:cxn ang="0">
+                  <a:pos x="connsiteX24" y="connsiteY24"/>
+                </a:cxn>
+                <a:cxn ang="0">
+                  <a:pos x="connsiteX25" y="connsiteY25"/>
+                </a:cxn>
+                <a:cxn ang="0">
+                  <a:pos x="connsiteX26" y="connsiteY26"/>
+                </a:cxn>
+                <a:cxn ang="0">
+                  <a:pos x="connsiteX27" y="connsiteY27"/>
+                </a:cxn>
+                <a:cxn ang="0">
+                  <a:pos x="connsiteX28" y="connsiteY28"/>
+                </a:cxn>
+                <a:cxn ang="0">
+                  <a:pos x="connsiteX29" y="connsiteY29"/>
+                </a:cxn>
+                <a:cxn ang="0">
+                  <a:pos x="connsiteX30" y="connsiteY30"/>
+                </a:cxn>
+                <a:cxn ang="0">
+                  <a:pos x="connsiteX31" y="connsiteY31"/>
+                </a:cxn>
+                <a:cxn ang="0">
+                  <a:pos x="connsiteX32" y="connsiteY32"/>
+                </a:cxn>
+                <a:cxn ang="0">
+                  <a:pos x="connsiteX33" y="connsiteY33"/>
+                </a:cxn>
+                <a:cxn ang="0">
+                  <a:pos x="connsiteX34" y="connsiteY34"/>
+                </a:cxn>
+                <a:cxn ang="0">
+                  <a:pos x="connsiteX35" y="connsiteY35"/>
+                </a:cxn>
+                <a:cxn ang="0">
+                  <a:pos x="connsiteX36" y="connsiteY36"/>
+                </a:cxn>
+                <a:cxn ang="0">
+                  <a:pos x="connsiteX37" y="connsiteY37"/>
+                </a:cxn>
+                <a:cxn ang="0">
+                  <a:pos x="connsiteX38" y="connsiteY38"/>
+                </a:cxn>
+                <a:cxn ang="0">
+                  <a:pos x="connsiteX39" y="connsiteY39"/>
+                </a:cxn>
+              </a:cxnLst>
+              <a:rect l="l" t="t" r="r" b="b"/>
+              <a:pathLst>
+                <a:path w="964557" h="964557">
+                  <a:moveTo>
+                    <a:pt x="688969" y="750538"/>
+                  </a:moveTo>
+                  <a:lnTo>
+                    <a:pt x="688969" y="858282"/>
+                  </a:lnTo>
+                  <a:lnTo>
+                    <a:pt x="826763" y="858282"/>
+                  </a:lnTo>
+                  <a:lnTo>
+                    <a:pt x="826763" y="750538"/>
+                  </a:lnTo>
+                  <a:close/>
+                  <a:moveTo>
+                    <a:pt x="413382" y="750538"/>
+                  </a:moveTo>
+                  <a:lnTo>
+                    <a:pt x="413382" y="858282"/>
+                  </a:lnTo>
+                  <a:lnTo>
+                    <a:pt x="551176" y="858282"/>
+                  </a:lnTo>
+                  <a:lnTo>
+                    <a:pt x="551176" y="750538"/>
+                  </a:lnTo>
+                  <a:close/>
+                  <a:moveTo>
+                    <a:pt x="137794" y="750538"/>
+                  </a:moveTo>
+                  <a:lnTo>
+                    <a:pt x="137794" y="858282"/>
+                  </a:lnTo>
+                  <a:lnTo>
+                    <a:pt x="275588" y="858282"/>
+                  </a:lnTo>
+                  <a:lnTo>
+                    <a:pt x="275588" y="750538"/>
+                  </a:lnTo>
+                  <a:close/>
+                  <a:moveTo>
+                    <a:pt x="688969" y="535050"/>
+                  </a:moveTo>
+                  <a:lnTo>
+                    <a:pt x="688969" y="642794"/>
+                  </a:lnTo>
+                  <a:lnTo>
+                    <a:pt x="826763" y="642794"/>
+                  </a:lnTo>
+                  <a:lnTo>
+                    <a:pt x="826763" y="535050"/>
+                  </a:lnTo>
+                  <a:close/>
+                  <a:moveTo>
+                    <a:pt x="413382" y="535050"/>
+                  </a:moveTo>
+                  <a:lnTo>
+                    <a:pt x="413382" y="642794"/>
+                  </a:lnTo>
+                  <a:lnTo>
+                    <a:pt x="551176" y="642794"/>
+                  </a:lnTo>
+                  <a:lnTo>
+                    <a:pt x="551176" y="535050"/>
+                  </a:lnTo>
+                  <a:close/>
+                  <a:moveTo>
+                    <a:pt x="137794" y="535050"/>
+                  </a:moveTo>
+                  <a:lnTo>
+                    <a:pt x="137794" y="642794"/>
+                  </a:lnTo>
+                  <a:lnTo>
+                    <a:pt x="275588" y="642794"/>
+                  </a:lnTo>
+                  <a:lnTo>
+                    <a:pt x="275588" y="535050"/>
+                  </a:lnTo>
+                  <a:close/>
+                  <a:moveTo>
+                    <a:pt x="688969" y="321030"/>
+                  </a:moveTo>
+                  <a:lnTo>
+                    <a:pt x="688969" y="428774"/>
+                  </a:lnTo>
+                  <a:lnTo>
+                    <a:pt x="826763" y="428774"/>
+                  </a:lnTo>
+                  <a:lnTo>
+                    <a:pt x="826763" y="321030"/>
+                  </a:lnTo>
+                  <a:close/>
+                  <a:moveTo>
+                    <a:pt x="413382" y="321030"/>
+                  </a:moveTo>
+                  <a:lnTo>
+                    <a:pt x="413382" y="428774"/>
+                  </a:lnTo>
+                  <a:lnTo>
+                    <a:pt x="551176" y="428774"/>
+                  </a:lnTo>
+                  <a:lnTo>
+                    <a:pt x="551176" y="321030"/>
+                  </a:lnTo>
+                  <a:close/>
+                  <a:moveTo>
+                    <a:pt x="137794" y="321030"/>
+                  </a:moveTo>
+                  <a:lnTo>
+                    <a:pt x="137794" y="428774"/>
+                  </a:lnTo>
+                  <a:lnTo>
+                    <a:pt x="275588" y="428774"/>
+                  </a:lnTo>
+                  <a:lnTo>
+                    <a:pt x="275588" y="321030"/>
+                  </a:lnTo>
+                  <a:close/>
+                  <a:moveTo>
+                    <a:pt x="0" y="0"/>
+                  </a:moveTo>
+                  <a:lnTo>
+                    <a:pt x="964557" y="0"/>
+                  </a:lnTo>
+                  <a:lnTo>
+                    <a:pt x="964557" y="964557"/>
+                  </a:lnTo>
+                  <a:lnTo>
+                    <a:pt x="0" y="964557"/>
+                  </a:lnTo>
+                  <a:close/>
+                </a:path>
+              </a:pathLst>
+            </a:custGeom>
+            <a:solidFill>
+              <a:srgbClr val="3C454F"/>
+            </a:solidFill>
+            <a:ln>
+              <a:noFill/>
+            </a:ln>
+          </p:spPr>
+          <p:style>
+            <a:lnRef idx="2">
+              <a:schemeClr val="accent1">
+                <a:shade val="50000"/>
+              </a:schemeClr>
+            </a:lnRef>
+            <a:fillRef idx="1">
+              <a:schemeClr val="accent1"/>
+            </a:fillRef>
+            <a:effectRef idx="0">
+              <a:schemeClr val="accent1"/>
+            </a:effectRef>
+            <a:fontRef idx="minor">
+              <a:schemeClr val="lt1"/>
+            </a:fontRef>
+          </p:style>
+          <p:txBody>
+            <a:bodyPr rtlCol="0" anchor="ctr"/>
+            <a:lstStyle/>
+            <a:p>
+              <a:pPr algn="ctr"/>
+              <a:endParaRPr lang="en-US"/>
+            </a:p>
+          </p:txBody>
+        </p:sp>
+        <p:sp>
+          <p:nvSpPr>
+            <p:cNvPr id="12" name="Table Icon (Bret's)"/>
+            <p:cNvSpPr>
+              <a:spLocks noChangeAspect="1"/>
+            </p:cNvSpPr>
+            <p:nvPr/>
+          </p:nvSpPr>
+          <p:spPr>
+            <a:xfrm>
+              <a:off x="10332331" y="2270596"/>
+              <a:ext cx="726335" cy="726335"/>
+            </a:xfrm>
+            <a:custGeom>
+              <a:avLst/>
+              <a:gdLst>
+                <a:gd name="connsiteX0" fmla="*/ 688969 w 964557"/>
+                <a:gd name="connsiteY0" fmla="*/ 750538 h 964557"/>
+                <a:gd name="connsiteX1" fmla="*/ 688969 w 964557"/>
+                <a:gd name="connsiteY1" fmla="*/ 858282 h 964557"/>
+                <a:gd name="connsiteX2" fmla="*/ 826763 w 964557"/>
+                <a:gd name="connsiteY2" fmla="*/ 858282 h 964557"/>
+                <a:gd name="connsiteX3" fmla="*/ 826763 w 964557"/>
+                <a:gd name="connsiteY3" fmla="*/ 750538 h 964557"/>
+                <a:gd name="connsiteX4" fmla="*/ 413382 w 964557"/>
+                <a:gd name="connsiteY4" fmla="*/ 750538 h 964557"/>
+                <a:gd name="connsiteX5" fmla="*/ 413382 w 964557"/>
+                <a:gd name="connsiteY5" fmla="*/ 858282 h 964557"/>
+                <a:gd name="connsiteX6" fmla="*/ 551176 w 964557"/>
+                <a:gd name="connsiteY6" fmla="*/ 858282 h 964557"/>
+                <a:gd name="connsiteX7" fmla="*/ 551176 w 964557"/>
+                <a:gd name="connsiteY7" fmla="*/ 750538 h 964557"/>
+                <a:gd name="connsiteX8" fmla="*/ 137794 w 964557"/>
+                <a:gd name="connsiteY8" fmla="*/ 750538 h 964557"/>
+                <a:gd name="connsiteX9" fmla="*/ 137794 w 964557"/>
+                <a:gd name="connsiteY9" fmla="*/ 858282 h 964557"/>
+                <a:gd name="connsiteX10" fmla="*/ 275588 w 964557"/>
+                <a:gd name="connsiteY10" fmla="*/ 858282 h 964557"/>
+                <a:gd name="connsiteX11" fmla="*/ 275588 w 964557"/>
+                <a:gd name="connsiteY11" fmla="*/ 750538 h 964557"/>
+                <a:gd name="connsiteX12" fmla="*/ 688969 w 964557"/>
+                <a:gd name="connsiteY12" fmla="*/ 535050 h 964557"/>
+                <a:gd name="connsiteX13" fmla="*/ 688969 w 964557"/>
+                <a:gd name="connsiteY13" fmla="*/ 642794 h 964557"/>
+                <a:gd name="connsiteX14" fmla="*/ 826763 w 964557"/>
+                <a:gd name="connsiteY14" fmla="*/ 642794 h 964557"/>
+                <a:gd name="connsiteX15" fmla="*/ 826763 w 964557"/>
+                <a:gd name="connsiteY15" fmla="*/ 535050 h 964557"/>
+                <a:gd name="connsiteX16" fmla="*/ 413382 w 964557"/>
+                <a:gd name="connsiteY16" fmla="*/ 535050 h 964557"/>
+                <a:gd name="connsiteX17" fmla="*/ 413382 w 964557"/>
+                <a:gd name="connsiteY17" fmla="*/ 642794 h 964557"/>
+                <a:gd name="connsiteX18" fmla="*/ 551176 w 964557"/>
+                <a:gd name="connsiteY18" fmla="*/ 642794 h 964557"/>
+                <a:gd name="connsiteX19" fmla="*/ 551176 w 964557"/>
+                <a:gd name="connsiteY19" fmla="*/ 535050 h 964557"/>
+                <a:gd name="connsiteX20" fmla="*/ 137794 w 964557"/>
+                <a:gd name="connsiteY20" fmla="*/ 535050 h 964557"/>
+                <a:gd name="connsiteX21" fmla="*/ 137794 w 964557"/>
+                <a:gd name="connsiteY21" fmla="*/ 642794 h 964557"/>
+                <a:gd name="connsiteX22" fmla="*/ 275588 w 964557"/>
+                <a:gd name="connsiteY22" fmla="*/ 642794 h 964557"/>
+                <a:gd name="connsiteX23" fmla="*/ 275588 w 964557"/>
+                <a:gd name="connsiteY23" fmla="*/ 535050 h 964557"/>
+                <a:gd name="connsiteX24" fmla="*/ 688969 w 964557"/>
+                <a:gd name="connsiteY24" fmla="*/ 321030 h 964557"/>
+                <a:gd name="connsiteX25" fmla="*/ 688969 w 964557"/>
+                <a:gd name="connsiteY25" fmla="*/ 428774 h 964557"/>
+                <a:gd name="connsiteX26" fmla="*/ 826763 w 964557"/>
+                <a:gd name="connsiteY26" fmla="*/ 428774 h 964557"/>
+                <a:gd name="connsiteX27" fmla="*/ 826763 w 964557"/>
+                <a:gd name="connsiteY27" fmla="*/ 321030 h 964557"/>
+                <a:gd name="connsiteX28" fmla="*/ 413382 w 964557"/>
+                <a:gd name="connsiteY28" fmla="*/ 321030 h 964557"/>
+                <a:gd name="connsiteX29" fmla="*/ 413382 w 964557"/>
+                <a:gd name="connsiteY29" fmla="*/ 428774 h 964557"/>
+                <a:gd name="connsiteX30" fmla="*/ 551176 w 964557"/>
+                <a:gd name="connsiteY30" fmla="*/ 428774 h 964557"/>
+                <a:gd name="connsiteX31" fmla="*/ 551176 w 964557"/>
+                <a:gd name="connsiteY31" fmla="*/ 321030 h 964557"/>
+                <a:gd name="connsiteX32" fmla="*/ 137794 w 964557"/>
+                <a:gd name="connsiteY32" fmla="*/ 321030 h 964557"/>
+                <a:gd name="connsiteX33" fmla="*/ 137794 w 964557"/>
+                <a:gd name="connsiteY33" fmla="*/ 428774 h 964557"/>
+                <a:gd name="connsiteX34" fmla="*/ 275588 w 964557"/>
+                <a:gd name="connsiteY34" fmla="*/ 428774 h 964557"/>
+                <a:gd name="connsiteX35" fmla="*/ 275588 w 964557"/>
+                <a:gd name="connsiteY35" fmla="*/ 321030 h 964557"/>
+                <a:gd name="connsiteX36" fmla="*/ 0 w 964557"/>
+                <a:gd name="connsiteY36" fmla="*/ 0 h 964557"/>
+                <a:gd name="connsiteX37" fmla="*/ 964557 w 964557"/>
+                <a:gd name="connsiteY37" fmla="*/ 0 h 964557"/>
+                <a:gd name="connsiteX38" fmla="*/ 964557 w 964557"/>
+                <a:gd name="connsiteY38" fmla="*/ 964557 h 964557"/>
+                <a:gd name="connsiteX39" fmla="*/ 0 w 964557"/>
+                <a:gd name="connsiteY39" fmla="*/ 964557 h 964557"/>
+              </a:gdLst>
+              <a:ahLst/>
+              <a:cxnLst>
+                <a:cxn ang="0">
+                  <a:pos x="connsiteX0" y="connsiteY0"/>
+                </a:cxn>
+                <a:cxn ang="0">
+                  <a:pos x="connsiteX1" y="connsiteY1"/>
+                </a:cxn>
+                <a:cxn ang="0">
+                  <a:pos x="connsiteX2" y="connsiteY2"/>
+                </a:cxn>
+                <a:cxn ang="0">
+                  <a:pos x="connsiteX3" y="connsiteY3"/>
+                </a:cxn>
+                <a:cxn ang="0">
+                  <a:pos x="connsiteX4" y="connsiteY4"/>
+                </a:cxn>
+                <a:cxn ang="0">
+                  <a:pos x="connsiteX5" y="connsiteY5"/>
+                </a:cxn>
+                <a:cxn ang="0">
+                  <a:pos x="connsiteX6" y="connsiteY6"/>
+                </a:cxn>
+                <a:cxn ang="0">
+                  <a:pos x="connsiteX7" y="connsiteY7"/>
+                </a:cxn>
+                <a:cxn ang="0">
+                  <a:pos x="connsiteX8" y="connsiteY8"/>
+                </a:cxn>
+                <a:cxn ang="0">
+                  <a:pos x="connsiteX9" y="connsiteY9"/>
+                </a:cxn>
+                <a:cxn ang="0">
+                  <a:pos x="connsiteX10" y="connsiteY10"/>
+                </a:cxn>
+                <a:cxn ang="0">
+                  <a:pos x="connsiteX11" y="connsiteY11"/>
+                </a:cxn>
+                <a:cxn ang="0">
+                  <a:pos x="connsiteX12" y="connsiteY12"/>
+                </a:cxn>
+                <a:cxn ang="0">
+                  <a:pos x="connsiteX13" y="connsiteY13"/>
+                </a:cxn>
+                <a:cxn ang="0">
+                  <a:pos x="connsiteX14" y="connsiteY14"/>
+                </a:cxn>
+                <a:cxn ang="0">
+                  <a:pos x="connsiteX15" y="connsiteY15"/>
+                </a:cxn>
+                <a:cxn ang="0">
+                  <a:pos x="connsiteX16" y="connsiteY16"/>
+                </a:cxn>
+                <a:cxn ang="0">
+                  <a:pos x="connsiteX17" y="connsiteY17"/>
+                </a:cxn>
+                <a:cxn ang="0">
+                  <a:pos x="connsiteX18" y="connsiteY18"/>
+                </a:cxn>
+                <a:cxn ang="0">
+                  <a:pos x="connsiteX19" y="connsiteY19"/>
+                </a:cxn>
+                <a:cxn ang="0">
+                  <a:pos x="connsiteX20" y="connsiteY20"/>
+                </a:cxn>
+                <a:cxn ang="0">
+                  <a:pos x="connsiteX21" y="connsiteY21"/>
+                </a:cxn>
+                <a:cxn ang="0">
+                  <a:pos x="connsiteX22" y="connsiteY22"/>
+                </a:cxn>
+                <a:cxn ang="0">
+                  <a:pos x="connsiteX23" y="connsiteY23"/>
+                </a:cxn>
+                <a:cxn ang="0">
+                  <a:pos x="connsiteX24" y="connsiteY24"/>
+                </a:cxn>
+                <a:cxn ang="0">
+                  <a:pos x="connsiteX25" y="connsiteY25"/>
+                </a:cxn>
+                <a:cxn ang="0">
+                  <a:pos x="connsiteX26" y="connsiteY26"/>
+                </a:cxn>
+                <a:cxn ang="0">
+                  <a:pos x="connsiteX27" y="connsiteY27"/>
+                </a:cxn>
+                <a:cxn ang="0">
+                  <a:pos x="connsiteX28" y="connsiteY28"/>
+                </a:cxn>
+                <a:cxn ang="0">
+                  <a:pos x="connsiteX29" y="connsiteY29"/>
+                </a:cxn>
+                <a:cxn ang="0">
+                  <a:pos x="connsiteX30" y="connsiteY30"/>
+                </a:cxn>
+                <a:cxn ang="0">
+                  <a:pos x="connsiteX31" y="connsiteY31"/>
+                </a:cxn>
+                <a:cxn ang="0">
+                  <a:pos x="connsiteX32" y="connsiteY32"/>
+                </a:cxn>
+                <a:cxn ang="0">
+                  <a:pos x="connsiteX33" y="connsiteY33"/>
+                </a:cxn>
+                <a:cxn ang="0">
+                  <a:pos x="connsiteX34" y="connsiteY34"/>
+                </a:cxn>
+                <a:cxn ang="0">
+                  <a:pos x="connsiteX35" y="connsiteY35"/>
+                </a:cxn>
+                <a:cxn ang="0">
+                  <a:pos x="connsiteX36" y="connsiteY36"/>
+                </a:cxn>
+                <a:cxn ang="0">
+                  <a:pos x="connsiteX37" y="connsiteY37"/>
+                </a:cxn>
+                <a:cxn ang="0">
+                  <a:pos x="connsiteX38" y="connsiteY38"/>
+                </a:cxn>
+                <a:cxn ang="0">
+                  <a:pos x="connsiteX39" y="connsiteY39"/>
+                </a:cxn>
+              </a:cxnLst>
+              <a:rect l="l" t="t" r="r" b="b"/>
+              <a:pathLst>
+                <a:path w="964557" h="964557">
+                  <a:moveTo>
+                    <a:pt x="688969" y="750538"/>
+                  </a:moveTo>
+                  <a:lnTo>
+                    <a:pt x="688969" y="858282"/>
+                  </a:lnTo>
+                  <a:lnTo>
+                    <a:pt x="826763" y="858282"/>
+                  </a:lnTo>
+                  <a:lnTo>
+                    <a:pt x="826763" y="750538"/>
+                  </a:lnTo>
+                  <a:close/>
+                  <a:moveTo>
+                    <a:pt x="413382" y="750538"/>
+                  </a:moveTo>
+                  <a:lnTo>
+                    <a:pt x="413382" y="858282"/>
+                  </a:lnTo>
+                  <a:lnTo>
+                    <a:pt x="551176" y="858282"/>
+                  </a:lnTo>
+                  <a:lnTo>
+                    <a:pt x="551176" y="750538"/>
+                  </a:lnTo>
+                  <a:close/>
+                  <a:moveTo>
+                    <a:pt x="137794" y="750538"/>
+                  </a:moveTo>
+                  <a:lnTo>
+                    <a:pt x="137794" y="858282"/>
+                  </a:lnTo>
+                  <a:lnTo>
+                    <a:pt x="275588" y="858282"/>
+                  </a:lnTo>
+                  <a:lnTo>
+                    <a:pt x="275588" y="750538"/>
+                  </a:lnTo>
+                  <a:close/>
+                  <a:moveTo>
+                    <a:pt x="688969" y="535050"/>
+                  </a:moveTo>
+                  <a:lnTo>
+                    <a:pt x="688969" y="642794"/>
+                  </a:lnTo>
+                  <a:lnTo>
+                    <a:pt x="826763" y="642794"/>
+                  </a:lnTo>
+                  <a:lnTo>
+                    <a:pt x="826763" y="535050"/>
+                  </a:lnTo>
+                  <a:close/>
+                  <a:moveTo>
+                    <a:pt x="413382" y="535050"/>
+                  </a:moveTo>
+                  <a:lnTo>
+                    <a:pt x="413382" y="642794"/>
+                  </a:lnTo>
+                  <a:lnTo>
+                    <a:pt x="551176" y="642794"/>
+                  </a:lnTo>
+                  <a:lnTo>
+                    <a:pt x="551176" y="535050"/>
+                  </a:lnTo>
+                  <a:close/>
+                  <a:moveTo>
+                    <a:pt x="137794" y="535050"/>
+                  </a:moveTo>
+                  <a:lnTo>
+                    <a:pt x="137794" y="642794"/>
+                  </a:lnTo>
+                  <a:lnTo>
+                    <a:pt x="275588" y="642794"/>
+                  </a:lnTo>
+                  <a:lnTo>
+                    <a:pt x="275588" y="535050"/>
+                  </a:lnTo>
+                  <a:close/>
+                  <a:moveTo>
+                    <a:pt x="688969" y="321030"/>
+                  </a:moveTo>
+                  <a:lnTo>
+                    <a:pt x="688969" y="428774"/>
+                  </a:lnTo>
+                  <a:lnTo>
+                    <a:pt x="826763" y="428774"/>
+                  </a:lnTo>
+                  <a:lnTo>
+                    <a:pt x="826763" y="321030"/>
+                  </a:lnTo>
+                  <a:close/>
+                  <a:moveTo>
+                    <a:pt x="413382" y="321030"/>
+                  </a:moveTo>
+                  <a:lnTo>
+                    <a:pt x="413382" y="428774"/>
+                  </a:lnTo>
+                  <a:lnTo>
+                    <a:pt x="551176" y="428774"/>
+                  </a:lnTo>
+                  <a:lnTo>
+                    <a:pt x="551176" y="321030"/>
+                  </a:lnTo>
+                  <a:close/>
+                  <a:moveTo>
+                    <a:pt x="137794" y="321030"/>
+                  </a:moveTo>
+                  <a:lnTo>
+                    <a:pt x="137794" y="428774"/>
+                  </a:lnTo>
+                  <a:lnTo>
+                    <a:pt x="275588" y="428774"/>
+                  </a:lnTo>
+                  <a:lnTo>
+                    <a:pt x="275588" y="321030"/>
+                  </a:lnTo>
+                  <a:close/>
+                  <a:moveTo>
+                    <a:pt x="0" y="0"/>
+                  </a:moveTo>
+                  <a:lnTo>
+                    <a:pt x="964557" y="0"/>
+                  </a:lnTo>
+                  <a:lnTo>
+                    <a:pt x="964557" y="964557"/>
+                  </a:lnTo>
+                  <a:lnTo>
+                    <a:pt x="0" y="964557"/>
+                  </a:lnTo>
+                  <a:close/>
+                </a:path>
+              </a:pathLst>
+            </a:custGeom>
+            <a:solidFill>
+              <a:srgbClr val="3C454F"/>
+            </a:solidFill>
+            <a:ln>
+              <a:noFill/>
+            </a:ln>
+          </p:spPr>
+          <p:style>
+            <a:lnRef idx="2">
+              <a:schemeClr val="accent1">
+                <a:shade val="50000"/>
+              </a:schemeClr>
+            </a:lnRef>
+            <a:fillRef idx="1">
+              <a:schemeClr val="accent1"/>
+            </a:fillRef>
+            <a:effectRef idx="0">
+              <a:schemeClr val="accent1"/>
+            </a:effectRef>
+            <a:fontRef idx="minor">
+              <a:schemeClr val="lt1"/>
+            </a:fontRef>
+          </p:style>
+          <p:txBody>
+            <a:bodyPr rtlCol="0" anchor="ctr"/>
+            <a:lstStyle/>
+            <a:p>
+              <a:pPr algn="ctr"/>
+              <a:endParaRPr lang="en-US"/>
+            </a:p>
+          </p:txBody>
+        </p:sp>
+        <p:sp>
+          <p:nvSpPr>
+            <p:cNvPr id="13" name="Table Icon (Bret's)"/>
+            <p:cNvSpPr>
+              <a:spLocks noChangeAspect="1"/>
+            </p:cNvSpPr>
+            <p:nvPr/>
+          </p:nvSpPr>
+          <p:spPr>
+            <a:xfrm>
+              <a:off x="10695498" y="3662920"/>
+              <a:ext cx="726335" cy="726335"/>
+            </a:xfrm>
+            <a:custGeom>
+              <a:avLst/>
+              <a:gdLst>
+                <a:gd name="connsiteX0" fmla="*/ 688969 w 964557"/>
+                <a:gd name="connsiteY0" fmla="*/ 750538 h 964557"/>
+                <a:gd name="connsiteX1" fmla="*/ 688969 w 964557"/>
+                <a:gd name="connsiteY1" fmla="*/ 858282 h 964557"/>
+                <a:gd name="connsiteX2" fmla="*/ 826763 w 964557"/>
+                <a:gd name="connsiteY2" fmla="*/ 858282 h 964557"/>
+                <a:gd name="connsiteX3" fmla="*/ 826763 w 964557"/>
+                <a:gd name="connsiteY3" fmla="*/ 750538 h 964557"/>
+                <a:gd name="connsiteX4" fmla="*/ 413382 w 964557"/>
+                <a:gd name="connsiteY4" fmla="*/ 750538 h 964557"/>
+                <a:gd name="connsiteX5" fmla="*/ 413382 w 964557"/>
+                <a:gd name="connsiteY5" fmla="*/ 858282 h 964557"/>
+                <a:gd name="connsiteX6" fmla="*/ 551176 w 964557"/>
+                <a:gd name="connsiteY6" fmla="*/ 858282 h 964557"/>
+                <a:gd name="connsiteX7" fmla="*/ 551176 w 964557"/>
+                <a:gd name="connsiteY7" fmla="*/ 750538 h 964557"/>
+                <a:gd name="connsiteX8" fmla="*/ 137794 w 964557"/>
+                <a:gd name="connsiteY8" fmla="*/ 750538 h 964557"/>
+                <a:gd name="connsiteX9" fmla="*/ 137794 w 964557"/>
+                <a:gd name="connsiteY9" fmla="*/ 858282 h 964557"/>
+                <a:gd name="connsiteX10" fmla="*/ 275588 w 964557"/>
+                <a:gd name="connsiteY10" fmla="*/ 858282 h 964557"/>
+                <a:gd name="connsiteX11" fmla="*/ 275588 w 964557"/>
+                <a:gd name="connsiteY11" fmla="*/ 750538 h 964557"/>
+                <a:gd name="connsiteX12" fmla="*/ 688969 w 964557"/>
+                <a:gd name="connsiteY12" fmla="*/ 535050 h 964557"/>
+                <a:gd name="connsiteX13" fmla="*/ 688969 w 964557"/>
+                <a:gd name="connsiteY13" fmla="*/ 642794 h 964557"/>
+                <a:gd name="connsiteX14" fmla="*/ 826763 w 964557"/>
+                <a:gd name="connsiteY14" fmla="*/ 642794 h 964557"/>
+                <a:gd name="connsiteX15" fmla="*/ 826763 w 964557"/>
+                <a:gd name="connsiteY15" fmla="*/ 535050 h 964557"/>
+                <a:gd name="connsiteX16" fmla="*/ 413382 w 964557"/>
+                <a:gd name="connsiteY16" fmla="*/ 535050 h 964557"/>
+                <a:gd name="connsiteX17" fmla="*/ 413382 w 964557"/>
+                <a:gd name="connsiteY17" fmla="*/ 642794 h 964557"/>
+                <a:gd name="connsiteX18" fmla="*/ 551176 w 964557"/>
+                <a:gd name="connsiteY18" fmla="*/ 642794 h 964557"/>
+                <a:gd name="connsiteX19" fmla="*/ 551176 w 964557"/>
+                <a:gd name="connsiteY19" fmla="*/ 535050 h 964557"/>
+                <a:gd name="connsiteX20" fmla="*/ 137794 w 964557"/>
+                <a:gd name="connsiteY20" fmla="*/ 535050 h 964557"/>
+                <a:gd name="connsiteX21" fmla="*/ 137794 w 964557"/>
+                <a:gd name="connsiteY21" fmla="*/ 642794 h 964557"/>
+                <a:gd name="connsiteX22" fmla="*/ 275588 w 964557"/>
+                <a:gd name="connsiteY22" fmla="*/ 642794 h 964557"/>
+                <a:gd name="connsiteX23" fmla="*/ 275588 w 964557"/>
+                <a:gd name="connsiteY23" fmla="*/ 535050 h 964557"/>
+                <a:gd name="connsiteX24" fmla="*/ 688969 w 964557"/>
+                <a:gd name="connsiteY24" fmla="*/ 321030 h 964557"/>
+                <a:gd name="connsiteX25" fmla="*/ 688969 w 964557"/>
+                <a:gd name="connsiteY25" fmla="*/ 428774 h 964557"/>
+                <a:gd name="connsiteX26" fmla="*/ 826763 w 964557"/>
+                <a:gd name="connsiteY26" fmla="*/ 428774 h 964557"/>
+                <a:gd name="connsiteX27" fmla="*/ 826763 w 964557"/>
+                <a:gd name="connsiteY27" fmla="*/ 321030 h 964557"/>
+                <a:gd name="connsiteX28" fmla="*/ 413382 w 964557"/>
+                <a:gd name="connsiteY28" fmla="*/ 321030 h 964557"/>
+                <a:gd name="connsiteX29" fmla="*/ 413382 w 964557"/>
+                <a:gd name="connsiteY29" fmla="*/ 428774 h 964557"/>
+                <a:gd name="connsiteX30" fmla="*/ 551176 w 964557"/>
+                <a:gd name="connsiteY30" fmla="*/ 428774 h 964557"/>
+                <a:gd name="connsiteX31" fmla="*/ 551176 w 964557"/>
+                <a:gd name="connsiteY31" fmla="*/ 321030 h 964557"/>
+                <a:gd name="connsiteX32" fmla="*/ 137794 w 964557"/>
+                <a:gd name="connsiteY32" fmla="*/ 321030 h 964557"/>
+                <a:gd name="connsiteX33" fmla="*/ 137794 w 964557"/>
+                <a:gd name="connsiteY33" fmla="*/ 428774 h 964557"/>
+                <a:gd name="connsiteX34" fmla="*/ 275588 w 964557"/>
+                <a:gd name="connsiteY34" fmla="*/ 428774 h 964557"/>
+                <a:gd name="connsiteX35" fmla="*/ 275588 w 964557"/>
+                <a:gd name="connsiteY35" fmla="*/ 321030 h 964557"/>
+                <a:gd name="connsiteX36" fmla="*/ 0 w 964557"/>
+                <a:gd name="connsiteY36" fmla="*/ 0 h 964557"/>
+                <a:gd name="connsiteX37" fmla="*/ 964557 w 964557"/>
+                <a:gd name="connsiteY37" fmla="*/ 0 h 964557"/>
+                <a:gd name="connsiteX38" fmla="*/ 964557 w 964557"/>
+                <a:gd name="connsiteY38" fmla="*/ 964557 h 964557"/>
+                <a:gd name="connsiteX39" fmla="*/ 0 w 964557"/>
+                <a:gd name="connsiteY39" fmla="*/ 964557 h 964557"/>
+              </a:gdLst>
+              <a:ahLst/>
+              <a:cxnLst>
+                <a:cxn ang="0">
+                  <a:pos x="connsiteX0" y="connsiteY0"/>
+                </a:cxn>
+                <a:cxn ang="0">
+                  <a:pos x="connsiteX1" y="connsiteY1"/>
+                </a:cxn>
+                <a:cxn ang="0">
+                  <a:pos x="connsiteX2" y="connsiteY2"/>
+                </a:cxn>
+                <a:cxn ang="0">
+                  <a:pos x="connsiteX3" y="connsiteY3"/>
+                </a:cxn>
+                <a:cxn ang="0">
+                  <a:pos x="connsiteX4" y="connsiteY4"/>
+                </a:cxn>
+                <a:cxn ang="0">
+                  <a:pos x="connsiteX5" y="connsiteY5"/>
+                </a:cxn>
+                <a:cxn ang="0">
+                  <a:pos x="connsiteX6" y="connsiteY6"/>
+                </a:cxn>
+                <a:cxn ang="0">
+                  <a:pos x="connsiteX7" y="connsiteY7"/>
+                </a:cxn>
+                <a:cxn ang="0">
+                  <a:pos x="connsiteX8" y="connsiteY8"/>
+                </a:cxn>
+                <a:cxn ang="0">
+                  <a:pos x="connsiteX9" y="connsiteY9"/>
+                </a:cxn>
+                <a:cxn ang="0">
+                  <a:pos x="connsiteX10" y="connsiteY10"/>
+                </a:cxn>
+                <a:cxn ang="0">
+                  <a:pos x="connsiteX11" y="connsiteY11"/>
+                </a:cxn>
+                <a:cxn ang="0">
+                  <a:pos x="connsiteX12" y="connsiteY12"/>
+                </a:cxn>
+                <a:cxn ang="0">
+                  <a:pos x="connsiteX13" y="connsiteY13"/>
+                </a:cxn>
+                <a:cxn ang="0">
+                  <a:pos x="connsiteX14" y="connsiteY14"/>
+                </a:cxn>
+                <a:cxn ang="0">
+                  <a:pos x="connsiteX15" y="connsiteY15"/>
+                </a:cxn>
+                <a:cxn ang="0">
+                  <a:pos x="connsiteX16" y="connsiteY16"/>
+                </a:cxn>
+                <a:cxn ang="0">
+                  <a:pos x="connsiteX17" y="connsiteY17"/>
+                </a:cxn>
+                <a:cxn ang="0">
+                  <a:pos x="connsiteX18" y="connsiteY18"/>
+                </a:cxn>
+                <a:cxn ang="0">
+                  <a:pos x="connsiteX19" y="connsiteY19"/>
+                </a:cxn>
+                <a:cxn ang="0">
+                  <a:pos x="connsiteX20" y="connsiteY20"/>
+                </a:cxn>
+                <a:cxn ang="0">
+                  <a:pos x="connsiteX21" y="connsiteY21"/>
+                </a:cxn>
+                <a:cxn ang="0">
+                  <a:pos x="connsiteX22" y="connsiteY22"/>
+                </a:cxn>
+                <a:cxn ang="0">
+                  <a:pos x="connsiteX23" y="connsiteY23"/>
+                </a:cxn>
+                <a:cxn ang="0">
+                  <a:pos x="connsiteX24" y="connsiteY24"/>
+                </a:cxn>
+                <a:cxn ang="0">
+                  <a:pos x="connsiteX25" y="connsiteY25"/>
+                </a:cxn>
+                <a:cxn ang="0">
+                  <a:pos x="connsiteX26" y="connsiteY26"/>
+                </a:cxn>
+                <a:cxn ang="0">
+                  <a:pos x="connsiteX27" y="connsiteY27"/>
+                </a:cxn>
+                <a:cxn ang="0">
+                  <a:pos x="connsiteX28" y="connsiteY28"/>
+                </a:cxn>
+                <a:cxn ang="0">
+                  <a:pos x="connsiteX29" y="connsiteY29"/>
+                </a:cxn>
+                <a:cxn ang="0">
+                  <a:pos x="connsiteX30" y="connsiteY30"/>
+                </a:cxn>
+                <a:cxn ang="0">
+                  <a:pos x="connsiteX31" y="connsiteY31"/>
+                </a:cxn>
+                <a:cxn ang="0">
+                  <a:pos x="connsiteX32" y="connsiteY32"/>
+                </a:cxn>
+                <a:cxn ang="0">
+                  <a:pos x="connsiteX33" y="connsiteY33"/>
+                </a:cxn>
+                <a:cxn ang="0">
+                  <a:pos x="connsiteX34" y="connsiteY34"/>
+                </a:cxn>
+                <a:cxn ang="0">
+                  <a:pos x="connsiteX35" y="connsiteY35"/>
+                </a:cxn>
+                <a:cxn ang="0">
+                  <a:pos x="connsiteX36" y="connsiteY36"/>
+                </a:cxn>
+                <a:cxn ang="0">
+                  <a:pos x="connsiteX37" y="connsiteY37"/>
+                </a:cxn>
+                <a:cxn ang="0">
+                  <a:pos x="connsiteX38" y="connsiteY38"/>
+                </a:cxn>
+                <a:cxn ang="0">
+                  <a:pos x="connsiteX39" y="connsiteY39"/>
+                </a:cxn>
+              </a:cxnLst>
+              <a:rect l="l" t="t" r="r" b="b"/>
+              <a:pathLst>
+                <a:path w="964557" h="964557">
+                  <a:moveTo>
+                    <a:pt x="688969" y="750538"/>
+                  </a:moveTo>
+                  <a:lnTo>
+                    <a:pt x="688969" y="858282"/>
+                  </a:lnTo>
+                  <a:lnTo>
+                    <a:pt x="826763" y="858282"/>
+                  </a:lnTo>
+                  <a:lnTo>
+                    <a:pt x="826763" y="750538"/>
+                  </a:lnTo>
+                  <a:close/>
+                  <a:moveTo>
+                    <a:pt x="413382" y="750538"/>
+                  </a:moveTo>
+                  <a:lnTo>
+                    <a:pt x="413382" y="858282"/>
+                  </a:lnTo>
+                  <a:lnTo>
+                    <a:pt x="551176" y="858282"/>
+                  </a:lnTo>
+                  <a:lnTo>
+                    <a:pt x="551176" y="750538"/>
+                  </a:lnTo>
+                  <a:close/>
+                  <a:moveTo>
+                    <a:pt x="137794" y="750538"/>
+                  </a:moveTo>
+                  <a:lnTo>
+                    <a:pt x="137794" y="858282"/>
+                  </a:lnTo>
+                  <a:lnTo>
+                    <a:pt x="275588" y="858282"/>
+                  </a:lnTo>
+                  <a:lnTo>
+                    <a:pt x="275588" y="750538"/>
+                  </a:lnTo>
+                  <a:close/>
+                  <a:moveTo>
+                    <a:pt x="688969" y="535050"/>
+                  </a:moveTo>
+                  <a:lnTo>
+                    <a:pt x="688969" y="642794"/>
+                  </a:lnTo>
+                  <a:lnTo>
+                    <a:pt x="826763" y="642794"/>
+                  </a:lnTo>
+                  <a:lnTo>
+                    <a:pt x="826763" y="535050"/>
+                  </a:lnTo>
+                  <a:close/>
+                  <a:moveTo>
+                    <a:pt x="413382" y="535050"/>
+                  </a:moveTo>
+                  <a:lnTo>
+                    <a:pt x="413382" y="642794"/>
+                  </a:lnTo>
+                  <a:lnTo>
+                    <a:pt x="551176" y="642794"/>
+                  </a:lnTo>
+                  <a:lnTo>
+                    <a:pt x="551176" y="535050"/>
+                  </a:lnTo>
+                  <a:close/>
+                  <a:moveTo>
+                    <a:pt x="137794" y="535050"/>
+                  </a:moveTo>
+                  <a:lnTo>
+                    <a:pt x="137794" y="642794"/>
+                  </a:lnTo>
+                  <a:lnTo>
+                    <a:pt x="275588" y="642794"/>
+                  </a:lnTo>
+                  <a:lnTo>
+                    <a:pt x="275588" y="535050"/>
+                  </a:lnTo>
+                  <a:close/>
+                  <a:moveTo>
+                    <a:pt x="688969" y="321030"/>
+                  </a:moveTo>
+                  <a:lnTo>
+                    <a:pt x="688969" y="428774"/>
+                  </a:lnTo>
+                  <a:lnTo>
+                    <a:pt x="826763" y="428774"/>
+                  </a:lnTo>
+                  <a:lnTo>
+                    <a:pt x="826763" y="321030"/>
+                  </a:lnTo>
+                  <a:close/>
+                  <a:moveTo>
+                    <a:pt x="413382" y="321030"/>
+                  </a:moveTo>
+                  <a:lnTo>
+                    <a:pt x="413382" y="428774"/>
+                  </a:lnTo>
+                  <a:lnTo>
+                    <a:pt x="551176" y="428774"/>
+                  </a:lnTo>
+                  <a:lnTo>
+                    <a:pt x="551176" y="321030"/>
+                  </a:lnTo>
+                  <a:close/>
+                  <a:moveTo>
+                    <a:pt x="137794" y="321030"/>
+                  </a:moveTo>
+                  <a:lnTo>
+                    <a:pt x="137794" y="428774"/>
+                  </a:lnTo>
+                  <a:lnTo>
+                    <a:pt x="275588" y="428774"/>
+                  </a:lnTo>
+                  <a:lnTo>
+                    <a:pt x="275588" y="321030"/>
+                  </a:lnTo>
+                  <a:close/>
+                  <a:moveTo>
+                    <a:pt x="0" y="0"/>
+                  </a:moveTo>
+                  <a:lnTo>
+                    <a:pt x="964557" y="0"/>
+                  </a:lnTo>
+                  <a:lnTo>
+                    <a:pt x="964557" y="964557"/>
+                  </a:lnTo>
+                  <a:lnTo>
+                    <a:pt x="0" y="964557"/>
+                  </a:lnTo>
+                  <a:close/>
+                </a:path>
+              </a:pathLst>
+            </a:custGeom>
+            <a:solidFill>
+              <a:srgbClr val="3C454F"/>
+            </a:solidFill>
+            <a:ln>
+              <a:noFill/>
+            </a:ln>
+          </p:spPr>
+          <p:style>
+            <a:lnRef idx="2">
+              <a:schemeClr val="accent1">
+                <a:shade val="50000"/>
+              </a:schemeClr>
+            </a:lnRef>
+            <a:fillRef idx="1">
+              <a:schemeClr val="accent1"/>
+            </a:fillRef>
+            <a:effectRef idx="0">
+              <a:schemeClr val="accent1"/>
+            </a:effectRef>
+            <a:fontRef idx="minor">
+              <a:schemeClr val="lt1"/>
+            </a:fontRef>
+          </p:style>
+          <p:txBody>
+            <a:bodyPr rtlCol="0" anchor="ctr"/>
+            <a:lstStyle/>
+            <a:p>
+              <a:pPr algn="ctr"/>
+              <a:endParaRPr lang="en-US"/>
+            </a:p>
+          </p:txBody>
+        </p:sp>
+        <p:sp>
+          <p:nvSpPr>
+            <p:cNvPr id="18" name="Freeform 17"/>
+            <p:cNvSpPr/>
+            <p:nvPr/>
+          </p:nvSpPr>
+          <p:spPr>
+            <a:xfrm>
+              <a:off x="10043160" y="2628900"/>
+              <a:ext cx="289170" cy="584440"/>
+            </a:xfrm>
+            <a:custGeom>
+              <a:avLst/>
+              <a:gdLst>
+                <a:gd name="connsiteX0" fmla="*/ 762000 w 762000"/>
+                <a:gd name="connsiteY0" fmla="*/ 0 h 594360"/>
+                <a:gd name="connsiteX1" fmla="*/ 472440 w 762000"/>
+                <a:gd name="connsiteY1" fmla="*/ 0 h 594360"/>
+                <a:gd name="connsiteX2" fmla="*/ 472440 w 762000"/>
+                <a:gd name="connsiteY2" fmla="*/ 7620 h 594360"/>
+                <a:gd name="connsiteX3" fmla="*/ 472440 w 762000"/>
+                <a:gd name="connsiteY3" fmla="*/ 594360 h 594360"/>
+                <a:gd name="connsiteX4" fmla="*/ 30480 w 762000"/>
+                <a:gd name="connsiteY4" fmla="*/ 175260 h 594360"/>
+                <a:gd name="connsiteX5" fmla="*/ 30480 w 762000"/>
+                <a:gd name="connsiteY5" fmla="*/ 175260 h 594360"/>
+                <a:gd name="connsiteX6" fmla="*/ 0 w 762000"/>
+                <a:gd name="connsiteY6" fmla="*/ 160020 h 594360"/>
+                <a:gd name="connsiteX0" fmla="*/ 731520 w 731520"/>
+                <a:gd name="connsiteY0" fmla="*/ 0 h 594360"/>
+                <a:gd name="connsiteX1" fmla="*/ 441960 w 731520"/>
+                <a:gd name="connsiteY1" fmla="*/ 0 h 594360"/>
+                <a:gd name="connsiteX2" fmla="*/ 441960 w 731520"/>
+                <a:gd name="connsiteY2" fmla="*/ 7620 h 594360"/>
+                <a:gd name="connsiteX3" fmla="*/ 441960 w 731520"/>
+                <a:gd name="connsiteY3" fmla="*/ 594360 h 594360"/>
+                <a:gd name="connsiteX4" fmla="*/ 0 w 731520"/>
+                <a:gd name="connsiteY4" fmla="*/ 175260 h 594360"/>
+                <a:gd name="connsiteX5" fmla="*/ 0 w 731520"/>
+                <a:gd name="connsiteY5" fmla="*/ 175260 h 594360"/>
+                <a:gd name="connsiteX0" fmla="*/ 731520 w 731520"/>
+                <a:gd name="connsiteY0" fmla="*/ 0 h 594360"/>
+                <a:gd name="connsiteX1" fmla="*/ 441960 w 731520"/>
+                <a:gd name="connsiteY1" fmla="*/ 0 h 594360"/>
+                <a:gd name="connsiteX2" fmla="*/ 441960 w 731520"/>
+                <a:gd name="connsiteY2" fmla="*/ 7620 h 594360"/>
+                <a:gd name="connsiteX3" fmla="*/ 441960 w 731520"/>
+                <a:gd name="connsiteY3" fmla="*/ 594360 h 594360"/>
+                <a:gd name="connsiteX4" fmla="*/ 0 w 731520"/>
+                <a:gd name="connsiteY4" fmla="*/ 175260 h 594360"/>
+                <a:gd name="connsiteX0" fmla="*/ 289560 w 289560"/>
+                <a:gd name="connsiteY0" fmla="*/ 0 h 594360"/>
+                <a:gd name="connsiteX1" fmla="*/ 0 w 289560"/>
+                <a:gd name="connsiteY1" fmla="*/ 0 h 594360"/>
+                <a:gd name="connsiteX2" fmla="*/ 0 w 289560"/>
+                <a:gd name="connsiteY2" fmla="*/ 7620 h 594360"/>
+                <a:gd name="connsiteX3" fmla="*/ 0 w 289560"/>
+                <a:gd name="connsiteY3" fmla="*/ 594360 h 594360"/>
+              </a:gdLst>
+              <a:ahLst/>
+              <a:cxnLst>
+                <a:cxn ang="0">
+                  <a:pos x="connsiteX0" y="connsiteY0"/>
+                </a:cxn>
+                <a:cxn ang="0">
+                  <a:pos x="connsiteX1" y="connsiteY1"/>
+                </a:cxn>
+                <a:cxn ang="0">
+                  <a:pos x="connsiteX2" y="connsiteY2"/>
+                </a:cxn>
+                <a:cxn ang="0">
+                  <a:pos x="connsiteX3" y="connsiteY3"/>
+                </a:cxn>
+              </a:cxnLst>
+              <a:rect l="l" t="t" r="r" b="b"/>
+              <a:pathLst>
+                <a:path w="289560" h="594360">
+                  <a:moveTo>
+                    <a:pt x="289560" y="0"/>
+                  </a:moveTo>
+                  <a:lnTo>
+                    <a:pt x="0" y="0"/>
+                  </a:lnTo>
+                  <a:lnTo>
+                    <a:pt x="0" y="7620"/>
+                  </a:lnTo>
+                  <a:lnTo>
+                    <a:pt x="0" y="594360"/>
+                  </a:lnTo>
+                </a:path>
+              </a:pathLst>
+            </a:custGeom>
+            <a:noFill/>
+            <a:ln w="57150">
+              <a:solidFill>
+                <a:srgbClr val="3C454F"/>
+              </a:solidFill>
+            </a:ln>
+          </p:spPr>
+          <p:style>
+            <a:lnRef idx="2">
+              <a:schemeClr val="accent1">
+                <a:shade val="50000"/>
+              </a:schemeClr>
+            </a:lnRef>
+            <a:fillRef idx="1">
+              <a:schemeClr val="accent1"/>
+            </a:fillRef>
+            <a:effectRef idx="0">
+              <a:schemeClr val="accent1"/>
+            </a:effectRef>
+            <a:fontRef idx="minor">
+              <a:schemeClr val="lt1"/>
+            </a:fontRef>
+          </p:style>
+          <p:txBody>
+            <a:bodyPr rtlCol="0" anchor="ctr"/>
+            <a:lstStyle/>
+            <a:p>
+              <a:pPr algn="ctr"/>
+              <a:endParaRPr lang="en-US"/>
+            </a:p>
+          </p:txBody>
+        </p:sp>
+        <p:sp>
+          <p:nvSpPr>
+            <p:cNvPr id="19" name="Freeform 18"/>
+            <p:cNvSpPr/>
+            <p:nvPr/>
+          </p:nvSpPr>
+          <p:spPr>
+            <a:xfrm flipH="1">
+              <a:off x="11058665" y="2807956"/>
+              <a:ext cx="171823" cy="854964"/>
+            </a:xfrm>
+            <a:custGeom>
+              <a:avLst/>
+              <a:gdLst>
+                <a:gd name="connsiteX0" fmla="*/ 762000 w 762000"/>
+                <a:gd name="connsiteY0" fmla="*/ 0 h 594360"/>
+                <a:gd name="connsiteX1" fmla="*/ 472440 w 762000"/>
+                <a:gd name="connsiteY1" fmla="*/ 0 h 594360"/>
+                <a:gd name="connsiteX2" fmla="*/ 472440 w 762000"/>
+                <a:gd name="connsiteY2" fmla="*/ 7620 h 594360"/>
+                <a:gd name="connsiteX3" fmla="*/ 472440 w 762000"/>
+                <a:gd name="connsiteY3" fmla="*/ 594360 h 594360"/>
+                <a:gd name="connsiteX4" fmla="*/ 30480 w 762000"/>
+                <a:gd name="connsiteY4" fmla="*/ 175260 h 594360"/>
+                <a:gd name="connsiteX5" fmla="*/ 30480 w 762000"/>
+                <a:gd name="connsiteY5" fmla="*/ 175260 h 594360"/>
+                <a:gd name="connsiteX6" fmla="*/ 0 w 762000"/>
+                <a:gd name="connsiteY6" fmla="*/ 160020 h 594360"/>
+                <a:gd name="connsiteX0" fmla="*/ 731520 w 731520"/>
+                <a:gd name="connsiteY0" fmla="*/ 0 h 594360"/>
+                <a:gd name="connsiteX1" fmla="*/ 441960 w 731520"/>
+                <a:gd name="connsiteY1" fmla="*/ 0 h 594360"/>
+                <a:gd name="connsiteX2" fmla="*/ 441960 w 731520"/>
+                <a:gd name="connsiteY2" fmla="*/ 7620 h 594360"/>
+                <a:gd name="connsiteX3" fmla="*/ 441960 w 731520"/>
+                <a:gd name="connsiteY3" fmla="*/ 594360 h 594360"/>
+                <a:gd name="connsiteX4" fmla="*/ 0 w 731520"/>
+                <a:gd name="connsiteY4" fmla="*/ 175260 h 594360"/>
+                <a:gd name="connsiteX5" fmla="*/ 0 w 731520"/>
+                <a:gd name="connsiteY5" fmla="*/ 175260 h 594360"/>
+                <a:gd name="connsiteX0" fmla="*/ 731520 w 731520"/>
+                <a:gd name="connsiteY0" fmla="*/ 0 h 594360"/>
+                <a:gd name="connsiteX1" fmla="*/ 441960 w 731520"/>
+                <a:gd name="connsiteY1" fmla="*/ 0 h 594360"/>
+                <a:gd name="connsiteX2" fmla="*/ 441960 w 731520"/>
+                <a:gd name="connsiteY2" fmla="*/ 7620 h 594360"/>
+                <a:gd name="connsiteX3" fmla="*/ 441960 w 731520"/>
+                <a:gd name="connsiteY3" fmla="*/ 594360 h 594360"/>
+                <a:gd name="connsiteX4" fmla="*/ 0 w 731520"/>
+                <a:gd name="connsiteY4" fmla="*/ 175260 h 594360"/>
+                <a:gd name="connsiteX0" fmla="*/ 289560 w 289560"/>
+                <a:gd name="connsiteY0" fmla="*/ 0 h 594360"/>
+                <a:gd name="connsiteX1" fmla="*/ 0 w 289560"/>
+                <a:gd name="connsiteY1" fmla="*/ 0 h 594360"/>
+                <a:gd name="connsiteX2" fmla="*/ 0 w 289560"/>
+                <a:gd name="connsiteY2" fmla="*/ 7620 h 594360"/>
+                <a:gd name="connsiteX3" fmla="*/ 0 w 289560"/>
+                <a:gd name="connsiteY3" fmla="*/ 594360 h 594360"/>
+              </a:gdLst>
+              <a:ahLst/>
+              <a:cxnLst>
+                <a:cxn ang="0">
+                  <a:pos x="connsiteX0" y="connsiteY0"/>
+                </a:cxn>
+                <a:cxn ang="0">
+                  <a:pos x="connsiteX1" y="connsiteY1"/>
+                </a:cxn>
+                <a:cxn ang="0">
+                  <a:pos x="connsiteX2" y="connsiteY2"/>
+                </a:cxn>
+                <a:cxn ang="0">
+                  <a:pos x="connsiteX3" y="connsiteY3"/>
+                </a:cxn>
+              </a:cxnLst>
+              <a:rect l="l" t="t" r="r" b="b"/>
+              <a:pathLst>
+                <a:path w="289560" h="594360">
+                  <a:moveTo>
+                    <a:pt x="289560" y="0"/>
+                  </a:moveTo>
+                  <a:lnTo>
+                    <a:pt x="0" y="0"/>
+                  </a:lnTo>
+                  <a:lnTo>
+                    <a:pt x="0" y="7620"/>
+                  </a:lnTo>
+                  <a:lnTo>
+                    <a:pt x="0" y="594360"/>
+                  </a:lnTo>
+                </a:path>
+              </a:pathLst>
+            </a:custGeom>
+            <a:noFill/>
+            <a:ln w="57150">
+              <a:solidFill>
+                <a:srgbClr val="3C454F"/>
+              </a:solidFill>
+            </a:ln>
+          </p:spPr>
+          <p:style>
+            <a:lnRef idx="2">
+              <a:schemeClr val="accent1">
+                <a:shade val="50000"/>
+              </a:schemeClr>
+            </a:lnRef>
+            <a:fillRef idx="1">
+              <a:schemeClr val="accent1"/>
+            </a:fillRef>
+            <a:effectRef idx="0">
+              <a:schemeClr val="accent1"/>
+            </a:effectRef>
+            <a:fontRef idx="minor">
+              <a:schemeClr val="lt1"/>
+            </a:fontRef>
+          </p:style>
+          <p:txBody>
+            <a:bodyPr rtlCol="0" anchor="ctr"/>
+            <a:lstStyle/>
+            <a:p>
+              <a:pPr algn="ctr"/>
+              <a:endParaRPr lang="en-US"/>
+            </a:p>
+          </p:txBody>
+        </p:sp>
+      </p:grpSp>
+      <p:sp>
+        <p:nvSpPr>
+          <p:cNvPr id="24" name="Oval 23"/>
+          <p:cNvSpPr/>
+          <p:nvPr/>
+        </p:nvSpPr>
+        <p:spPr>
+          <a:xfrm>
+            <a:off x="8121198" y="2500681"/>
+            <a:ext cx="344849" cy="1804059"/>
+          </a:xfrm>
+          <a:prstGeom prst="ellipse">
+            <a:avLst/>
+          </a:prstGeom>
+          <a:noFill/>
+          <a:ln>
+            <a:solidFill>
+              <a:schemeClr val="bg1">
+                <a:lumMod val="85000"/>
+              </a:schemeClr>
+            </a:solidFill>
+          </a:ln>
+        </p:spPr>
+        <p:style>
+          <a:lnRef idx="2">
+            <a:schemeClr val="accent1">
+              <a:shade val="50000"/>
+            </a:schemeClr>
+          </a:lnRef>
+          <a:fillRef idx="1">
+            <a:schemeClr val="accent1"/>
+          </a:fillRef>
+          <a:effectRef idx="0">
+            <a:schemeClr val="accent1"/>
+          </a:effectRef>
+          <a:fontRef idx="minor">
+            <a:schemeClr val="lt1"/>
+          </a:fontRef>
+        </p:style>
+        <p:txBody>
+          <a:bodyPr rtlCol="0" anchor="ctr"/>
+          <a:lstStyle/>
+          <a:p>
+            <a:pPr algn="ctr"/>
+            <a:endParaRPr lang="en-US"/>
+          </a:p>
+        </p:txBody>
+      </p:sp>
+      <p:sp>
+        <p:nvSpPr>
+          <p:cNvPr id="30" name="Oval 29"/>
+          <p:cNvSpPr/>
+          <p:nvPr/>
+        </p:nvSpPr>
+        <p:spPr>
+          <a:xfrm>
+            <a:off x="5690843" y="2500681"/>
+            <a:ext cx="344849" cy="1804059"/>
+          </a:xfrm>
+          <a:prstGeom prst="ellipse">
+            <a:avLst/>
+          </a:prstGeom>
+        </p:spPr>
+        <p:style>
+          <a:lnRef idx="2">
+            <a:schemeClr val="accent1">
+              <a:shade val="50000"/>
+            </a:schemeClr>
+          </a:lnRef>
+          <a:fillRef idx="1">
+            <a:schemeClr val="accent1"/>
+          </a:fillRef>
+          <a:effectRef idx="0">
+            <a:schemeClr val="accent1"/>
+          </a:effectRef>
+          <a:fontRef idx="minor">
+            <a:schemeClr val="lt1"/>
+          </a:fontRef>
+        </p:style>
+        <p:txBody>
+          <a:bodyPr rtlCol="0" anchor="ctr"/>
+          <a:lstStyle/>
+          <a:p>
+            <a:pPr algn="ctr"/>
+            <a:endParaRPr lang="en-US"/>
+          </a:p>
+        </p:txBody>
+      </p:sp>
+      <p:sp>
+        <p:nvSpPr>
+          <p:cNvPr id="29" name="Right Arrow 28"/>
+          <p:cNvSpPr/>
+          <p:nvPr/>
+        </p:nvSpPr>
+        <p:spPr>
+          <a:xfrm>
+            <a:off x="5170979" y="2774642"/>
+            <a:ext cx="3898453" cy="628067"/>
+          </a:xfrm>
+          <a:prstGeom prst="rightArrow">
+            <a:avLst>
+              <a:gd name="adj1" fmla="val 50000"/>
+              <a:gd name="adj2" fmla="val 45765"/>
+            </a:avLst>
+          </a:prstGeom>
+        </p:spPr>
+        <p:style>
+          <a:lnRef idx="2">
+            <a:schemeClr val="accent3">
+              <a:shade val="50000"/>
+            </a:schemeClr>
+          </a:lnRef>
+          <a:fillRef idx="1">
+            <a:schemeClr val="accent3"/>
+          </a:fillRef>
+          <a:effectRef idx="0">
+            <a:schemeClr val="accent3"/>
+          </a:effectRef>
+          <a:fontRef idx="minor">
+            <a:schemeClr val="lt1"/>
+          </a:fontRef>
+        </p:style>
+        <p:txBody>
+          <a:bodyPr rtlCol="0" anchor="ctr"/>
+          <a:lstStyle/>
+          <a:p>
+            <a:pPr algn="ctr"/>
+            <a:r>
+              <a:rPr lang="en-US" dirty="0" smtClean="0"/>
+              <a:t>Command (SELECT, INSERT, </a:t>
+            </a:r>
+            <a:r>
+              <a:rPr lang="en-US" dirty="0" err="1" smtClean="0"/>
+              <a:t>Proc</a:t>
+            </a:r>
+            <a:r>
+              <a:rPr lang="en-US" dirty="0" smtClean="0"/>
+              <a:t>…)</a:t>
+            </a:r>
+            <a:endParaRPr lang="en-US" dirty="0"/>
+          </a:p>
+        </p:txBody>
+      </p:sp>
+      <p:sp>
+        <p:nvSpPr>
+          <p:cNvPr id="34" name="Left Arrow 33"/>
+          <p:cNvSpPr/>
+          <p:nvPr/>
+        </p:nvSpPr>
+        <p:spPr>
+          <a:xfrm>
+            <a:off x="5170978" y="3312004"/>
+            <a:ext cx="3898453" cy="628066"/>
+          </a:xfrm>
+          <a:prstGeom prst="leftArrow">
+            <a:avLst/>
+          </a:prstGeom>
+        </p:spPr>
+        <p:style>
+          <a:lnRef idx="2">
+            <a:schemeClr val="accent3">
+              <a:shade val="50000"/>
+            </a:schemeClr>
+          </a:lnRef>
+          <a:fillRef idx="1">
+            <a:schemeClr val="accent3"/>
+          </a:fillRef>
+          <a:effectRef idx="0">
+            <a:schemeClr val="accent3"/>
+          </a:effectRef>
+          <a:fontRef idx="minor">
+            <a:schemeClr val="lt1"/>
+          </a:fontRef>
+        </p:style>
+        <p:txBody>
+          <a:bodyPr rtlCol="0" anchor="ctr"/>
+          <a:lstStyle/>
+          <a:p>
+            <a:pPr algn="ctr"/>
+            <a:r>
+              <a:rPr lang="en-US" dirty="0" smtClean="0"/>
+              <a:t>Results</a:t>
+            </a:r>
+            <a:endParaRPr lang="en-US" dirty="0"/>
+          </a:p>
+        </p:txBody>
+      </p:sp>
+      <p:sp>
+        <p:nvSpPr>
+          <p:cNvPr id="31" name="Freeform 30"/>
+          <p:cNvSpPr/>
+          <p:nvPr/>
+        </p:nvSpPr>
+        <p:spPr>
+          <a:xfrm>
+            <a:off x="5863268" y="2500679"/>
+            <a:ext cx="2602779" cy="1804061"/>
+          </a:xfrm>
+          <a:custGeom>
+            <a:avLst/>
+            <a:gdLst>
+              <a:gd name="connsiteX0" fmla="*/ 0 w 2300515"/>
+              <a:gd name="connsiteY0" fmla="*/ 0 h 1124231"/>
+              <a:gd name="connsiteX1" fmla="*/ 2148115 w 2300515"/>
+              <a:gd name="connsiteY1" fmla="*/ 0 h 1124231"/>
+              <a:gd name="connsiteX2" fmla="*/ 2148115 w 2300515"/>
+              <a:gd name="connsiteY2" fmla="*/ 2 h 1124231"/>
+              <a:gd name="connsiteX3" fmla="*/ 2178828 w 2300515"/>
+              <a:gd name="connsiteY3" fmla="*/ 11421 h 1124231"/>
+              <a:gd name="connsiteX4" fmla="*/ 2300515 w 2300515"/>
+              <a:gd name="connsiteY4" fmla="*/ 562116 h 1124231"/>
+              <a:gd name="connsiteX5" fmla="*/ 2178828 w 2300515"/>
+              <a:gd name="connsiteY5" fmla="*/ 1112811 h 1124231"/>
+              <a:gd name="connsiteX6" fmla="*/ 2148115 w 2300515"/>
+              <a:gd name="connsiteY6" fmla="*/ 1124231 h 1124231"/>
+              <a:gd name="connsiteX7" fmla="*/ 2148114 w 2300515"/>
+              <a:gd name="connsiteY7" fmla="*/ 1124231 h 1124231"/>
+              <a:gd name="connsiteX8" fmla="*/ 0 w 2300515"/>
+              <a:gd name="connsiteY8" fmla="*/ 1124231 h 1124231"/>
+              <a:gd name="connsiteX9" fmla="*/ 0 w 2300515"/>
+              <a:gd name="connsiteY9" fmla="*/ 1124231 h 1124231"/>
+              <a:gd name="connsiteX10" fmla="*/ 30713 w 2300515"/>
+              <a:gd name="connsiteY10" fmla="*/ 1112811 h 1124231"/>
+              <a:gd name="connsiteX11" fmla="*/ 152400 w 2300515"/>
+              <a:gd name="connsiteY11" fmla="*/ 562116 h 1124231"/>
+              <a:gd name="connsiteX12" fmla="*/ 30713 w 2300515"/>
+              <a:gd name="connsiteY12" fmla="*/ 11421 h 1124231"/>
+              <a:gd name="connsiteX13" fmla="*/ 0 w 2300515"/>
+              <a:gd name="connsiteY13" fmla="*/ 2 h 1124231"/>
+            </a:gdLst>
+            <a:ahLst/>
+            <a:cxnLst>
+              <a:cxn ang="0">
+                <a:pos x="connsiteX0" y="connsiteY0"/>
+              </a:cxn>
+              <a:cxn ang="0">
+                <a:pos x="connsiteX1" y="connsiteY1"/>
+              </a:cxn>
+              <a:cxn ang="0">
+                <a:pos x="connsiteX2" y="connsiteY2"/>
+              </a:cxn>
+              <a:cxn ang="0">
+                <a:pos x="connsiteX3" y="connsiteY3"/>
+              </a:cxn>
+              <a:cxn ang="0">
+                <a:pos x="connsiteX4" y="connsiteY4"/>
+              </a:cxn>
+              <a:cxn ang="0">
+                <a:pos x="connsiteX5" y="connsiteY5"/>
+              </a:cxn>
+              <a:cxn ang="0">
+                <a:pos x="connsiteX6" y="connsiteY6"/>
+              </a:cxn>
+              <a:cxn ang="0">
+                <a:pos x="connsiteX7" y="connsiteY7"/>
+              </a:cxn>
+              <a:cxn ang="0">
+                <a:pos x="connsiteX8" y="connsiteY8"/>
+              </a:cxn>
+              <a:cxn ang="0">
+                <a:pos x="connsiteX9" y="connsiteY9"/>
+              </a:cxn>
+              <a:cxn ang="0">
+                <a:pos x="connsiteX10" y="connsiteY10"/>
+              </a:cxn>
+              <a:cxn ang="0">
+                <a:pos x="connsiteX11" y="connsiteY11"/>
+              </a:cxn>
+              <a:cxn ang="0">
+                <a:pos x="connsiteX12" y="connsiteY12"/>
+              </a:cxn>
+              <a:cxn ang="0">
+                <a:pos x="connsiteX13" y="connsiteY13"/>
+              </a:cxn>
+            </a:cxnLst>
+            <a:rect l="l" t="t" r="r" b="b"/>
+            <a:pathLst>
+              <a:path w="2300515" h="1124231">
+                <a:moveTo>
+                  <a:pt x="0" y="0"/>
+                </a:moveTo>
+                <a:lnTo>
+                  <a:pt x="2148115" y="0"/>
+                </a:lnTo>
+                <a:lnTo>
+                  <a:pt x="2148115" y="2"/>
+                </a:lnTo>
+                <a:lnTo>
+                  <a:pt x="2178828" y="11421"/>
+                </a:lnTo>
+                <a:cubicBezTo>
+                  <a:pt x="2248275" y="63836"/>
+                  <a:pt x="2300515" y="290474"/>
+                  <a:pt x="2300515" y="562116"/>
+                </a:cubicBezTo>
+                <a:cubicBezTo>
+                  <a:pt x="2300515" y="833758"/>
+                  <a:pt x="2248275" y="1060396"/>
+                  <a:pt x="2178828" y="1112811"/>
+                </a:cubicBezTo>
+                <a:lnTo>
+                  <a:pt x="2148115" y="1124231"/>
+                </a:lnTo>
+                <a:lnTo>
+                  <a:pt x="2148114" y="1124231"/>
+                </a:lnTo>
+                <a:lnTo>
+                  <a:pt x="0" y="1124231"/>
+                </a:lnTo>
+                <a:lnTo>
+                  <a:pt x="0" y="1124231"/>
+                </a:lnTo>
+                <a:lnTo>
+                  <a:pt x="30713" y="1112811"/>
+                </a:lnTo>
+                <a:cubicBezTo>
+                  <a:pt x="100160" y="1060396"/>
+                  <a:pt x="152400" y="833758"/>
+                  <a:pt x="152400" y="562116"/>
+                </a:cubicBezTo>
+                <a:cubicBezTo>
+                  <a:pt x="152400" y="290474"/>
+                  <a:pt x="100160" y="63836"/>
+                  <a:pt x="30713" y="11421"/>
+                </a:cubicBezTo>
+                <a:lnTo>
+                  <a:pt x="0" y="2"/>
+                </a:lnTo>
+                <a:close/>
+              </a:path>
+            </a:pathLst>
+          </a:custGeom>
+          <a:solidFill>
+            <a:srgbClr val="4F81BD">
+              <a:alpha val="20000"/>
+            </a:srgbClr>
+          </a:solidFill>
+        </p:spPr>
+        <p:style>
+          <a:lnRef idx="2">
+            <a:schemeClr val="accent1">
+              <a:shade val="50000"/>
+            </a:schemeClr>
+          </a:lnRef>
+          <a:fillRef idx="1">
+            <a:schemeClr val="accent1"/>
+          </a:fillRef>
+          <a:effectRef idx="0">
+            <a:schemeClr val="accent1"/>
+          </a:effectRef>
+          <a:fontRef idx="minor">
+            <a:schemeClr val="lt1"/>
+          </a:fontRef>
+        </p:style>
+        <p:txBody>
+          <a:bodyPr rtlCol="0" anchor="ctr"/>
+          <a:lstStyle/>
+          <a:p>
+            <a:pPr algn="ctr"/>
+            <a:endParaRPr lang="en-US"/>
+          </a:p>
+        </p:txBody>
+      </p:sp>
+      <p:sp>
+        <p:nvSpPr>
+          <p:cNvPr id="39" name="Freeform 38"/>
+          <p:cNvSpPr/>
+          <p:nvPr/>
+        </p:nvSpPr>
+        <p:spPr>
+          <a:xfrm>
+            <a:off x="593655" y="2630335"/>
+            <a:ext cx="2135567" cy="1544746"/>
+          </a:xfrm>
+          <a:custGeom>
+            <a:avLst/>
+            <a:gdLst>
+              <a:gd name="connsiteX0" fmla="*/ 931832 w 2135567"/>
+              <a:gd name="connsiteY0" fmla="*/ 1337296 h 1544746"/>
+              <a:gd name="connsiteX1" fmla="*/ 923846 w 2135567"/>
+              <a:gd name="connsiteY1" fmla="*/ 1347186 h 1544746"/>
+              <a:gd name="connsiteX2" fmla="*/ 896048 w 2135567"/>
+              <a:gd name="connsiteY2" fmla="*/ 1481471 h 1544746"/>
+              <a:gd name="connsiteX3" fmla="*/ 898813 w 2135567"/>
+              <a:gd name="connsiteY3" fmla="*/ 1495546 h 1544746"/>
+              <a:gd name="connsiteX4" fmla="*/ 1067552 w 2135567"/>
+              <a:gd name="connsiteY4" fmla="*/ 1495546 h 1544746"/>
+              <a:gd name="connsiteX5" fmla="*/ 1068013 w 2135567"/>
+              <a:gd name="connsiteY5" fmla="*/ 1495546 h 1544746"/>
+              <a:gd name="connsiteX6" fmla="*/ 1236752 w 2135567"/>
+              <a:gd name="connsiteY6" fmla="*/ 1495546 h 1544746"/>
+              <a:gd name="connsiteX7" fmla="*/ 1239517 w 2135567"/>
+              <a:gd name="connsiteY7" fmla="*/ 1481471 h 1544746"/>
+              <a:gd name="connsiteX8" fmla="*/ 1211719 w 2135567"/>
+              <a:gd name="connsiteY8" fmla="*/ 1347186 h 1544746"/>
+              <a:gd name="connsiteX9" fmla="*/ 1203733 w 2135567"/>
+              <a:gd name="connsiteY9" fmla="*/ 1337296 h 1544746"/>
+              <a:gd name="connsiteX10" fmla="*/ 1067782 w 2135567"/>
+              <a:gd name="connsiteY10" fmla="*/ 1337424 h 1544746"/>
+              <a:gd name="connsiteX11" fmla="*/ 223690 w 2135567"/>
+              <a:gd name="connsiteY11" fmla="*/ 1148073 h 1544746"/>
+              <a:gd name="connsiteX12" fmla="*/ 1067783 w 2135567"/>
+              <a:gd name="connsiteY12" fmla="*/ 1148396 h 1544746"/>
+              <a:gd name="connsiteX13" fmla="*/ 1911876 w 2135567"/>
+              <a:gd name="connsiteY13" fmla="*/ 1148073 h 1544746"/>
+              <a:gd name="connsiteX14" fmla="*/ 1961461 w 2135567"/>
+              <a:gd name="connsiteY14" fmla="*/ 1172865 h 1544746"/>
+              <a:gd name="connsiteX15" fmla="*/ 2134051 w 2135567"/>
+              <a:gd name="connsiteY15" fmla="*/ 1509465 h 1544746"/>
+              <a:gd name="connsiteX16" fmla="*/ 2116888 w 2135567"/>
+              <a:gd name="connsiteY16" fmla="*/ 1544746 h 1544746"/>
+              <a:gd name="connsiteX17" fmla="*/ 1069214 w 2135567"/>
+              <a:gd name="connsiteY17" fmla="*/ 1544746 h 1544746"/>
+              <a:gd name="connsiteX18" fmla="*/ 1066353 w 2135567"/>
+              <a:gd name="connsiteY18" fmla="*/ 1544746 h 1544746"/>
+              <a:gd name="connsiteX19" fmla="*/ 18680 w 2135567"/>
+              <a:gd name="connsiteY19" fmla="*/ 1544746 h 1544746"/>
+              <a:gd name="connsiteX20" fmla="*/ 1516 w 2135567"/>
+              <a:gd name="connsiteY20" fmla="*/ 1509465 h 1544746"/>
+              <a:gd name="connsiteX21" fmla="*/ 174107 w 2135567"/>
+              <a:gd name="connsiteY21" fmla="*/ 1172865 h 1544746"/>
+              <a:gd name="connsiteX22" fmla="*/ 223690 w 2135567"/>
+              <a:gd name="connsiteY22" fmla="*/ 1148073 h 1544746"/>
+              <a:gd name="connsiteX23" fmla="*/ 1081240 w 2135567"/>
+              <a:gd name="connsiteY23" fmla="*/ 1027774 h 1544746"/>
+              <a:gd name="connsiteX24" fmla="*/ 1081240 w 2135567"/>
+              <a:gd name="connsiteY24" fmla="*/ 1048170 h 1544746"/>
+              <a:gd name="connsiteX25" fmla="*/ 1108784 w 2135567"/>
+              <a:gd name="connsiteY25" fmla="*/ 1051973 h 1544746"/>
+              <a:gd name="connsiteX26" fmla="*/ 1108744 w 2135567"/>
+              <a:gd name="connsiteY26" fmla="*/ 1027774 h 1544746"/>
+              <a:gd name="connsiteX27" fmla="*/ 1057812 w 2135567"/>
+              <a:gd name="connsiteY27" fmla="*/ 1027774 h 1544746"/>
+              <a:gd name="connsiteX28" fmla="*/ 1057814 w 2135567"/>
+              <a:gd name="connsiteY28" fmla="*/ 1044936 h 1544746"/>
+              <a:gd name="connsiteX29" fmla="*/ 1078666 w 2135567"/>
+              <a:gd name="connsiteY29" fmla="*/ 1047815 h 1544746"/>
+              <a:gd name="connsiteX30" fmla="*/ 1078666 w 2135567"/>
+              <a:gd name="connsiteY30" fmla="*/ 1027774 h 1544746"/>
+              <a:gd name="connsiteX31" fmla="*/ 1078666 w 2135567"/>
+              <a:gd name="connsiteY31" fmla="*/ 1005119 h 1544746"/>
+              <a:gd name="connsiteX32" fmla="*/ 1057814 w 2135567"/>
+              <a:gd name="connsiteY32" fmla="*/ 1008038 h 1544746"/>
+              <a:gd name="connsiteX33" fmla="*/ 1057817 w 2135567"/>
+              <a:gd name="connsiteY33" fmla="*/ 1025200 h 1544746"/>
+              <a:gd name="connsiteX34" fmla="*/ 1078666 w 2135567"/>
+              <a:gd name="connsiteY34" fmla="*/ 1025200 h 1544746"/>
+              <a:gd name="connsiteX35" fmla="*/ 1108699 w 2135567"/>
+              <a:gd name="connsiteY35" fmla="*/ 1000916 h 1544746"/>
+              <a:gd name="connsiteX36" fmla="*/ 1081240 w 2135567"/>
+              <a:gd name="connsiteY36" fmla="*/ 1004759 h 1544746"/>
+              <a:gd name="connsiteX37" fmla="*/ 1081240 w 2135567"/>
+              <a:gd name="connsiteY37" fmla="*/ 1025200 h 1544746"/>
+              <a:gd name="connsiteX38" fmla="*/ 1108739 w 2135567"/>
+              <a:gd name="connsiteY38" fmla="*/ 1025200 h 1544746"/>
+              <a:gd name="connsiteX39" fmla="*/ 1068459 w 2135567"/>
+              <a:gd name="connsiteY39" fmla="*/ 508575 h 1544746"/>
+              <a:gd name="connsiteX40" fmla="*/ 1108061 w 2135567"/>
+              <a:gd name="connsiteY40" fmla="*/ 548178 h 1544746"/>
+              <a:gd name="connsiteX41" fmla="*/ 1068459 w 2135567"/>
+              <a:gd name="connsiteY41" fmla="*/ 587781 h 1544746"/>
+              <a:gd name="connsiteX42" fmla="*/ 1028856 w 2135567"/>
+              <a:gd name="connsiteY42" fmla="*/ 548178 h 1544746"/>
+              <a:gd name="connsiteX43" fmla="*/ 1068459 w 2135567"/>
+              <a:gd name="connsiteY43" fmla="*/ 508575 h 1544746"/>
+              <a:gd name="connsiteX44" fmla="*/ 1068459 w 2135567"/>
+              <a:gd name="connsiteY44" fmla="*/ 442994 h 1544746"/>
+              <a:gd name="connsiteX45" fmla="*/ 963274 w 2135567"/>
+              <a:gd name="connsiteY45" fmla="*/ 548178 h 1544746"/>
+              <a:gd name="connsiteX46" fmla="*/ 1068458 w 2135567"/>
+              <a:gd name="connsiteY46" fmla="*/ 653362 h 1544746"/>
+              <a:gd name="connsiteX47" fmla="*/ 1173643 w 2135567"/>
+              <a:gd name="connsiteY47" fmla="*/ 548178 h 1544746"/>
+              <a:gd name="connsiteX48" fmla="*/ 1068459 w 2135567"/>
+              <a:gd name="connsiteY48" fmla="*/ 442994 h 1544746"/>
+              <a:gd name="connsiteX49" fmla="*/ 1040654 w 2135567"/>
+              <a:gd name="connsiteY49" fmla="*/ 324922 h 1544746"/>
+              <a:gd name="connsiteX50" fmla="*/ 1065119 w 2135567"/>
+              <a:gd name="connsiteY50" fmla="*/ 379072 h 1544746"/>
+              <a:gd name="connsiteX51" fmla="*/ 1068458 w 2135567"/>
+              <a:gd name="connsiteY51" fmla="*/ 378903 h 1544746"/>
+              <a:gd name="connsiteX52" fmla="*/ 1111078 w 2135567"/>
+              <a:gd name="connsiteY52" fmla="*/ 384982 h 1544746"/>
+              <a:gd name="connsiteX53" fmla="*/ 1149355 w 2135567"/>
+              <a:gd name="connsiteY53" fmla="*/ 338239 h 1544746"/>
+              <a:gd name="connsiteX54" fmla="*/ 1210163 w 2135567"/>
+              <a:gd name="connsiteY54" fmla="*/ 373346 h 1544746"/>
+              <a:gd name="connsiteX55" fmla="*/ 1188970 w 2135567"/>
+              <a:gd name="connsiteY55" fmla="*/ 429472 h 1544746"/>
+              <a:gd name="connsiteX56" fmla="*/ 1214212 w 2135567"/>
+              <a:gd name="connsiteY56" fmla="*/ 463463 h 1544746"/>
+              <a:gd name="connsiteX57" fmla="*/ 1275387 w 2135567"/>
+              <a:gd name="connsiteY57" fmla="*/ 457371 h 1544746"/>
+              <a:gd name="connsiteX58" fmla="*/ 1293560 w 2135567"/>
+              <a:gd name="connsiteY58" fmla="*/ 525194 h 1544746"/>
+              <a:gd name="connsiteX59" fmla="*/ 1237618 w 2135567"/>
+              <a:gd name="connsiteY59" fmla="*/ 550469 h 1544746"/>
+              <a:gd name="connsiteX60" fmla="*/ 1231396 w 2135567"/>
+              <a:gd name="connsiteY60" fmla="*/ 591629 h 1544746"/>
+              <a:gd name="connsiteX61" fmla="*/ 1277377 w 2135567"/>
+              <a:gd name="connsiteY61" fmla="*/ 629282 h 1544746"/>
+              <a:gd name="connsiteX62" fmla="*/ 1242269 w 2135567"/>
+              <a:gd name="connsiteY62" fmla="*/ 690090 h 1544746"/>
+              <a:gd name="connsiteX63" fmla="*/ 1186672 w 2135567"/>
+              <a:gd name="connsiteY63" fmla="*/ 669096 h 1544746"/>
+              <a:gd name="connsiteX64" fmla="*/ 1153721 w 2135567"/>
+              <a:gd name="connsiteY64" fmla="*/ 693635 h 1544746"/>
+              <a:gd name="connsiteX65" fmla="*/ 1159752 w 2135567"/>
+              <a:gd name="connsiteY65" fmla="*/ 754201 h 1544746"/>
+              <a:gd name="connsiteX66" fmla="*/ 1091929 w 2135567"/>
+              <a:gd name="connsiteY66" fmla="*/ 772373 h 1544746"/>
+              <a:gd name="connsiteX67" fmla="*/ 1067085 w 2135567"/>
+              <a:gd name="connsiteY67" fmla="*/ 717383 h 1544746"/>
+              <a:gd name="connsiteX68" fmla="*/ 1026845 w 2135567"/>
+              <a:gd name="connsiteY68" fmla="*/ 711686 h 1544746"/>
+              <a:gd name="connsiteX69" fmla="*/ 1026925 w 2135567"/>
+              <a:gd name="connsiteY69" fmla="*/ 711732 h 1544746"/>
+              <a:gd name="connsiteX70" fmla="*/ 987867 w 2135567"/>
+              <a:gd name="connsiteY70" fmla="*/ 759429 h 1544746"/>
+              <a:gd name="connsiteX71" fmla="*/ 927059 w 2135567"/>
+              <a:gd name="connsiteY71" fmla="*/ 724321 h 1544746"/>
+              <a:gd name="connsiteX72" fmla="*/ 948496 w 2135567"/>
+              <a:gd name="connsiteY72" fmla="*/ 667549 h 1544746"/>
+              <a:gd name="connsiteX73" fmla="*/ 920400 w 2135567"/>
+              <a:gd name="connsiteY73" fmla="*/ 628647 h 1544746"/>
+              <a:gd name="connsiteX74" fmla="*/ 921524 w 2135567"/>
+              <a:gd name="connsiteY74" fmla="*/ 632842 h 1544746"/>
+              <a:gd name="connsiteX75" fmla="*/ 860179 w 2135567"/>
+              <a:gd name="connsiteY75" fmla="*/ 638950 h 1544746"/>
+              <a:gd name="connsiteX76" fmla="*/ 842006 w 2135567"/>
+              <a:gd name="connsiteY76" fmla="*/ 571128 h 1544746"/>
+              <a:gd name="connsiteX77" fmla="*/ 898187 w 2135567"/>
+              <a:gd name="connsiteY77" fmla="*/ 545746 h 1544746"/>
+              <a:gd name="connsiteX78" fmla="*/ 899264 w 2135567"/>
+              <a:gd name="connsiteY78" fmla="*/ 549767 h 1544746"/>
+              <a:gd name="connsiteX79" fmla="*/ 899184 w 2135567"/>
+              <a:gd name="connsiteY79" fmla="*/ 548178 h 1544746"/>
+              <a:gd name="connsiteX80" fmla="*/ 905299 w 2135567"/>
+              <a:gd name="connsiteY80" fmla="*/ 505442 h 1544746"/>
+              <a:gd name="connsiteX81" fmla="*/ 857843 w 2135567"/>
+              <a:gd name="connsiteY81" fmla="*/ 466580 h 1544746"/>
+              <a:gd name="connsiteX82" fmla="*/ 892950 w 2135567"/>
+              <a:gd name="connsiteY82" fmla="*/ 405773 h 1544746"/>
+              <a:gd name="connsiteX83" fmla="*/ 950123 w 2135567"/>
+              <a:gd name="connsiteY83" fmla="*/ 427361 h 1544746"/>
+              <a:gd name="connsiteX84" fmla="*/ 981093 w 2135567"/>
+              <a:gd name="connsiteY84" fmla="*/ 403863 h 1544746"/>
+              <a:gd name="connsiteX85" fmla="*/ 978940 w 2135567"/>
+              <a:gd name="connsiteY85" fmla="*/ 404440 h 1544746"/>
+              <a:gd name="connsiteX86" fmla="*/ 972831 w 2135567"/>
+              <a:gd name="connsiteY86" fmla="*/ 343095 h 1544746"/>
+              <a:gd name="connsiteX87" fmla="*/ 313552 w 2135567"/>
+              <a:gd name="connsiteY87" fmla="*/ 114904 h 1544746"/>
+              <a:gd name="connsiteX88" fmla="*/ 313552 w 2135567"/>
+              <a:gd name="connsiteY88" fmla="*/ 973016 h 1544746"/>
+              <a:gd name="connsiteX89" fmla="*/ 1853031 w 2135567"/>
+              <a:gd name="connsiteY89" fmla="*/ 973016 h 1544746"/>
+              <a:gd name="connsiteX90" fmla="*/ 1853031 w 2135567"/>
+              <a:gd name="connsiteY90" fmla="*/ 114904 h 1544746"/>
+              <a:gd name="connsiteX91" fmla="*/ 229082 w 2135567"/>
+              <a:gd name="connsiteY91" fmla="*/ 0 h 1544746"/>
+              <a:gd name="connsiteX92" fmla="*/ 1937502 w 2135567"/>
+              <a:gd name="connsiteY92" fmla="*/ 0 h 1544746"/>
+              <a:gd name="connsiteX93" fmla="*/ 1961445 w 2135567"/>
+              <a:gd name="connsiteY93" fmla="*/ 23943 h 1544746"/>
+              <a:gd name="connsiteX94" fmla="*/ 1961445 w 2135567"/>
+              <a:gd name="connsiteY94" fmla="*/ 1062908 h 1544746"/>
+              <a:gd name="connsiteX95" fmla="*/ 1937502 w 2135567"/>
+              <a:gd name="connsiteY95" fmla="*/ 1086851 h 1544746"/>
+              <a:gd name="connsiteX96" fmla="*/ 229082 w 2135567"/>
+              <a:gd name="connsiteY96" fmla="*/ 1086851 h 1544746"/>
+              <a:gd name="connsiteX97" fmla="*/ 205138 w 2135567"/>
+              <a:gd name="connsiteY97" fmla="*/ 1062908 h 1544746"/>
+              <a:gd name="connsiteX98" fmla="*/ 205138 w 2135567"/>
+              <a:gd name="connsiteY98" fmla="*/ 23943 h 1544746"/>
+              <a:gd name="connsiteX99" fmla="*/ 229082 w 2135567"/>
+              <a:gd name="connsiteY99" fmla="*/ 0 h 1544746"/>
+            </a:gdLst>
+            <a:ahLst/>
+            <a:cxnLst>
+              <a:cxn ang="0">
+                <a:pos x="connsiteX0" y="connsiteY0"/>
+              </a:cxn>
+              <a:cxn ang="0">
+                <a:pos x="connsiteX1" y="connsiteY1"/>
+              </a:cxn>
+              <a:cxn ang="0">
+                <a:pos x="connsiteX2" y="connsiteY2"/>
+              </a:cxn>
+              <a:cxn ang="0">
+                <a:pos x="connsiteX3" y="connsiteY3"/>
+              </a:cxn>
+              <a:cxn ang="0">
+                <a:pos x="connsiteX4" y="connsiteY4"/>
+              </a:cxn>
+              <a:cxn ang="0">
+                <a:pos x="connsiteX5" y="connsiteY5"/>
+              </a:cxn>
+              <a:cxn ang="0">
+                <a:pos x="connsiteX6" y="connsiteY6"/>
+              </a:cxn>
+              <a:cxn ang="0">
+                <a:pos x="connsiteX7" y="connsiteY7"/>
+              </a:cxn>
+              <a:cxn ang="0">
+                <a:pos x="connsiteX8" y="connsiteY8"/>
+              </a:cxn>
+              <a:cxn ang="0">
+                <a:pos x="connsiteX9" y="connsiteY9"/>
+              </a:cxn>
+              <a:cxn ang="0">
+                <a:pos x="connsiteX10" y="connsiteY10"/>
+              </a:cxn>
+              <a:cxn ang="0">
+                <a:pos x="connsiteX11" y="connsiteY11"/>
+              </a:cxn>
+              <a:cxn ang="0">
+                <a:pos x="connsiteX12" y="connsiteY12"/>
+              </a:cxn>
+              <a:cxn ang="0">
+                <a:pos x="connsiteX13" y="connsiteY13"/>
+              </a:cxn>
+              <a:cxn ang="0">
+                <a:pos x="connsiteX14" y="connsiteY14"/>
+              </a:cxn>
+              <a:cxn ang="0">
+                <a:pos x="connsiteX15" y="connsiteY15"/>
+              </a:cxn>
+              <a:cxn ang="0">
+                <a:pos x="connsiteX16" y="connsiteY16"/>
+              </a:cxn>
+              <a:cxn ang="0">
+                <a:pos x="connsiteX17" y="connsiteY17"/>
+              </a:cxn>
+              <a:cxn ang="0">
+                <a:pos x="connsiteX18" y="connsiteY18"/>
+              </a:cxn>
+              <a:cxn ang="0">
+                <a:pos x="connsiteX19" y="connsiteY19"/>
+              </a:cxn>
+              <a:cxn ang="0">
+                <a:pos x="connsiteX20" y="connsiteY20"/>
+              </a:cxn>
+              <a:cxn ang="0">
+                <a:pos x="connsiteX21" y="connsiteY21"/>
+              </a:cxn>
+              <a:cxn ang="0">
+                <a:pos x="connsiteX22" y="connsiteY22"/>
+              </a:cxn>
+              <a:cxn ang="0">
+                <a:pos x="connsiteX23" y="connsiteY23"/>
+              </a:cxn>
+              <a:cxn ang="0">
+                <a:pos x="connsiteX24" y="connsiteY24"/>
+              </a:cxn>
+              <a:cxn ang="0">
+                <a:pos x="connsiteX25" y="connsiteY25"/>
+              </a:cxn>
+              <a:cxn ang="0">
+                <a:pos x="connsiteX26" y="connsiteY26"/>
+              </a:cxn>
+              <a:cxn ang="0">
+                <a:pos x="connsiteX27" y="connsiteY27"/>
+              </a:cxn>
+              <a:cxn ang="0">
+                <a:pos x="connsiteX28" y="connsiteY28"/>
+              </a:cxn>
+              <a:cxn ang="0">
+                <a:pos x="connsiteX29" y="connsiteY29"/>
+              </a:cxn>
+              <a:cxn ang="0">
+                <a:pos x="connsiteX30" y="connsiteY30"/>
+              </a:cxn>
+              <a:cxn ang="0">
+                <a:pos x="connsiteX31" y="connsiteY31"/>
+              </a:cxn>
+              <a:cxn ang="0">
+                <a:pos x="connsiteX32" y="connsiteY32"/>
+              </a:cxn>
+              <a:cxn ang="0">
+                <a:pos x="connsiteX33" y="connsiteY33"/>
+              </a:cxn>
+              <a:cxn ang="0">
+                <a:pos x="connsiteX34" y="connsiteY34"/>
+              </a:cxn>
+              <a:cxn ang="0">
+                <a:pos x="connsiteX35" y="connsiteY35"/>
+              </a:cxn>
+              <a:cxn ang="0">
+                <a:pos x="connsiteX36" y="connsiteY36"/>
+              </a:cxn>
+              <a:cxn ang="0">
+                <a:pos x="connsiteX37" y="connsiteY37"/>
+              </a:cxn>
+              <a:cxn ang="0">
+                <a:pos x="connsiteX38" y="connsiteY38"/>
+              </a:cxn>
+              <a:cxn ang="0">
+                <a:pos x="connsiteX39" y="connsiteY39"/>
+              </a:cxn>
+              <a:cxn ang="0">
+                <a:pos x="connsiteX40" y="connsiteY40"/>
+              </a:cxn>
+              <a:cxn ang="0">
+                <a:pos x="connsiteX41" y="connsiteY41"/>
+              </a:cxn>
+              <a:cxn ang="0">
+                <a:pos x="connsiteX42" y="connsiteY42"/>
+              </a:cxn>
+              <a:cxn ang="0">
+                <a:pos x="connsiteX43" y="connsiteY43"/>
+              </a:cxn>
+              <a:cxn ang="0">
+                <a:pos x="connsiteX44" y="connsiteY44"/>
+              </a:cxn>
+              <a:cxn ang="0">
+                <a:pos x="connsiteX45" y="connsiteY45"/>
+              </a:cxn>
+              <a:cxn ang="0">
+                <a:pos x="connsiteX46" y="connsiteY46"/>
+              </a:cxn>
+              <a:cxn ang="0">
+                <a:pos x="connsiteX47" y="connsiteY47"/>
+              </a:cxn>
+              <a:cxn ang="0">
+                <a:pos x="connsiteX48" y="connsiteY48"/>
+              </a:cxn>
+              <a:cxn ang="0">
+                <a:pos x="connsiteX49" y="connsiteY49"/>
+              </a:cxn>
+              <a:cxn ang="0">
+                <a:pos x="connsiteX50" y="connsiteY50"/>
+              </a:cxn>
+              <a:cxn ang="0">
+                <a:pos x="connsiteX51" y="connsiteY51"/>
+              </a:cxn>
+              <a:cxn ang="0">
+                <a:pos x="connsiteX52" y="connsiteY52"/>
+              </a:cxn>
+              <a:cxn ang="0">
+                <a:pos x="connsiteX53" y="connsiteY53"/>
+              </a:cxn>
+              <a:cxn ang="0">
+                <a:pos x="connsiteX54" y="connsiteY54"/>
+              </a:cxn>
+              <a:cxn ang="0">
+                <a:pos x="connsiteX55" y="connsiteY55"/>
+              </a:cxn>
+              <a:cxn ang="0">
+                <a:pos x="connsiteX56" y="connsiteY56"/>
+              </a:cxn>
+              <a:cxn ang="0">
+                <a:pos x="connsiteX57" y="connsiteY57"/>
+              </a:cxn>
+              <a:cxn ang="0">
+                <a:pos x="connsiteX58" y="connsiteY58"/>
+              </a:cxn>
+              <a:cxn ang="0">
+                <a:pos x="connsiteX59" y="connsiteY59"/>
+              </a:cxn>
+              <a:cxn ang="0">
+                <a:pos x="connsiteX60" y="connsiteY60"/>
+              </a:cxn>
+              <a:cxn ang="0">
+                <a:pos x="connsiteX61" y="connsiteY61"/>
+              </a:cxn>
+              <a:cxn ang="0">
+                <a:pos x="connsiteX62" y="connsiteY62"/>
+              </a:cxn>
+              <a:cxn ang="0">
+                <a:pos x="connsiteX63" y="connsiteY63"/>
+              </a:cxn>
+              <a:cxn ang="0">
+                <a:pos x="connsiteX64" y="connsiteY64"/>
+              </a:cxn>
+              <a:cxn ang="0">
+                <a:pos x="connsiteX65" y="connsiteY65"/>
+              </a:cxn>
+              <a:cxn ang="0">
+                <a:pos x="connsiteX66" y="connsiteY66"/>
+              </a:cxn>
+              <a:cxn ang="0">
+                <a:pos x="connsiteX67" y="connsiteY67"/>
+              </a:cxn>
+              <a:cxn ang="0">
+                <a:pos x="connsiteX68" y="connsiteY68"/>
+              </a:cxn>
+              <a:cxn ang="0">
+                <a:pos x="connsiteX69" y="connsiteY69"/>
+              </a:cxn>
+              <a:cxn ang="0">
+                <a:pos x="connsiteX70" y="connsiteY70"/>
+              </a:cxn>
+              <a:cxn ang="0">
+                <a:pos x="connsiteX71" y="connsiteY71"/>
+              </a:cxn>
+              <a:cxn ang="0">
+                <a:pos x="connsiteX72" y="connsiteY72"/>
+              </a:cxn>
+              <a:cxn ang="0">
+                <a:pos x="connsiteX73" y="connsiteY73"/>
+              </a:cxn>
+              <a:cxn ang="0">
+                <a:pos x="connsiteX74" y="connsiteY74"/>
+              </a:cxn>
+              <a:cxn ang="0">
+                <a:pos x="connsiteX75" y="connsiteY75"/>
+              </a:cxn>
+              <a:cxn ang="0">
+                <a:pos x="connsiteX76" y="connsiteY76"/>
+              </a:cxn>
+              <a:cxn ang="0">
+                <a:pos x="connsiteX77" y="connsiteY77"/>
+              </a:cxn>
+              <a:cxn ang="0">
+                <a:pos x="connsiteX78" y="connsiteY78"/>
+              </a:cxn>
+              <a:cxn ang="0">
+                <a:pos x="connsiteX79" y="connsiteY79"/>
+              </a:cxn>
+              <a:cxn ang="0">
+                <a:pos x="connsiteX80" y="connsiteY80"/>
+              </a:cxn>
+              <a:cxn ang="0">
+                <a:pos x="connsiteX81" y="connsiteY81"/>
+              </a:cxn>
+              <a:cxn ang="0">
+                <a:pos x="connsiteX82" y="connsiteY82"/>
+              </a:cxn>
+              <a:cxn ang="0">
+                <a:pos x="connsiteX83" y="connsiteY83"/>
+              </a:cxn>
+              <a:cxn ang="0">
+                <a:pos x="connsiteX84" y="connsiteY84"/>
+              </a:cxn>
+              <a:cxn ang="0">
+                <a:pos x="connsiteX85" y="connsiteY85"/>
+              </a:cxn>
+              <a:cxn ang="0">
+                <a:pos x="connsiteX86" y="connsiteY86"/>
+              </a:cxn>
+              <a:cxn ang="0">
+                <a:pos x="connsiteX87" y="connsiteY87"/>
+              </a:cxn>
+              <a:cxn ang="0">
+                <a:pos x="connsiteX88" y="connsiteY88"/>
+              </a:cxn>
+              <a:cxn ang="0">
+                <a:pos x="connsiteX89" y="connsiteY89"/>
+              </a:cxn>
+              <a:cxn ang="0">
+                <a:pos x="connsiteX90" y="connsiteY90"/>
+              </a:cxn>
+              <a:cxn ang="0">
+                <a:pos x="connsiteX91" y="connsiteY91"/>
+              </a:cxn>
+              <a:cxn ang="0">
+                <a:pos x="connsiteX92" y="connsiteY92"/>
+              </a:cxn>
+              <a:cxn ang="0">
+                <a:pos x="connsiteX93" y="connsiteY93"/>
+              </a:cxn>
+              <a:cxn ang="0">
+                <a:pos x="connsiteX94" y="connsiteY94"/>
+              </a:cxn>
+              <a:cxn ang="0">
+                <a:pos x="connsiteX95" y="connsiteY95"/>
+              </a:cxn>
+              <a:cxn ang="0">
+                <a:pos x="connsiteX96" y="connsiteY96"/>
+              </a:cxn>
+              <a:cxn ang="0">
+                <a:pos x="connsiteX97" y="connsiteY97"/>
+              </a:cxn>
+              <a:cxn ang="0">
+                <a:pos x="connsiteX98" y="connsiteY98"/>
+              </a:cxn>
+              <a:cxn ang="0">
+                <a:pos x="connsiteX99" y="connsiteY99"/>
+              </a:cxn>
+            </a:cxnLst>
+            <a:rect l="l" t="t" r="r" b="b"/>
+            <a:pathLst>
+              <a:path w="2135567" h="1544746">
+                <a:moveTo>
+                  <a:pt x="931832" y="1337296"/>
+                </a:moveTo>
+                <a:cubicBezTo>
+                  <a:pt x="927634" y="1337930"/>
+                  <a:pt x="924972" y="1341988"/>
+                  <a:pt x="923846" y="1347186"/>
+                </a:cubicBezTo>
+                <a:lnTo>
+                  <a:pt x="896048" y="1481471"/>
+                </a:lnTo>
+                <a:cubicBezTo>
+                  <a:pt x="895281" y="1485782"/>
+                  <a:pt x="896356" y="1495038"/>
+                  <a:pt x="898813" y="1495546"/>
+                </a:cubicBezTo>
+                <a:lnTo>
+                  <a:pt x="1067552" y="1495546"/>
+                </a:lnTo>
+                <a:lnTo>
+                  <a:pt x="1068013" y="1495546"/>
+                </a:lnTo>
+                <a:lnTo>
+                  <a:pt x="1236752" y="1495546"/>
+                </a:lnTo>
+                <a:cubicBezTo>
+                  <a:pt x="1239209" y="1495038"/>
+                  <a:pt x="1240284" y="1485782"/>
+                  <a:pt x="1239517" y="1481471"/>
+                </a:cubicBezTo>
+                <a:lnTo>
+                  <a:pt x="1211719" y="1347186"/>
+                </a:lnTo>
+                <a:cubicBezTo>
+                  <a:pt x="1210593" y="1341988"/>
+                  <a:pt x="1207931" y="1337930"/>
+                  <a:pt x="1203733" y="1337296"/>
+                </a:cubicBezTo>
+                <a:lnTo>
+                  <a:pt x="1067782" y="1337424"/>
+                </a:lnTo>
+                <a:close/>
+                <a:moveTo>
+                  <a:pt x="223690" y="1148073"/>
+                </a:moveTo>
+                <a:lnTo>
+                  <a:pt x="1067783" y="1148396"/>
+                </a:lnTo>
+                <a:lnTo>
+                  <a:pt x="1911876" y="1148073"/>
+                </a:lnTo>
+                <a:cubicBezTo>
+                  <a:pt x="1937940" y="1149663"/>
+                  <a:pt x="1954468" y="1159834"/>
+                  <a:pt x="1961461" y="1172865"/>
+                </a:cubicBezTo>
+                <a:lnTo>
+                  <a:pt x="2134051" y="1509465"/>
+                </a:lnTo>
+                <a:cubicBezTo>
+                  <a:pt x="2138819" y="1520272"/>
+                  <a:pt x="2132144" y="1543475"/>
+                  <a:pt x="2116888" y="1544746"/>
+                </a:cubicBezTo>
+                <a:lnTo>
+                  <a:pt x="1069214" y="1544746"/>
+                </a:lnTo>
+                <a:lnTo>
+                  <a:pt x="1066353" y="1544746"/>
+                </a:lnTo>
+                <a:lnTo>
+                  <a:pt x="18680" y="1544746"/>
+                </a:lnTo>
+                <a:cubicBezTo>
+                  <a:pt x="3423" y="1543475"/>
+                  <a:pt x="-3252" y="1520272"/>
+                  <a:pt x="1516" y="1509465"/>
+                </a:cubicBezTo>
+                <a:lnTo>
+                  <a:pt x="174107" y="1172865"/>
+                </a:lnTo>
+                <a:cubicBezTo>
+                  <a:pt x="181099" y="1159834"/>
+                  <a:pt x="197627" y="1149663"/>
+                  <a:pt x="223690" y="1148073"/>
+                </a:cubicBezTo>
+                <a:close/>
+                <a:moveTo>
+                  <a:pt x="1081240" y="1027774"/>
+                </a:moveTo>
+                <a:lnTo>
+                  <a:pt x="1081240" y="1048170"/>
+                </a:lnTo>
+                <a:lnTo>
+                  <a:pt x="1108784" y="1051973"/>
+                </a:lnTo>
+                <a:cubicBezTo>
+                  <a:pt x="1108772" y="1043906"/>
+                  <a:pt x="1108758" y="1035840"/>
+                  <a:pt x="1108744" y="1027774"/>
+                </a:cubicBezTo>
+                <a:close/>
+                <a:moveTo>
+                  <a:pt x="1057812" y="1027774"/>
+                </a:moveTo>
+                <a:cubicBezTo>
+                  <a:pt x="1057798" y="1035118"/>
+                  <a:pt x="1057788" y="1042220"/>
+                  <a:pt x="1057814" y="1044936"/>
+                </a:cubicBezTo>
+                <a:lnTo>
+                  <a:pt x="1078666" y="1047815"/>
+                </a:lnTo>
+                <a:lnTo>
+                  <a:pt x="1078666" y="1027774"/>
+                </a:lnTo>
+                <a:close/>
+                <a:moveTo>
+                  <a:pt x="1078666" y="1005119"/>
+                </a:moveTo>
+                <a:lnTo>
+                  <a:pt x="1057814" y="1008038"/>
+                </a:lnTo>
+                <a:cubicBezTo>
+                  <a:pt x="1057842" y="1010754"/>
+                  <a:pt x="1057830" y="1017856"/>
+                  <a:pt x="1057817" y="1025200"/>
+                </a:cubicBezTo>
+                <a:lnTo>
+                  <a:pt x="1078666" y="1025200"/>
+                </a:lnTo>
+                <a:close/>
+                <a:moveTo>
+                  <a:pt x="1108699" y="1000916"/>
+                </a:moveTo>
+                <a:lnTo>
+                  <a:pt x="1081240" y="1004759"/>
+                </a:lnTo>
+                <a:lnTo>
+                  <a:pt x="1081240" y="1025200"/>
+                </a:lnTo>
+                <a:lnTo>
+                  <a:pt x="1108739" y="1025200"/>
+                </a:lnTo>
+                <a:close/>
+                <a:moveTo>
+                  <a:pt x="1068459" y="508575"/>
+                </a:moveTo>
+                <a:cubicBezTo>
+                  <a:pt x="1090331" y="508575"/>
+                  <a:pt x="1108061" y="526306"/>
+                  <a:pt x="1108061" y="548178"/>
+                </a:cubicBezTo>
+                <a:cubicBezTo>
+                  <a:pt x="1108061" y="570050"/>
+                  <a:pt x="1090331" y="587781"/>
+                  <a:pt x="1068459" y="587781"/>
+                </a:cubicBezTo>
+                <a:cubicBezTo>
+                  <a:pt x="1046586" y="587781"/>
+                  <a:pt x="1028856" y="570050"/>
+                  <a:pt x="1028856" y="548178"/>
+                </a:cubicBezTo>
+                <a:cubicBezTo>
+                  <a:pt x="1028856" y="526306"/>
+                  <a:pt x="1046587" y="508575"/>
+                  <a:pt x="1068459" y="508575"/>
+                </a:cubicBezTo>
+                <a:close/>
+                <a:moveTo>
+                  <a:pt x="1068459" y="442994"/>
+                </a:moveTo>
+                <a:cubicBezTo>
+                  <a:pt x="1010367" y="442994"/>
+                  <a:pt x="963275" y="490087"/>
+                  <a:pt x="963274" y="548178"/>
+                </a:cubicBezTo>
+                <a:cubicBezTo>
+                  <a:pt x="963275" y="606269"/>
+                  <a:pt x="1010367" y="653362"/>
+                  <a:pt x="1068458" y="653362"/>
+                </a:cubicBezTo>
+                <a:cubicBezTo>
+                  <a:pt x="1126550" y="653362"/>
+                  <a:pt x="1173643" y="606270"/>
+                  <a:pt x="1173643" y="548178"/>
+                </a:cubicBezTo>
+                <a:cubicBezTo>
+                  <a:pt x="1173643" y="490087"/>
+                  <a:pt x="1126550" y="442994"/>
+                  <a:pt x="1068459" y="442994"/>
+                </a:cubicBezTo>
+                <a:close/>
+                <a:moveTo>
+                  <a:pt x="1040654" y="324922"/>
+                </a:moveTo>
+                <a:lnTo>
+                  <a:pt x="1065119" y="379072"/>
+                </a:lnTo>
+                <a:cubicBezTo>
+                  <a:pt x="1066228" y="378914"/>
+                  <a:pt x="1067342" y="378903"/>
+                  <a:pt x="1068458" y="378903"/>
+                </a:cubicBezTo>
+                <a:cubicBezTo>
+                  <a:pt x="1083238" y="378903"/>
+                  <a:pt x="1097575" y="380798"/>
+                  <a:pt x="1111078" y="384982"/>
+                </a:cubicBezTo>
+                <a:lnTo>
+                  <a:pt x="1149355" y="338239"/>
+                </a:lnTo>
+                <a:lnTo>
+                  <a:pt x="1210163" y="373346"/>
+                </a:lnTo>
+                <a:lnTo>
+                  <a:pt x="1188970" y="429472"/>
+                </a:lnTo>
+                <a:cubicBezTo>
+                  <a:pt x="1198986" y="439472"/>
+                  <a:pt x="1207663" y="450794"/>
+                  <a:pt x="1214212" y="463463"/>
+                </a:cubicBezTo>
+                <a:lnTo>
+                  <a:pt x="1275387" y="457371"/>
+                </a:lnTo>
+                <a:lnTo>
+                  <a:pt x="1293560" y="525194"/>
+                </a:lnTo>
+                <a:lnTo>
+                  <a:pt x="1237618" y="550469"/>
+                </a:lnTo>
+                <a:cubicBezTo>
+                  <a:pt x="1237528" y="564744"/>
+                  <a:pt x="1235572" y="578592"/>
+                  <a:pt x="1231396" y="591629"/>
+                </a:cubicBezTo>
+                <a:lnTo>
+                  <a:pt x="1277377" y="629282"/>
+                </a:lnTo>
+                <a:lnTo>
+                  <a:pt x="1242269" y="690090"/>
+                </a:lnTo>
+                <a:lnTo>
+                  <a:pt x="1186672" y="669096"/>
+                </a:lnTo>
+                <a:cubicBezTo>
+                  <a:pt x="1176973" y="678821"/>
+                  <a:pt x="1165990" y="687237"/>
+                  <a:pt x="1153721" y="693635"/>
+                </a:cubicBezTo>
+                <a:lnTo>
+                  <a:pt x="1159752" y="754201"/>
+                </a:lnTo>
+                <a:lnTo>
+                  <a:pt x="1091929" y="772373"/>
+                </a:lnTo>
+                <a:lnTo>
+                  <a:pt x="1067085" y="717383"/>
+                </a:lnTo>
+                <a:cubicBezTo>
+                  <a:pt x="1053158" y="717336"/>
+                  <a:pt x="1039631" y="715544"/>
+                  <a:pt x="1026845" y="711686"/>
+                </a:cubicBezTo>
+                <a:lnTo>
+                  <a:pt x="1026925" y="711732"/>
+                </a:lnTo>
+                <a:lnTo>
+                  <a:pt x="987867" y="759429"/>
+                </a:lnTo>
+                <a:lnTo>
+                  <a:pt x="927059" y="724321"/>
+                </a:lnTo>
+                <a:lnTo>
+                  <a:pt x="948496" y="667549"/>
+                </a:lnTo>
+                <a:cubicBezTo>
+                  <a:pt x="937150" y="656204"/>
+                  <a:pt x="927439" y="643231"/>
+                  <a:pt x="920400" y="628647"/>
+                </a:cubicBezTo>
+                <a:lnTo>
+                  <a:pt x="921524" y="632842"/>
+                </a:lnTo>
+                <a:lnTo>
+                  <a:pt x="860179" y="638950"/>
+                </a:lnTo>
+                <a:lnTo>
+                  <a:pt x="842006" y="571128"/>
+                </a:lnTo>
+                <a:lnTo>
+                  <a:pt x="898187" y="545746"/>
+                </a:lnTo>
+                <a:lnTo>
+                  <a:pt x="899264" y="549767"/>
+                </a:lnTo>
+                <a:cubicBezTo>
+                  <a:pt x="899186" y="549238"/>
+                  <a:pt x="899184" y="548709"/>
+                  <a:pt x="899184" y="548178"/>
+                </a:cubicBezTo>
+                <a:cubicBezTo>
+                  <a:pt x="899184" y="533356"/>
+                  <a:pt x="901089" y="518978"/>
+                  <a:pt x="905299" y="505442"/>
+                </a:cubicBezTo>
+                <a:lnTo>
+                  <a:pt x="857843" y="466580"/>
+                </a:lnTo>
+                <a:lnTo>
+                  <a:pt x="892950" y="405773"/>
+                </a:lnTo>
+                <a:lnTo>
+                  <a:pt x="950123" y="427361"/>
+                </a:lnTo>
+                <a:cubicBezTo>
+                  <a:pt x="959292" y="418156"/>
+                  <a:pt x="969614" y="410126"/>
+                  <a:pt x="981093" y="403863"/>
+                </a:cubicBezTo>
+                <a:lnTo>
+                  <a:pt x="978940" y="404440"/>
+                </a:lnTo>
+                <a:lnTo>
+                  <a:pt x="972831" y="343095"/>
+                </a:lnTo>
+                <a:close/>
+                <a:moveTo>
+                  <a:pt x="313552" y="114904"/>
+                </a:moveTo>
+                <a:lnTo>
+                  <a:pt x="313552" y="973016"/>
+                </a:lnTo>
+                <a:lnTo>
+                  <a:pt x="1853031" y="973016"/>
+                </a:lnTo>
+                <a:lnTo>
+                  <a:pt x="1853031" y="114904"/>
+                </a:lnTo>
+                <a:close/>
+                <a:moveTo>
+                  <a:pt x="229082" y="0"/>
+                </a:moveTo>
+                <a:lnTo>
+                  <a:pt x="1937502" y="0"/>
+                </a:lnTo>
+                <a:cubicBezTo>
+                  <a:pt x="1950725" y="0"/>
+                  <a:pt x="1961445" y="10719"/>
+                  <a:pt x="1961445" y="23943"/>
+                </a:cubicBezTo>
+                <a:lnTo>
+                  <a:pt x="1961445" y="1062908"/>
+                </a:lnTo>
+                <a:cubicBezTo>
+                  <a:pt x="1961445" y="1076131"/>
+                  <a:pt x="1950725" y="1086851"/>
+                  <a:pt x="1937502" y="1086851"/>
+                </a:cubicBezTo>
+                <a:lnTo>
+                  <a:pt x="229082" y="1086851"/>
+                </a:lnTo>
+                <a:cubicBezTo>
+                  <a:pt x="215858" y="1086851"/>
+                  <a:pt x="205138" y="1076131"/>
+                  <a:pt x="205138" y="1062908"/>
+                </a:cubicBezTo>
+                <a:lnTo>
+                  <a:pt x="205138" y="23943"/>
+                </a:lnTo>
+                <a:cubicBezTo>
+                  <a:pt x="205138" y="10719"/>
+                  <a:pt x="215858" y="0"/>
+                  <a:pt x="229082" y="0"/>
+                </a:cubicBezTo>
+                <a:close/>
+              </a:path>
+            </a:pathLst>
+          </a:custGeom>
+          <a:solidFill>
+            <a:srgbClr val="3C454F"/>
+          </a:solidFill>
+          <a:ln>
+            <a:noFill/>
+          </a:ln>
+        </p:spPr>
+        <p:style>
+          <a:lnRef idx="2">
+            <a:schemeClr val="accent1">
+              <a:shade val="50000"/>
+            </a:schemeClr>
+          </a:lnRef>
+          <a:fillRef idx="1">
+            <a:schemeClr val="accent1"/>
+          </a:fillRef>
+          <a:effectRef idx="0">
+            <a:schemeClr val="accent1"/>
+          </a:effectRef>
+          <a:fontRef idx="minor">
+            <a:schemeClr val="lt1"/>
+          </a:fontRef>
+        </p:style>
+        <p:txBody>
+          <a:bodyPr wrap="square" rtlCol="0" anchor="ctr">
+            <a:noAutofit/>
+          </a:bodyPr>
+          <a:lstStyle/>
+          <a:p>
+            <a:pPr algn="ctr"/>
+            <a:endParaRPr lang="en-US"/>
+          </a:p>
+        </p:txBody>
+      </p:sp>
+      <p:grpSp>
+        <p:nvGrpSpPr>
+          <p:cNvPr id="64" name="Group 63"/>
+          <p:cNvGrpSpPr/>
+          <p:nvPr/>
+        </p:nvGrpSpPr>
+        <p:grpSpPr>
+          <a:xfrm>
+            <a:off x="3427317" y="2500679"/>
+            <a:ext cx="1486158" cy="1804061"/>
+            <a:chOff x="3152997" y="2500679"/>
+            <a:chExt cx="1486158" cy="1804061"/>
+          </a:xfrm>
+        </p:grpSpPr>
+        <p:sp>
+          <p:nvSpPr>
+            <p:cNvPr id="37" name="Rectangle 36"/>
+            <p:cNvSpPr/>
+            <p:nvPr/>
+          </p:nvSpPr>
+          <p:spPr>
+            <a:xfrm>
+              <a:off x="3152997" y="2500679"/>
+              <a:ext cx="1486158" cy="1804061"/>
+            </a:xfrm>
+            <a:prstGeom prst="rect">
+              <a:avLst/>
+            </a:prstGeom>
+            <a:solidFill>
+              <a:srgbClr val="3C454F"/>
+            </a:solidFill>
+            <a:ln>
+              <a:noFill/>
+            </a:ln>
+          </p:spPr>
+          <p:style>
+            <a:lnRef idx="2">
+              <a:schemeClr val="accent1">
+                <a:shade val="50000"/>
+              </a:schemeClr>
+            </a:lnRef>
+            <a:fillRef idx="1">
+              <a:schemeClr val="accent1"/>
+            </a:fillRef>
+            <a:effectRef idx="0">
+              <a:schemeClr val="accent1"/>
+            </a:effectRef>
+            <a:fontRef idx="minor">
+              <a:schemeClr val="lt1"/>
+            </a:fontRef>
+          </p:style>
+          <p:txBody>
+            <a:bodyPr rtlCol="0" anchor="ctr"/>
+            <a:lstStyle/>
+            <a:p>
+              <a:pPr algn="ctr"/>
+              <a:endParaRPr lang="en-US"/>
+            </a:p>
+          </p:txBody>
+        </p:sp>
+        <p:sp>
+          <p:nvSpPr>
+            <p:cNvPr id="63" name="Freeform 62"/>
+            <p:cNvSpPr/>
+            <p:nvPr/>
+          </p:nvSpPr>
+          <p:spPr>
+            <a:xfrm>
+              <a:off x="3224674" y="2630335"/>
+              <a:ext cx="1342803" cy="1560121"/>
+            </a:xfrm>
+            <a:custGeom>
+              <a:avLst/>
+              <a:gdLst>
+                <a:gd name="connsiteX0" fmla="*/ 0 w 1342803"/>
+                <a:gd name="connsiteY0" fmla="*/ 1483921 h 1560121"/>
+                <a:gd name="connsiteX1" fmla="*/ 1342803 w 1342803"/>
+                <a:gd name="connsiteY1" fmla="*/ 1483921 h 1560121"/>
+                <a:gd name="connsiteX2" fmla="*/ 1342803 w 1342803"/>
+                <a:gd name="connsiteY2" fmla="*/ 1560121 h 1560121"/>
+                <a:gd name="connsiteX3" fmla="*/ 0 w 1342803"/>
+                <a:gd name="connsiteY3" fmla="*/ 1560121 h 1560121"/>
+                <a:gd name="connsiteX4" fmla="*/ 0 w 1342803"/>
+                <a:gd name="connsiteY4" fmla="*/ 1335528 h 1560121"/>
+                <a:gd name="connsiteX5" fmla="*/ 1342803 w 1342803"/>
+                <a:gd name="connsiteY5" fmla="*/ 1335528 h 1560121"/>
+                <a:gd name="connsiteX6" fmla="*/ 1342803 w 1342803"/>
+                <a:gd name="connsiteY6" fmla="*/ 1411728 h 1560121"/>
+                <a:gd name="connsiteX7" fmla="*/ 0 w 1342803"/>
+                <a:gd name="connsiteY7" fmla="*/ 1411728 h 1560121"/>
+                <a:gd name="connsiteX8" fmla="*/ 0 w 1342803"/>
+                <a:gd name="connsiteY8" fmla="*/ 1187136 h 1560121"/>
+                <a:gd name="connsiteX9" fmla="*/ 1342803 w 1342803"/>
+                <a:gd name="connsiteY9" fmla="*/ 1187136 h 1560121"/>
+                <a:gd name="connsiteX10" fmla="*/ 1342803 w 1342803"/>
+                <a:gd name="connsiteY10" fmla="*/ 1263336 h 1560121"/>
+                <a:gd name="connsiteX11" fmla="*/ 0 w 1342803"/>
+                <a:gd name="connsiteY11" fmla="*/ 1263336 h 1560121"/>
+                <a:gd name="connsiteX12" fmla="*/ 0 w 1342803"/>
+                <a:gd name="connsiteY12" fmla="*/ 1038744 h 1560121"/>
+                <a:gd name="connsiteX13" fmla="*/ 1342803 w 1342803"/>
+                <a:gd name="connsiteY13" fmla="*/ 1038744 h 1560121"/>
+                <a:gd name="connsiteX14" fmla="*/ 1342803 w 1342803"/>
+                <a:gd name="connsiteY14" fmla="*/ 1114944 h 1560121"/>
+                <a:gd name="connsiteX15" fmla="*/ 0 w 1342803"/>
+                <a:gd name="connsiteY15" fmla="*/ 1114944 h 1560121"/>
+                <a:gd name="connsiteX16" fmla="*/ 0 w 1342803"/>
+                <a:gd name="connsiteY16" fmla="*/ 890352 h 1560121"/>
+                <a:gd name="connsiteX17" fmla="*/ 1342803 w 1342803"/>
+                <a:gd name="connsiteY17" fmla="*/ 890352 h 1560121"/>
+                <a:gd name="connsiteX18" fmla="*/ 1342803 w 1342803"/>
+                <a:gd name="connsiteY18" fmla="*/ 966552 h 1560121"/>
+                <a:gd name="connsiteX19" fmla="*/ 0 w 1342803"/>
+                <a:gd name="connsiteY19" fmla="*/ 966552 h 1560121"/>
+                <a:gd name="connsiteX20" fmla="*/ 0 w 1342803"/>
+                <a:gd name="connsiteY20" fmla="*/ 741960 h 1560121"/>
+                <a:gd name="connsiteX21" fmla="*/ 1342803 w 1342803"/>
+                <a:gd name="connsiteY21" fmla="*/ 741960 h 1560121"/>
+                <a:gd name="connsiteX22" fmla="*/ 1342803 w 1342803"/>
+                <a:gd name="connsiteY22" fmla="*/ 818160 h 1560121"/>
+                <a:gd name="connsiteX23" fmla="*/ 0 w 1342803"/>
+                <a:gd name="connsiteY23" fmla="*/ 818160 h 1560121"/>
+                <a:gd name="connsiteX24" fmla="*/ 0 w 1342803"/>
+                <a:gd name="connsiteY24" fmla="*/ 593568 h 1560121"/>
+                <a:gd name="connsiteX25" fmla="*/ 1342803 w 1342803"/>
+                <a:gd name="connsiteY25" fmla="*/ 593568 h 1560121"/>
+                <a:gd name="connsiteX26" fmla="*/ 1342803 w 1342803"/>
+                <a:gd name="connsiteY26" fmla="*/ 669768 h 1560121"/>
+                <a:gd name="connsiteX27" fmla="*/ 0 w 1342803"/>
+                <a:gd name="connsiteY27" fmla="*/ 669768 h 1560121"/>
+                <a:gd name="connsiteX28" fmla="*/ 0 w 1342803"/>
+                <a:gd name="connsiteY28" fmla="*/ 445176 h 1560121"/>
+                <a:gd name="connsiteX29" fmla="*/ 1342803 w 1342803"/>
+                <a:gd name="connsiteY29" fmla="*/ 445176 h 1560121"/>
+                <a:gd name="connsiteX30" fmla="*/ 1342803 w 1342803"/>
+                <a:gd name="connsiteY30" fmla="*/ 521376 h 1560121"/>
+                <a:gd name="connsiteX31" fmla="*/ 0 w 1342803"/>
+                <a:gd name="connsiteY31" fmla="*/ 521376 h 1560121"/>
+                <a:gd name="connsiteX32" fmla="*/ 0 w 1342803"/>
+                <a:gd name="connsiteY32" fmla="*/ 296784 h 1560121"/>
+                <a:gd name="connsiteX33" fmla="*/ 1342803 w 1342803"/>
+                <a:gd name="connsiteY33" fmla="*/ 296784 h 1560121"/>
+                <a:gd name="connsiteX34" fmla="*/ 1342803 w 1342803"/>
+                <a:gd name="connsiteY34" fmla="*/ 372984 h 1560121"/>
+                <a:gd name="connsiteX35" fmla="*/ 0 w 1342803"/>
+                <a:gd name="connsiteY35" fmla="*/ 372984 h 1560121"/>
+                <a:gd name="connsiteX36" fmla="*/ 0 w 1342803"/>
+                <a:gd name="connsiteY36" fmla="*/ 148392 h 1560121"/>
+                <a:gd name="connsiteX37" fmla="*/ 1342803 w 1342803"/>
+                <a:gd name="connsiteY37" fmla="*/ 148392 h 1560121"/>
+                <a:gd name="connsiteX38" fmla="*/ 1342803 w 1342803"/>
+                <a:gd name="connsiteY38" fmla="*/ 224592 h 1560121"/>
+                <a:gd name="connsiteX39" fmla="*/ 0 w 1342803"/>
+                <a:gd name="connsiteY39" fmla="*/ 224592 h 1560121"/>
+                <a:gd name="connsiteX40" fmla="*/ 0 w 1342803"/>
+                <a:gd name="connsiteY40" fmla="*/ 0 h 1560121"/>
+                <a:gd name="connsiteX41" fmla="*/ 1342803 w 1342803"/>
+                <a:gd name="connsiteY41" fmla="*/ 0 h 1560121"/>
+                <a:gd name="connsiteX42" fmla="*/ 1342803 w 1342803"/>
+                <a:gd name="connsiteY42" fmla="*/ 76200 h 1560121"/>
+                <a:gd name="connsiteX43" fmla="*/ 0 w 1342803"/>
+                <a:gd name="connsiteY43" fmla="*/ 76200 h 1560121"/>
+              </a:gdLst>
+              <a:ahLst/>
+              <a:cxnLst>
+                <a:cxn ang="0">
+                  <a:pos x="connsiteX0" y="connsiteY0"/>
+                </a:cxn>
+                <a:cxn ang="0">
+                  <a:pos x="connsiteX1" y="connsiteY1"/>
+                </a:cxn>
+                <a:cxn ang="0">
+                  <a:pos x="connsiteX2" y="connsiteY2"/>
+                </a:cxn>
+                <a:cxn ang="0">
+                  <a:pos x="connsiteX3" y="connsiteY3"/>
+                </a:cxn>
+                <a:cxn ang="0">
+                  <a:pos x="connsiteX4" y="connsiteY4"/>
+                </a:cxn>
+                <a:cxn ang="0">
+                  <a:pos x="connsiteX5" y="connsiteY5"/>
+                </a:cxn>
+                <a:cxn ang="0">
+                  <a:pos x="connsiteX6" y="connsiteY6"/>
+                </a:cxn>
+                <a:cxn ang="0">
+                  <a:pos x="connsiteX7" y="connsiteY7"/>
+                </a:cxn>
+                <a:cxn ang="0">
+                  <a:pos x="connsiteX8" y="connsiteY8"/>
+                </a:cxn>
+                <a:cxn ang="0">
+                  <a:pos x="connsiteX9" y="connsiteY9"/>
+                </a:cxn>
+                <a:cxn ang="0">
+                  <a:pos x="connsiteX10" y="connsiteY10"/>
+                </a:cxn>
+                <a:cxn ang="0">
+                  <a:pos x="connsiteX11" y="connsiteY11"/>
+                </a:cxn>
+                <a:cxn ang="0">
+                  <a:pos x="connsiteX12" y="connsiteY12"/>
+                </a:cxn>
+                <a:cxn ang="0">
+                  <a:pos x="connsiteX13" y="connsiteY13"/>
+                </a:cxn>
+                <a:cxn ang="0">
+                  <a:pos x="connsiteX14" y="connsiteY14"/>
+                </a:cxn>
+                <a:cxn ang="0">
+                  <a:pos x="connsiteX15" y="connsiteY15"/>
+                </a:cxn>
+                <a:cxn ang="0">
+                  <a:pos x="connsiteX16" y="connsiteY16"/>
+                </a:cxn>
+                <a:cxn ang="0">
+                  <a:pos x="connsiteX17" y="connsiteY17"/>
+                </a:cxn>
+                <a:cxn ang="0">
+                  <a:pos x="connsiteX18" y="connsiteY18"/>
+                </a:cxn>
+                <a:cxn ang="0">
+                  <a:pos x="connsiteX19" y="connsiteY19"/>
+                </a:cxn>
+                <a:cxn ang="0">
+                  <a:pos x="connsiteX20" y="connsiteY20"/>
+                </a:cxn>
+                <a:cxn ang="0">
+                  <a:pos x="connsiteX21" y="connsiteY21"/>
+                </a:cxn>
+                <a:cxn ang="0">
+                  <a:pos x="connsiteX22" y="connsiteY22"/>
+                </a:cxn>
+                <a:cxn ang="0">
+                  <a:pos x="connsiteX23" y="connsiteY23"/>
+                </a:cxn>
+                <a:cxn ang="0">
+                  <a:pos x="connsiteX24" y="connsiteY24"/>
+                </a:cxn>
+                <a:cxn ang="0">
+                  <a:pos x="connsiteX25" y="connsiteY25"/>
+                </a:cxn>
+                <a:cxn ang="0">
+                  <a:pos x="connsiteX26" y="connsiteY26"/>
+                </a:cxn>
+                <a:cxn ang="0">
+                  <a:pos x="connsiteX27" y="connsiteY27"/>
+                </a:cxn>
+                <a:cxn ang="0">
+                  <a:pos x="connsiteX28" y="connsiteY28"/>
+                </a:cxn>
+                <a:cxn ang="0">
+                  <a:pos x="connsiteX29" y="connsiteY29"/>
+                </a:cxn>
+                <a:cxn ang="0">
+                  <a:pos x="connsiteX30" y="connsiteY30"/>
+                </a:cxn>
+                <a:cxn ang="0">
+                  <a:pos x="connsiteX31" y="connsiteY31"/>
+                </a:cxn>
+                <a:cxn ang="0">
+                  <a:pos x="connsiteX32" y="connsiteY32"/>
+                </a:cxn>
+                <a:cxn ang="0">
+                  <a:pos x="connsiteX33" y="connsiteY33"/>
+                </a:cxn>
+                <a:cxn ang="0">
+                  <a:pos x="connsiteX34" y="connsiteY34"/>
+                </a:cxn>
+                <a:cxn ang="0">
+                  <a:pos x="connsiteX35" y="connsiteY35"/>
+                </a:cxn>
+                <a:cxn ang="0">
+                  <a:pos x="connsiteX36" y="connsiteY36"/>
+                </a:cxn>
+                <a:cxn ang="0">
+                  <a:pos x="connsiteX37" y="connsiteY37"/>
+                </a:cxn>
+                <a:cxn ang="0">
+                  <a:pos x="connsiteX38" y="connsiteY38"/>
+                </a:cxn>
+                <a:cxn ang="0">
+                  <a:pos x="connsiteX39" y="connsiteY39"/>
+                </a:cxn>
+                <a:cxn ang="0">
+                  <a:pos x="connsiteX40" y="connsiteY40"/>
+                </a:cxn>
+                <a:cxn ang="0">
+                  <a:pos x="connsiteX41" y="connsiteY41"/>
+                </a:cxn>
+                <a:cxn ang="0">
+                  <a:pos x="connsiteX42" y="connsiteY42"/>
+                </a:cxn>
+                <a:cxn ang="0">
+                  <a:pos x="connsiteX43" y="connsiteY43"/>
+                </a:cxn>
+              </a:cxnLst>
+              <a:rect l="l" t="t" r="r" b="b"/>
+              <a:pathLst>
+                <a:path w="1342803" h="1560121">
+                  <a:moveTo>
+                    <a:pt x="0" y="1483921"/>
+                  </a:moveTo>
+                  <a:lnTo>
+                    <a:pt x="1342803" y="1483921"/>
+                  </a:lnTo>
+                  <a:lnTo>
+                    <a:pt x="1342803" y="1560121"/>
+                  </a:lnTo>
+                  <a:lnTo>
+                    <a:pt x="0" y="1560121"/>
+                  </a:lnTo>
+                  <a:close/>
+                  <a:moveTo>
+                    <a:pt x="0" y="1335528"/>
+                  </a:moveTo>
+                  <a:lnTo>
+                    <a:pt x="1342803" y="1335528"/>
+                  </a:lnTo>
+                  <a:lnTo>
+                    <a:pt x="1342803" y="1411728"/>
+                  </a:lnTo>
+                  <a:lnTo>
+                    <a:pt x="0" y="1411728"/>
+                  </a:lnTo>
+                  <a:close/>
+                  <a:moveTo>
+                    <a:pt x="0" y="1187136"/>
+                  </a:moveTo>
+                  <a:lnTo>
+                    <a:pt x="1342803" y="1187136"/>
+                  </a:lnTo>
+                  <a:lnTo>
+                    <a:pt x="1342803" y="1263336"/>
+                  </a:lnTo>
+                  <a:lnTo>
+                    <a:pt x="0" y="1263336"/>
+                  </a:lnTo>
+                  <a:close/>
+                  <a:moveTo>
+                    <a:pt x="0" y="1038744"/>
+                  </a:moveTo>
+                  <a:lnTo>
+                    <a:pt x="1342803" y="1038744"/>
+                  </a:lnTo>
+                  <a:lnTo>
+                    <a:pt x="1342803" y="1114944"/>
+                  </a:lnTo>
+                  <a:lnTo>
+                    <a:pt x="0" y="1114944"/>
+                  </a:lnTo>
+                  <a:close/>
+                  <a:moveTo>
+                    <a:pt x="0" y="890352"/>
+                  </a:moveTo>
+                  <a:lnTo>
+                    <a:pt x="1342803" y="890352"/>
+                  </a:lnTo>
+                  <a:lnTo>
+                    <a:pt x="1342803" y="966552"/>
+                  </a:lnTo>
+                  <a:lnTo>
+                    <a:pt x="0" y="966552"/>
+                  </a:lnTo>
+                  <a:close/>
+                  <a:moveTo>
+                    <a:pt x="0" y="741960"/>
+                  </a:moveTo>
+                  <a:lnTo>
+                    <a:pt x="1342803" y="741960"/>
+                  </a:lnTo>
+                  <a:lnTo>
+                    <a:pt x="1342803" y="818160"/>
+                  </a:lnTo>
+                  <a:lnTo>
+                    <a:pt x="0" y="818160"/>
+                  </a:lnTo>
+                  <a:close/>
+                  <a:moveTo>
+                    <a:pt x="0" y="593568"/>
+                  </a:moveTo>
+                  <a:lnTo>
+                    <a:pt x="1342803" y="593568"/>
+                  </a:lnTo>
+                  <a:lnTo>
+                    <a:pt x="1342803" y="669768"/>
+                  </a:lnTo>
+                  <a:lnTo>
+                    <a:pt x="0" y="669768"/>
+                  </a:lnTo>
+                  <a:close/>
+                  <a:moveTo>
+                    <a:pt x="0" y="445176"/>
+                  </a:moveTo>
+                  <a:lnTo>
+                    <a:pt x="1342803" y="445176"/>
+                  </a:lnTo>
+                  <a:lnTo>
+                    <a:pt x="1342803" y="521376"/>
+                  </a:lnTo>
+                  <a:lnTo>
+                    <a:pt x="0" y="521376"/>
+                  </a:lnTo>
+                  <a:close/>
+                  <a:moveTo>
+                    <a:pt x="0" y="296784"/>
+                  </a:moveTo>
+                  <a:lnTo>
+                    <a:pt x="1342803" y="296784"/>
+                  </a:lnTo>
+                  <a:lnTo>
+                    <a:pt x="1342803" y="372984"/>
+                  </a:lnTo>
+                  <a:lnTo>
+                    <a:pt x="0" y="372984"/>
+                  </a:lnTo>
+                  <a:close/>
+                  <a:moveTo>
+                    <a:pt x="0" y="148392"/>
+                  </a:moveTo>
+                  <a:lnTo>
+                    <a:pt x="1342803" y="148392"/>
+                  </a:lnTo>
+                  <a:lnTo>
+                    <a:pt x="1342803" y="224592"/>
+                  </a:lnTo>
+                  <a:lnTo>
+                    <a:pt x="0" y="224592"/>
+                  </a:lnTo>
+                  <a:close/>
+                  <a:moveTo>
+                    <a:pt x="0" y="0"/>
+                  </a:moveTo>
+                  <a:lnTo>
+                    <a:pt x="1342803" y="0"/>
+                  </a:lnTo>
+                  <a:lnTo>
+                    <a:pt x="1342803" y="76200"/>
+                  </a:lnTo>
+                  <a:lnTo>
+                    <a:pt x="0" y="76200"/>
+                  </a:lnTo>
+                  <a:close/>
+                </a:path>
+              </a:pathLst>
+            </a:custGeom>
+            <a:solidFill>
+              <a:schemeClr val="bg1">
+                <a:lumMod val="65000"/>
+              </a:schemeClr>
+            </a:solidFill>
+            <a:ln>
+              <a:noFill/>
+            </a:ln>
+          </p:spPr>
+          <p:style>
+            <a:lnRef idx="2">
+              <a:schemeClr val="accent1">
+                <a:shade val="50000"/>
+              </a:schemeClr>
+            </a:lnRef>
+            <a:fillRef idx="1">
+              <a:schemeClr val="accent1"/>
+            </a:fillRef>
+            <a:effectRef idx="0">
+              <a:schemeClr val="accent1"/>
+            </a:effectRef>
+            <a:fontRef idx="minor">
+              <a:schemeClr val="lt1"/>
+            </a:fontRef>
+          </p:style>
+          <p:txBody>
+            <a:bodyPr rtlCol="0" anchor="ctr"/>
+            <a:lstStyle/>
+            <a:p>
+              <a:pPr algn="ctr"/>
+              <a:endParaRPr lang="en-US"/>
+            </a:p>
+          </p:txBody>
+        </p:sp>
+      </p:grpSp>
+      <p:sp>
+        <p:nvSpPr>
+          <p:cNvPr id="79" name="Cursor"/>
+          <p:cNvSpPr/>
+          <p:nvPr/>
+        </p:nvSpPr>
+        <p:spPr>
+          <a:xfrm rot="5400000">
+            <a:off x="3228045" y="2390559"/>
+            <a:ext cx="292227" cy="251920"/>
+          </a:xfrm>
+          <a:prstGeom prst="triangle">
+            <a:avLst/>
+          </a:prstGeom>
+          <a:solidFill>
+            <a:srgbClr val="FFC000"/>
+          </a:solidFill>
+          <a:ln>
+            <a:noFill/>
+          </a:ln>
+        </p:spPr>
+        <p:style>
+          <a:lnRef idx="2">
+            <a:schemeClr val="accent1">
+              <a:shade val="50000"/>
+            </a:schemeClr>
+          </a:lnRef>
+          <a:fillRef idx="1">
+            <a:schemeClr val="accent1"/>
+          </a:fillRef>
+          <a:effectRef idx="0">
+            <a:schemeClr val="accent1"/>
+          </a:effectRef>
+          <a:fontRef idx="minor">
+            <a:schemeClr val="lt1"/>
+          </a:fontRef>
+        </p:style>
+        <p:txBody>
+          <a:bodyPr rtlCol="0" anchor="ctr"/>
+          <a:lstStyle/>
+          <a:p>
+            <a:pPr algn="ctr"/>
+            <a:endParaRPr lang="en-US"/>
+          </a:p>
+        </p:txBody>
+      </p:sp>
+      <p:sp>
+        <p:nvSpPr>
+          <p:cNvPr id="80" name="Cursor"/>
+          <p:cNvSpPr/>
+          <p:nvPr/>
+        </p:nvSpPr>
+        <p:spPr>
+          <a:xfrm rot="5400000">
+            <a:off x="3228045" y="2538196"/>
+            <a:ext cx="292227" cy="251920"/>
+          </a:xfrm>
+          <a:prstGeom prst="triangle">
+            <a:avLst/>
+          </a:prstGeom>
+          <a:solidFill>
+            <a:srgbClr val="FFC000"/>
+          </a:solidFill>
+          <a:ln>
+            <a:noFill/>
+          </a:ln>
+        </p:spPr>
+        <p:style>
+          <a:lnRef idx="2">
+            <a:schemeClr val="accent1">
+              <a:shade val="50000"/>
+            </a:schemeClr>
+          </a:lnRef>
+          <a:fillRef idx="1">
+            <a:schemeClr val="accent1"/>
+          </a:fillRef>
+          <a:effectRef idx="0">
+            <a:schemeClr val="accent1"/>
+          </a:effectRef>
+          <a:fontRef idx="minor">
+            <a:schemeClr val="lt1"/>
+          </a:fontRef>
+        </p:style>
+        <p:txBody>
+          <a:bodyPr rtlCol="0" anchor="ctr"/>
+          <a:lstStyle/>
+          <a:p>
+            <a:pPr algn="ctr"/>
+            <a:endParaRPr lang="en-US"/>
+          </a:p>
+        </p:txBody>
+      </p:sp>
+      <p:sp>
+        <p:nvSpPr>
+          <p:cNvPr id="81" name="Cursor"/>
+          <p:cNvSpPr/>
+          <p:nvPr/>
+        </p:nvSpPr>
+        <p:spPr>
+          <a:xfrm rot="5400000">
+            <a:off x="3228045" y="2687262"/>
+            <a:ext cx="292227" cy="251920"/>
+          </a:xfrm>
+          <a:prstGeom prst="triangle">
+            <a:avLst/>
+          </a:prstGeom>
+          <a:solidFill>
+            <a:srgbClr val="FFC000"/>
+          </a:solidFill>
+          <a:ln>
+            <a:noFill/>
+          </a:ln>
+        </p:spPr>
+        <p:style>
+          <a:lnRef idx="2">
+            <a:schemeClr val="accent1">
+              <a:shade val="50000"/>
+            </a:schemeClr>
+          </a:lnRef>
+          <a:fillRef idx="1">
+            <a:schemeClr val="accent1"/>
+          </a:fillRef>
+          <a:effectRef idx="0">
+            <a:schemeClr val="accent1"/>
+          </a:effectRef>
+          <a:fontRef idx="minor">
+            <a:schemeClr val="lt1"/>
+          </a:fontRef>
+        </p:style>
+        <p:txBody>
+          <a:bodyPr rtlCol="0" anchor="ctr"/>
+          <a:lstStyle/>
+          <a:p>
+            <a:pPr algn="ctr"/>
+            <a:endParaRPr lang="en-US"/>
+          </a:p>
+        </p:txBody>
+      </p:sp>
+      <p:sp>
+        <p:nvSpPr>
+          <p:cNvPr id="82" name="Cursor"/>
+          <p:cNvSpPr/>
+          <p:nvPr/>
+        </p:nvSpPr>
+        <p:spPr>
+          <a:xfrm rot="5400000">
+            <a:off x="3228045" y="2836328"/>
+            <a:ext cx="292227" cy="251920"/>
+          </a:xfrm>
+          <a:prstGeom prst="triangle">
+            <a:avLst/>
+          </a:prstGeom>
+          <a:solidFill>
+            <a:srgbClr val="FFC000"/>
+          </a:solidFill>
+          <a:ln>
+            <a:noFill/>
+          </a:ln>
+        </p:spPr>
+        <p:style>
+          <a:lnRef idx="2">
+            <a:schemeClr val="accent1">
+              <a:shade val="50000"/>
+            </a:schemeClr>
+          </a:lnRef>
+          <a:fillRef idx="1">
+            <a:schemeClr val="accent1"/>
+          </a:fillRef>
+          <a:effectRef idx="0">
+            <a:schemeClr val="accent1"/>
+          </a:effectRef>
+          <a:fontRef idx="minor">
+            <a:schemeClr val="lt1"/>
+          </a:fontRef>
+        </p:style>
+        <p:txBody>
+          <a:bodyPr rtlCol="0" anchor="ctr"/>
+          <a:lstStyle/>
+          <a:p>
+            <a:pPr algn="ctr"/>
+            <a:endParaRPr lang="en-US"/>
+          </a:p>
+        </p:txBody>
+      </p:sp>
+      <p:sp>
+        <p:nvSpPr>
+          <p:cNvPr id="83" name="Cursor"/>
+          <p:cNvSpPr/>
+          <p:nvPr/>
+        </p:nvSpPr>
+        <p:spPr>
+          <a:xfrm rot="5400000">
+            <a:off x="3228045" y="2985394"/>
+            <a:ext cx="292227" cy="251920"/>
+          </a:xfrm>
+          <a:prstGeom prst="triangle">
+            <a:avLst/>
+          </a:prstGeom>
+          <a:solidFill>
+            <a:srgbClr val="FFC000"/>
+          </a:solidFill>
+          <a:ln>
+            <a:noFill/>
+          </a:ln>
+        </p:spPr>
+        <p:style>
+          <a:lnRef idx="2">
+            <a:schemeClr val="accent1">
+              <a:shade val="50000"/>
+            </a:schemeClr>
+          </a:lnRef>
+          <a:fillRef idx="1">
+            <a:schemeClr val="accent1"/>
+          </a:fillRef>
+          <a:effectRef idx="0">
+            <a:schemeClr val="accent1"/>
+          </a:effectRef>
+          <a:fontRef idx="minor">
+            <a:schemeClr val="lt1"/>
+          </a:fontRef>
+        </p:style>
+        <p:txBody>
+          <a:bodyPr rtlCol="0" anchor="ctr"/>
+          <a:lstStyle/>
+          <a:p>
+            <a:pPr algn="ctr"/>
+            <a:endParaRPr lang="en-US"/>
+          </a:p>
+        </p:txBody>
+      </p:sp>
+      <p:sp>
+        <p:nvSpPr>
+          <p:cNvPr id="84" name="Cursor"/>
+          <p:cNvSpPr/>
+          <p:nvPr/>
+        </p:nvSpPr>
+        <p:spPr>
+          <a:xfrm rot="5400000">
+            <a:off x="3228045" y="3134460"/>
+            <a:ext cx="292227" cy="251920"/>
+          </a:xfrm>
+          <a:prstGeom prst="triangle">
+            <a:avLst/>
+          </a:prstGeom>
+          <a:solidFill>
+            <a:srgbClr val="FFC000"/>
+          </a:solidFill>
+          <a:ln>
+            <a:noFill/>
+          </a:ln>
+        </p:spPr>
+        <p:style>
+          <a:lnRef idx="2">
+            <a:schemeClr val="accent1">
+              <a:shade val="50000"/>
+            </a:schemeClr>
+          </a:lnRef>
+          <a:fillRef idx="1">
+            <a:schemeClr val="accent1"/>
+          </a:fillRef>
+          <a:effectRef idx="0">
+            <a:schemeClr val="accent1"/>
+          </a:effectRef>
+          <a:fontRef idx="minor">
+            <a:schemeClr val="lt1"/>
+          </a:fontRef>
+        </p:style>
+        <p:txBody>
+          <a:bodyPr rtlCol="0" anchor="ctr"/>
+          <a:lstStyle/>
+          <a:p>
+            <a:pPr algn="ctr"/>
+            <a:endParaRPr lang="en-US"/>
+          </a:p>
+        </p:txBody>
+      </p:sp>
+      <p:sp>
+        <p:nvSpPr>
+          <p:cNvPr id="85" name="Cursor"/>
+          <p:cNvSpPr/>
+          <p:nvPr/>
+        </p:nvSpPr>
+        <p:spPr>
+          <a:xfrm rot="5400000">
+            <a:off x="3228045" y="3283526"/>
+            <a:ext cx="292227" cy="251920"/>
+          </a:xfrm>
+          <a:prstGeom prst="triangle">
+            <a:avLst/>
+          </a:prstGeom>
+          <a:solidFill>
+            <a:srgbClr val="FFC000"/>
+          </a:solidFill>
+          <a:ln>
+            <a:noFill/>
+          </a:ln>
+        </p:spPr>
+        <p:style>
+          <a:lnRef idx="2">
+            <a:schemeClr val="accent1">
+              <a:shade val="50000"/>
+            </a:schemeClr>
+          </a:lnRef>
+          <a:fillRef idx="1">
+            <a:schemeClr val="accent1"/>
+          </a:fillRef>
+          <a:effectRef idx="0">
+            <a:schemeClr val="accent1"/>
+          </a:effectRef>
+          <a:fontRef idx="minor">
+            <a:schemeClr val="lt1"/>
+          </a:fontRef>
+        </p:style>
+        <p:txBody>
+          <a:bodyPr rtlCol="0" anchor="ctr"/>
+          <a:lstStyle/>
+          <a:p>
+            <a:pPr algn="ctr"/>
+            <a:endParaRPr lang="en-US"/>
+          </a:p>
+        </p:txBody>
+      </p:sp>
+      <p:sp>
+        <p:nvSpPr>
+          <p:cNvPr id="86" name="Cursor"/>
+          <p:cNvSpPr/>
+          <p:nvPr/>
+        </p:nvSpPr>
+        <p:spPr>
+          <a:xfrm rot="5400000">
+            <a:off x="3228045" y="3432592"/>
+            <a:ext cx="292227" cy="251920"/>
+          </a:xfrm>
+          <a:prstGeom prst="triangle">
+            <a:avLst/>
+          </a:prstGeom>
+          <a:solidFill>
+            <a:srgbClr val="FFC000"/>
+          </a:solidFill>
+          <a:ln>
+            <a:noFill/>
+          </a:ln>
+        </p:spPr>
+        <p:style>
+          <a:lnRef idx="2">
+            <a:schemeClr val="accent1">
+              <a:shade val="50000"/>
+            </a:schemeClr>
+          </a:lnRef>
+          <a:fillRef idx="1">
+            <a:schemeClr val="accent1"/>
+          </a:fillRef>
+          <a:effectRef idx="0">
+            <a:schemeClr val="accent1"/>
+          </a:effectRef>
+          <a:fontRef idx="minor">
+            <a:schemeClr val="lt1"/>
+          </a:fontRef>
+        </p:style>
+        <p:txBody>
+          <a:bodyPr rtlCol="0" anchor="ctr"/>
+          <a:lstStyle/>
+          <a:p>
+            <a:pPr algn="ctr"/>
+            <a:endParaRPr lang="en-US"/>
+          </a:p>
+        </p:txBody>
+      </p:sp>
+      <p:sp>
+        <p:nvSpPr>
+          <p:cNvPr id="87" name="Cursor"/>
+          <p:cNvSpPr/>
+          <p:nvPr/>
+        </p:nvSpPr>
+        <p:spPr>
+          <a:xfrm rot="5400000">
+            <a:off x="3228045" y="3581658"/>
+            <a:ext cx="292227" cy="251920"/>
+          </a:xfrm>
+          <a:prstGeom prst="triangle">
+            <a:avLst/>
+          </a:prstGeom>
+          <a:solidFill>
+            <a:srgbClr val="FFC000"/>
+          </a:solidFill>
+          <a:ln>
+            <a:noFill/>
+          </a:ln>
+        </p:spPr>
+        <p:style>
+          <a:lnRef idx="2">
+            <a:schemeClr val="accent1">
+              <a:shade val="50000"/>
+            </a:schemeClr>
+          </a:lnRef>
+          <a:fillRef idx="1">
+            <a:schemeClr val="accent1"/>
+          </a:fillRef>
+          <a:effectRef idx="0">
+            <a:schemeClr val="accent1"/>
+          </a:effectRef>
+          <a:fontRef idx="minor">
+            <a:schemeClr val="lt1"/>
+          </a:fontRef>
+        </p:style>
+        <p:txBody>
+          <a:bodyPr rtlCol="0" anchor="ctr"/>
+          <a:lstStyle/>
+          <a:p>
+            <a:pPr algn="ctr"/>
+            <a:endParaRPr lang="en-US"/>
+          </a:p>
+        </p:txBody>
+      </p:sp>
+      <p:sp>
+        <p:nvSpPr>
+          <p:cNvPr id="88" name="Cursor"/>
+          <p:cNvSpPr/>
+          <p:nvPr/>
+        </p:nvSpPr>
+        <p:spPr>
+          <a:xfrm rot="5400000">
+            <a:off x="3228045" y="3730724"/>
+            <a:ext cx="292227" cy="251920"/>
+          </a:xfrm>
+          <a:prstGeom prst="triangle">
+            <a:avLst/>
+          </a:prstGeom>
+          <a:solidFill>
+            <a:srgbClr val="FFC000"/>
+          </a:solidFill>
+          <a:ln>
+            <a:noFill/>
+          </a:ln>
+        </p:spPr>
+        <p:style>
+          <a:lnRef idx="2">
+            <a:schemeClr val="accent1">
+              <a:shade val="50000"/>
+            </a:schemeClr>
+          </a:lnRef>
+          <a:fillRef idx="1">
+            <a:schemeClr val="accent1"/>
+          </a:fillRef>
+          <a:effectRef idx="0">
+            <a:schemeClr val="accent1"/>
+          </a:effectRef>
+          <a:fontRef idx="minor">
+            <a:schemeClr val="lt1"/>
+          </a:fontRef>
+        </p:style>
+        <p:txBody>
+          <a:bodyPr rtlCol="0" anchor="ctr"/>
+          <a:lstStyle/>
+          <a:p>
+            <a:pPr algn="ctr"/>
+            <a:endParaRPr lang="en-US"/>
+          </a:p>
+        </p:txBody>
+      </p:sp>
+      <p:sp>
+        <p:nvSpPr>
+          <p:cNvPr id="89" name="Cursor"/>
+          <p:cNvSpPr/>
+          <p:nvPr/>
+        </p:nvSpPr>
+        <p:spPr>
+          <a:xfrm rot="5400000">
+            <a:off x="3228045" y="3879790"/>
+            <a:ext cx="292227" cy="251920"/>
+          </a:xfrm>
+          <a:prstGeom prst="triangle">
+            <a:avLst/>
+          </a:prstGeom>
+          <a:solidFill>
+            <a:srgbClr val="FFC000"/>
+          </a:solidFill>
+          <a:ln>
+            <a:noFill/>
+          </a:ln>
+        </p:spPr>
+        <p:style>
+          <a:lnRef idx="2">
+            <a:schemeClr val="accent1">
+              <a:shade val="50000"/>
+            </a:schemeClr>
+          </a:lnRef>
+          <a:fillRef idx="1">
+            <a:schemeClr val="accent1"/>
+          </a:fillRef>
+          <a:effectRef idx="0">
+            <a:schemeClr val="accent1"/>
+          </a:effectRef>
+          <a:fontRef idx="minor">
+            <a:schemeClr val="lt1"/>
+          </a:fontRef>
+        </p:style>
+        <p:txBody>
+          <a:bodyPr rtlCol="0" anchor="ctr"/>
+          <a:lstStyle/>
+          <a:p>
+            <a:pPr algn="ctr"/>
+            <a:endParaRPr lang="en-US"/>
+          </a:p>
+        </p:txBody>
+      </p:sp>
+      <p:sp>
+        <p:nvSpPr>
+          <p:cNvPr id="90" name="Cursor"/>
+          <p:cNvSpPr/>
+          <p:nvPr/>
+        </p:nvSpPr>
+        <p:spPr>
+          <a:xfrm rot="5400000">
+            <a:off x="3228045" y="4028855"/>
+            <a:ext cx="292227" cy="251920"/>
+          </a:xfrm>
+          <a:prstGeom prst="triangle">
+            <a:avLst/>
+          </a:prstGeom>
+          <a:solidFill>
+            <a:srgbClr val="FFC000"/>
+          </a:solidFill>
+          <a:ln>
+            <a:noFill/>
+          </a:ln>
+        </p:spPr>
+        <p:style>
+          <a:lnRef idx="2">
+            <a:schemeClr val="accent1">
+              <a:shade val="50000"/>
+            </a:schemeClr>
+          </a:lnRef>
+          <a:fillRef idx="1">
+            <a:schemeClr val="accent1"/>
+          </a:fillRef>
+          <a:effectRef idx="0">
+            <a:schemeClr val="accent1"/>
+          </a:effectRef>
+          <a:fontRef idx="minor">
+            <a:schemeClr val="lt1"/>
+          </a:fontRef>
+        </p:style>
+        <p:txBody>
+          <a:bodyPr rtlCol="0" anchor="ctr"/>
+          <a:lstStyle/>
+          <a:p>
+            <a:pPr algn="ctr"/>
+            <a:endParaRPr lang="en-US"/>
+          </a:p>
+        </p:txBody>
+      </p:sp>
+      <p:sp>
+        <p:nvSpPr>
+          <p:cNvPr id="91" name="Cursor"/>
+          <p:cNvSpPr/>
+          <p:nvPr/>
+        </p:nvSpPr>
+        <p:spPr>
+          <a:xfrm rot="5400000">
+            <a:off x="3228045" y="4171218"/>
+            <a:ext cx="292227" cy="251920"/>
+          </a:xfrm>
+          <a:prstGeom prst="triangle">
+            <a:avLst/>
+          </a:prstGeom>
+          <a:solidFill>
+            <a:srgbClr val="FFC000"/>
+          </a:solidFill>
+          <a:ln>
+            <a:noFill/>
+          </a:ln>
+        </p:spPr>
+        <p:style>
+          <a:lnRef idx="2">
+            <a:schemeClr val="accent1">
+              <a:shade val="50000"/>
+            </a:schemeClr>
+          </a:lnRef>
+          <a:fillRef idx="1">
+            <a:schemeClr val="accent1"/>
+          </a:fillRef>
+          <a:effectRef idx="0">
+            <a:schemeClr val="accent1"/>
+          </a:effectRef>
+          <a:fontRef idx="minor">
+            <a:schemeClr val="lt1"/>
+          </a:fontRef>
+        </p:style>
+        <p:txBody>
+          <a:bodyPr rtlCol="0" anchor="ctr"/>
+          <a:lstStyle/>
+          <a:p>
+            <a:pPr algn="ctr"/>
+            <a:endParaRPr lang="en-US"/>
+          </a:p>
+        </p:txBody>
+      </p:sp>
+      <p:sp>
+        <p:nvSpPr>
+          <p:cNvPr id="92" name="TextBox 91"/>
+          <p:cNvSpPr txBox="1"/>
+          <p:nvPr/>
+        </p:nvSpPr>
+        <p:spPr>
+          <a:xfrm>
+            <a:off x="5760720" y="2131347"/>
+            <a:ext cx="2532902" cy="369332"/>
+          </a:xfrm>
+          <a:prstGeom prst="rect">
+            <a:avLst/>
+          </a:prstGeom>
+          <a:noFill/>
+        </p:spPr>
+        <p:txBody>
+          <a:bodyPr wrap="square" rtlCol="0">
+            <a:spAutoFit/>
+          </a:bodyPr>
+          <a:lstStyle/>
+          <a:p>
+            <a:pPr algn="ctr"/>
+            <a:r>
+              <a:rPr lang="en-US" dirty="0" smtClean="0"/>
+              <a:t>Connection</a:t>
+            </a:r>
+            <a:endParaRPr lang="en-US" dirty="0"/>
+          </a:p>
+        </p:txBody>
+      </p:sp>
+      <p:sp>
+        <p:nvSpPr>
+          <p:cNvPr id="93" name="TextBox 92"/>
+          <p:cNvSpPr txBox="1"/>
+          <p:nvPr/>
+        </p:nvSpPr>
+        <p:spPr>
+          <a:xfrm>
+            <a:off x="2898753" y="2131347"/>
+            <a:ext cx="2532902" cy="369332"/>
+          </a:xfrm>
+          <a:prstGeom prst="rect">
+            <a:avLst/>
+          </a:prstGeom>
+          <a:noFill/>
+        </p:spPr>
+        <p:txBody>
+          <a:bodyPr wrap="square" rtlCol="0">
+            <a:spAutoFit/>
+          </a:bodyPr>
+          <a:lstStyle/>
+          <a:p>
+            <a:pPr algn="ctr"/>
+            <a:r>
+              <a:rPr lang="en-US" dirty="0" err="1" smtClean="0"/>
+              <a:t>DataReader</a:t>
+            </a:r>
+            <a:endParaRPr lang="en-US" dirty="0"/>
+          </a:p>
+        </p:txBody>
+      </p:sp>
+      <p:sp>
+        <p:nvSpPr>
+          <p:cNvPr id="110" name="Title 109"/>
+          <p:cNvSpPr>
+            <a:spLocks noGrp="1"/>
+          </p:cNvSpPr>
+          <p:nvPr>
+            <p:ph type="title"/>
+          </p:nvPr>
+        </p:nvSpPr>
+        <p:spPr/>
+        <p:txBody>
+          <a:bodyPr/>
+          <a:lstStyle/>
+          <a:p>
+            <a:r>
+              <a:rPr lang="en-US" dirty="0" smtClean="0"/>
+              <a:t>Basic ADO.NET Objects</a:t>
+            </a:r>
+            <a:endParaRPr lang="en-US" dirty="0"/>
+          </a:p>
+        </p:txBody>
+      </p:sp>
+    </p:spTree>
+    <p:extLst>
+      <p:ext uri="{BB962C8B-B14F-4D97-AF65-F5344CB8AC3E}">
+        <p14:creationId xmlns:p14="http://schemas.microsoft.com/office/powerpoint/2010/main" val="2752188538"/>
+      </p:ext>
+    </p:extLst>
+  </p:cSld>
+  <p:clrMapOvr>
+    <a:masterClrMapping/>
+  </p:clrMapOvr>
+  <p:timing>
+    <p:tnLst>
+      <p:par>
+        <p:cTn id="1" dur="indefinite" restart="never" nodeType="tmRoot">
+          <p:childTnLst>
+            <p:seq concurrent="1" nextAc="seek">
+              <p:cTn id="2" dur="indefinite" nodeType="mainSeq">
+                <p:childTnLst>
+                  <p:par>
+                    <p:cTn id="3" fill="hold">
+                      <p:stCondLst>
+                        <p:cond delay="indefinite"/>
+                      </p:stCondLst>
+                      <p:childTnLst>
+                        <p:par>
+                          <p:cTn id="4" fill="hold">
+                            <p:stCondLst>
+                              <p:cond delay="0"/>
+                            </p:stCondLst>
+                            <p:childTnLst>
+                              <p:par>
+                                <p:cTn id="5" presetID="1" presetClass="entr" presetSubtype="0" fill="hold" grpId="0" nodeType="clickEffect">
+                                  <p:stCondLst>
+                                    <p:cond delay="0"/>
+                                  </p:stCondLst>
+                                  <p:childTnLst>
+                                    <p:set>
+                                      <p:cBhvr>
+                                        <p:cTn id="6" dur="1" fill="hold">
+                                          <p:stCondLst>
+                                            <p:cond delay="0"/>
+                                          </p:stCondLst>
+                                        </p:cTn>
+                                        <p:tgtEl>
+                                          <p:spTgt spid="6"/>
+                                        </p:tgtEl>
+                                        <p:attrNameLst>
+                                          <p:attrName>style.visibility</p:attrName>
+                                        </p:attrNameLst>
+                                      </p:cBhvr>
+                                      <p:to>
+                                        <p:strVal val="visible"/>
+                                      </p:to>
+                                    </p:set>
+                                  </p:childTnLst>
+                                </p:cTn>
+                              </p:par>
+                            </p:childTnLst>
+                          </p:cTn>
+                        </p:par>
+                      </p:childTnLst>
+                    </p:cTn>
+                  </p:par>
+                  <p:par>
+                    <p:cTn id="7" fill="hold">
+                      <p:stCondLst>
+                        <p:cond delay="indefinite"/>
+                      </p:stCondLst>
+                      <p:childTnLst>
+                        <p:par>
+                          <p:cTn id="8" fill="hold">
+                            <p:stCondLst>
+                              <p:cond delay="0"/>
+                            </p:stCondLst>
+                            <p:childTnLst>
+                              <p:par>
+                                <p:cTn id="9" presetID="1" presetClass="entr" presetSubtype="0" fill="hold" nodeType="clickEffect">
+                                  <p:stCondLst>
+                                    <p:cond delay="0"/>
+                                  </p:stCondLst>
+                                  <p:childTnLst>
+                                    <p:set>
+                                      <p:cBhvr>
+                                        <p:cTn id="10" dur="1" fill="hold">
+                                          <p:stCondLst>
+                                            <p:cond delay="0"/>
+                                          </p:stCondLst>
+                                        </p:cTn>
+                                        <p:tgtEl>
+                                          <p:spTgt spid="20"/>
+                                        </p:tgtEl>
+                                        <p:attrNameLst>
+                                          <p:attrName>style.visibility</p:attrName>
+                                        </p:attrNameLst>
+                                      </p:cBhvr>
+                                      <p:to>
+                                        <p:strVal val="visible"/>
+                                      </p:to>
+                                    </p:set>
+                                  </p:childTnLst>
+                                </p:cTn>
+                              </p:par>
+                            </p:childTnLst>
+                          </p:cTn>
+                        </p:par>
+                      </p:childTnLst>
+                    </p:cTn>
+                  </p:par>
+                  <p:par>
+                    <p:cTn id="11" fill="hold">
+                      <p:stCondLst>
+                        <p:cond delay="indefinite"/>
+                      </p:stCondLst>
+                      <p:childTnLst>
+                        <p:par>
+                          <p:cTn id="12" fill="hold">
+                            <p:stCondLst>
+                              <p:cond delay="0"/>
+                            </p:stCondLst>
+                            <p:childTnLst>
+                              <p:par>
+                                <p:cTn id="13" presetID="1" presetClass="entr" presetSubtype="0" fill="hold" grpId="0" nodeType="clickEffect">
+                                  <p:stCondLst>
+                                    <p:cond delay="0"/>
+                                  </p:stCondLst>
+                                  <p:childTnLst>
+                                    <p:set>
+                                      <p:cBhvr>
+                                        <p:cTn id="14" dur="1" fill="hold">
+                                          <p:stCondLst>
+                                            <p:cond delay="0"/>
+                                          </p:stCondLst>
+                                        </p:cTn>
+                                        <p:tgtEl>
+                                          <p:spTgt spid="39"/>
+                                        </p:tgtEl>
+                                        <p:attrNameLst>
+                                          <p:attrName>style.visibility</p:attrName>
+                                        </p:attrNameLst>
+                                      </p:cBhvr>
+                                      <p:to>
+                                        <p:strVal val="visible"/>
+                                      </p:to>
+                                    </p:set>
+                                  </p:childTnLst>
+                                </p:cTn>
+                              </p:par>
+                            </p:childTnLst>
+                          </p:cTn>
+                        </p:par>
+                      </p:childTnLst>
+                    </p:cTn>
+                  </p:par>
+                  <p:par>
+                    <p:cTn id="15" fill="hold">
+                      <p:stCondLst>
+                        <p:cond delay="indefinite"/>
+                      </p:stCondLst>
+                      <p:childTnLst>
+                        <p:par>
+                          <p:cTn id="16" fill="hold">
+                            <p:stCondLst>
+                              <p:cond delay="0"/>
+                            </p:stCondLst>
+                            <p:childTnLst>
+                              <p:par>
+                                <p:cTn id="17" presetID="1" presetClass="entr" presetSubtype="0" fill="hold" grpId="0" nodeType="clickEffect">
+                                  <p:stCondLst>
+                                    <p:cond delay="0"/>
+                                  </p:stCondLst>
+                                  <p:childTnLst>
+                                    <p:set>
+                                      <p:cBhvr>
+                                        <p:cTn id="18" dur="1" fill="hold">
+                                          <p:stCondLst>
+                                            <p:cond delay="0"/>
+                                          </p:stCondLst>
+                                        </p:cTn>
+                                        <p:tgtEl>
+                                          <p:spTgt spid="24"/>
+                                        </p:tgtEl>
+                                        <p:attrNameLst>
+                                          <p:attrName>style.visibility</p:attrName>
+                                        </p:attrNameLst>
+                                      </p:cBhvr>
+                                      <p:to>
+                                        <p:strVal val="visible"/>
+                                      </p:to>
+                                    </p:set>
+                                  </p:childTnLst>
+                                </p:cTn>
+                              </p:par>
+                              <p:par>
+                                <p:cTn id="19" presetID="1" presetClass="entr" presetSubtype="0" fill="hold" grpId="0" nodeType="withEffect">
+                                  <p:stCondLst>
+                                    <p:cond delay="0"/>
+                                  </p:stCondLst>
+                                  <p:childTnLst>
+                                    <p:set>
+                                      <p:cBhvr>
+                                        <p:cTn id="20" dur="1" fill="hold">
+                                          <p:stCondLst>
+                                            <p:cond delay="0"/>
+                                          </p:stCondLst>
+                                        </p:cTn>
+                                        <p:tgtEl>
+                                          <p:spTgt spid="30"/>
+                                        </p:tgtEl>
+                                        <p:attrNameLst>
+                                          <p:attrName>style.visibility</p:attrName>
+                                        </p:attrNameLst>
+                                      </p:cBhvr>
+                                      <p:to>
+                                        <p:strVal val="visible"/>
+                                      </p:to>
+                                    </p:set>
+                                  </p:childTnLst>
+                                </p:cTn>
+                              </p:par>
+                              <p:par>
+                                <p:cTn id="21" presetID="1" presetClass="entr" presetSubtype="0" fill="hold" grpId="0" nodeType="withEffect">
+                                  <p:stCondLst>
+                                    <p:cond delay="0"/>
+                                  </p:stCondLst>
+                                  <p:childTnLst>
+                                    <p:set>
+                                      <p:cBhvr>
+                                        <p:cTn id="22" dur="1" fill="hold">
+                                          <p:stCondLst>
+                                            <p:cond delay="0"/>
+                                          </p:stCondLst>
+                                        </p:cTn>
+                                        <p:tgtEl>
+                                          <p:spTgt spid="31"/>
+                                        </p:tgtEl>
+                                        <p:attrNameLst>
+                                          <p:attrName>style.visibility</p:attrName>
+                                        </p:attrNameLst>
+                                      </p:cBhvr>
+                                      <p:to>
+                                        <p:strVal val="visible"/>
+                                      </p:to>
+                                    </p:set>
+                                  </p:childTnLst>
+                                </p:cTn>
+                              </p:par>
+                              <p:par>
+                                <p:cTn id="23" presetID="1" presetClass="entr" presetSubtype="0" fill="hold" grpId="0" nodeType="withEffect">
+                                  <p:stCondLst>
+                                    <p:cond delay="0"/>
+                                  </p:stCondLst>
+                                  <p:childTnLst>
+                                    <p:set>
+                                      <p:cBhvr>
+                                        <p:cTn id="24" dur="1" fill="hold">
+                                          <p:stCondLst>
+                                            <p:cond delay="0"/>
+                                          </p:stCondLst>
+                                        </p:cTn>
+                                        <p:tgtEl>
+                                          <p:spTgt spid="92"/>
+                                        </p:tgtEl>
+                                        <p:attrNameLst>
+                                          <p:attrName>style.visibility</p:attrName>
+                                        </p:attrNameLst>
+                                      </p:cBhvr>
+                                      <p:to>
+                                        <p:strVal val="visible"/>
+                                      </p:to>
+                                    </p:set>
+                                  </p:childTnLst>
+                                </p:cTn>
+                              </p:par>
+                            </p:childTnLst>
+                          </p:cTn>
+                        </p:par>
+                      </p:childTnLst>
+                    </p:cTn>
+                  </p:par>
+                  <p:par>
+                    <p:cTn id="25" fill="hold">
+                      <p:stCondLst>
+                        <p:cond delay="indefinite"/>
+                      </p:stCondLst>
+                      <p:childTnLst>
+                        <p:par>
+                          <p:cTn id="26" fill="hold">
+                            <p:stCondLst>
+                              <p:cond delay="0"/>
+                            </p:stCondLst>
+                            <p:childTnLst>
+                              <p:par>
+                                <p:cTn id="27" presetID="1" presetClass="entr" presetSubtype="0" fill="hold" grpId="0" nodeType="clickEffect">
+                                  <p:stCondLst>
+                                    <p:cond delay="0"/>
+                                  </p:stCondLst>
+                                  <p:childTnLst>
+                                    <p:set>
+                                      <p:cBhvr>
+                                        <p:cTn id="28" dur="1" fill="hold">
+                                          <p:stCondLst>
+                                            <p:cond delay="0"/>
+                                          </p:stCondLst>
+                                        </p:cTn>
+                                        <p:tgtEl>
+                                          <p:spTgt spid="29"/>
+                                        </p:tgtEl>
+                                        <p:attrNameLst>
+                                          <p:attrName>style.visibility</p:attrName>
+                                        </p:attrNameLst>
+                                      </p:cBhvr>
+                                      <p:to>
+                                        <p:strVal val="visible"/>
+                                      </p:to>
+                                    </p:set>
+                                  </p:childTnLst>
+                                </p:cTn>
+                              </p:par>
+                            </p:childTnLst>
+                          </p:cTn>
+                        </p:par>
+                      </p:childTnLst>
+                    </p:cTn>
+                  </p:par>
+                  <p:par>
+                    <p:cTn id="29" fill="hold">
+                      <p:stCondLst>
+                        <p:cond delay="indefinite"/>
+                      </p:stCondLst>
+                      <p:childTnLst>
+                        <p:par>
+                          <p:cTn id="30" fill="hold">
+                            <p:stCondLst>
+                              <p:cond delay="0"/>
+                            </p:stCondLst>
+                            <p:childTnLst>
+                              <p:par>
+                                <p:cTn id="31" presetID="1" presetClass="entr" presetSubtype="0" fill="hold" grpId="0" nodeType="clickEffect">
+                                  <p:stCondLst>
+                                    <p:cond delay="0"/>
+                                  </p:stCondLst>
+                                  <p:childTnLst>
+                                    <p:set>
+                                      <p:cBhvr>
+                                        <p:cTn id="32" dur="1" fill="hold">
+                                          <p:stCondLst>
+                                            <p:cond delay="0"/>
+                                          </p:stCondLst>
+                                        </p:cTn>
+                                        <p:tgtEl>
+                                          <p:spTgt spid="34"/>
+                                        </p:tgtEl>
+                                        <p:attrNameLst>
+                                          <p:attrName>style.visibility</p:attrName>
+                                        </p:attrNameLst>
+                                      </p:cBhvr>
+                                      <p:to>
+                                        <p:strVal val="visible"/>
+                                      </p:to>
+                                    </p:set>
+                                  </p:childTnLst>
+                                </p:cTn>
+                              </p:par>
+                            </p:childTnLst>
+                          </p:cTn>
+                        </p:par>
+                      </p:childTnLst>
+                    </p:cTn>
+                  </p:par>
+                  <p:par>
+                    <p:cTn id="33" fill="hold">
+                      <p:stCondLst>
+                        <p:cond delay="indefinite"/>
+                      </p:stCondLst>
+                      <p:childTnLst>
+                        <p:par>
+                          <p:cTn id="34" fill="hold">
+                            <p:stCondLst>
+                              <p:cond delay="0"/>
+                            </p:stCondLst>
+                            <p:childTnLst>
+                              <p:par>
+                                <p:cTn id="35" presetID="1" presetClass="entr" presetSubtype="0" fill="hold" grpId="0" nodeType="clickEffect">
+                                  <p:stCondLst>
+                                    <p:cond delay="0"/>
+                                  </p:stCondLst>
+                                  <p:childTnLst>
+                                    <p:set>
+                                      <p:cBhvr>
+                                        <p:cTn id="36" dur="1" fill="hold">
+                                          <p:stCondLst>
+                                            <p:cond delay="0"/>
+                                          </p:stCondLst>
+                                        </p:cTn>
+                                        <p:tgtEl>
+                                          <p:spTgt spid="93"/>
+                                        </p:tgtEl>
+                                        <p:attrNameLst>
+                                          <p:attrName>style.visibility</p:attrName>
+                                        </p:attrNameLst>
+                                      </p:cBhvr>
+                                      <p:to>
+                                        <p:strVal val="visible"/>
+                                      </p:to>
+                                    </p:set>
+                                  </p:childTnLst>
+                                </p:cTn>
+                              </p:par>
+                              <p:par>
+                                <p:cTn id="37" presetID="1" presetClass="entr" presetSubtype="0" fill="hold" nodeType="withEffect">
+                                  <p:stCondLst>
+                                    <p:cond delay="0"/>
+                                  </p:stCondLst>
+                                  <p:childTnLst>
+                                    <p:set>
+                                      <p:cBhvr>
+                                        <p:cTn id="38" dur="1" fill="hold">
+                                          <p:stCondLst>
+                                            <p:cond delay="0"/>
+                                          </p:stCondLst>
+                                        </p:cTn>
+                                        <p:tgtEl>
+                                          <p:spTgt spid="64"/>
+                                        </p:tgtEl>
+                                        <p:attrNameLst>
+                                          <p:attrName>style.visibility</p:attrName>
+                                        </p:attrNameLst>
+                                      </p:cBhvr>
+                                      <p:to>
+                                        <p:strVal val="visible"/>
+                                      </p:to>
+                                    </p:set>
+                                  </p:childTnLst>
+                                </p:cTn>
+                              </p:par>
+                              <p:par>
+                                <p:cTn id="39" presetID="1" presetClass="entr" presetSubtype="0" fill="hold" grpId="0" nodeType="withEffect">
+                                  <p:stCondLst>
+                                    <p:cond delay="0"/>
+                                  </p:stCondLst>
+                                  <p:childTnLst>
+                                    <p:set>
+                                      <p:cBhvr>
+                                        <p:cTn id="40" dur="1" fill="hold">
+                                          <p:stCondLst>
+                                            <p:cond delay="0"/>
+                                          </p:stCondLst>
+                                        </p:cTn>
+                                        <p:tgtEl>
+                                          <p:spTgt spid="79"/>
+                                        </p:tgtEl>
+                                        <p:attrNameLst>
+                                          <p:attrName>style.visibility</p:attrName>
+                                        </p:attrNameLst>
+                                      </p:cBhvr>
+                                      <p:to>
+                                        <p:strVal val="visible"/>
+                                      </p:to>
+                                    </p:set>
+                                  </p:childTnLst>
+                                </p:cTn>
+                              </p:par>
+                            </p:childTnLst>
+                          </p:cTn>
+                        </p:par>
+                      </p:childTnLst>
+                    </p:cTn>
+                  </p:par>
+                  <p:par>
+                    <p:cTn id="41" fill="hold">
+                      <p:stCondLst>
+                        <p:cond delay="indefinite"/>
+                      </p:stCondLst>
+                      <p:childTnLst>
+                        <p:par>
+                          <p:cTn id="42" fill="hold">
+                            <p:stCondLst>
+                              <p:cond delay="0"/>
+                            </p:stCondLst>
+                            <p:childTnLst>
+                              <p:par>
+                                <p:cTn id="43" presetID="1" presetClass="exit" presetSubtype="0" fill="hold" grpId="1" nodeType="clickEffect">
+                                  <p:stCondLst>
+                                    <p:cond delay="0"/>
+                                  </p:stCondLst>
+                                  <p:childTnLst>
+                                    <p:set>
+                                      <p:cBhvr>
+                                        <p:cTn id="44" dur="1" fill="hold">
+                                          <p:stCondLst>
+                                            <p:cond delay="0"/>
+                                          </p:stCondLst>
+                                        </p:cTn>
+                                        <p:tgtEl>
+                                          <p:spTgt spid="79"/>
+                                        </p:tgtEl>
+                                        <p:attrNameLst>
+                                          <p:attrName>style.visibility</p:attrName>
+                                        </p:attrNameLst>
+                                      </p:cBhvr>
+                                      <p:to>
+                                        <p:strVal val="hidden"/>
+                                      </p:to>
+                                    </p:set>
+                                  </p:childTnLst>
+                                </p:cTn>
+                              </p:par>
+                              <p:par>
+                                <p:cTn id="45" presetID="1" presetClass="entr" presetSubtype="0" fill="hold" grpId="0" nodeType="withEffect">
+                                  <p:stCondLst>
+                                    <p:cond delay="0"/>
+                                  </p:stCondLst>
+                                  <p:childTnLst>
+                                    <p:set>
+                                      <p:cBhvr>
+                                        <p:cTn id="46" dur="1" fill="hold">
+                                          <p:stCondLst>
+                                            <p:cond delay="0"/>
+                                          </p:stCondLst>
+                                        </p:cTn>
+                                        <p:tgtEl>
+                                          <p:spTgt spid="80"/>
+                                        </p:tgtEl>
+                                        <p:attrNameLst>
+                                          <p:attrName>style.visibility</p:attrName>
+                                        </p:attrNameLst>
+                                      </p:cBhvr>
+                                      <p:to>
+                                        <p:strVal val="visible"/>
+                                      </p:to>
+                                    </p:set>
+                                  </p:childTnLst>
+                                </p:cTn>
+                              </p:par>
+                            </p:childTnLst>
+                          </p:cTn>
+                        </p:par>
+                      </p:childTnLst>
+                    </p:cTn>
+                  </p:par>
+                  <p:par>
+                    <p:cTn id="47" fill="hold">
+                      <p:stCondLst>
+                        <p:cond delay="indefinite"/>
+                      </p:stCondLst>
+                      <p:childTnLst>
+                        <p:par>
+                          <p:cTn id="48" fill="hold">
+                            <p:stCondLst>
+                              <p:cond delay="0"/>
+                            </p:stCondLst>
+                            <p:childTnLst>
+                              <p:par>
+                                <p:cTn id="49" presetID="1" presetClass="exit" presetSubtype="0" fill="hold" grpId="1" nodeType="clickEffect">
+                                  <p:stCondLst>
+                                    <p:cond delay="0"/>
+                                  </p:stCondLst>
+                                  <p:childTnLst>
+                                    <p:set>
+                                      <p:cBhvr>
+                                        <p:cTn id="50" dur="1" fill="hold">
+                                          <p:stCondLst>
+                                            <p:cond delay="0"/>
+                                          </p:stCondLst>
+                                        </p:cTn>
+                                        <p:tgtEl>
+                                          <p:spTgt spid="80"/>
+                                        </p:tgtEl>
+                                        <p:attrNameLst>
+                                          <p:attrName>style.visibility</p:attrName>
+                                        </p:attrNameLst>
+                                      </p:cBhvr>
+                                      <p:to>
+                                        <p:strVal val="hidden"/>
+                                      </p:to>
+                                    </p:set>
+                                  </p:childTnLst>
+                                </p:cTn>
+                              </p:par>
+                              <p:par>
+                                <p:cTn id="51" presetID="1" presetClass="entr" presetSubtype="0" fill="hold" grpId="0" nodeType="withEffect">
+                                  <p:stCondLst>
+                                    <p:cond delay="0"/>
+                                  </p:stCondLst>
+                                  <p:childTnLst>
+                                    <p:set>
+                                      <p:cBhvr>
+                                        <p:cTn id="52" dur="1" fill="hold">
+                                          <p:stCondLst>
+                                            <p:cond delay="0"/>
+                                          </p:stCondLst>
+                                        </p:cTn>
+                                        <p:tgtEl>
+                                          <p:spTgt spid="81"/>
+                                        </p:tgtEl>
+                                        <p:attrNameLst>
+                                          <p:attrName>style.visibility</p:attrName>
+                                        </p:attrNameLst>
+                                      </p:cBhvr>
+                                      <p:to>
+                                        <p:strVal val="visible"/>
+                                      </p:to>
+                                    </p:set>
+                                  </p:childTnLst>
+                                </p:cTn>
+                              </p:par>
+                            </p:childTnLst>
+                          </p:cTn>
+                        </p:par>
+                      </p:childTnLst>
+                    </p:cTn>
+                  </p:par>
+                  <p:par>
+                    <p:cTn id="53" fill="hold">
+                      <p:stCondLst>
+                        <p:cond delay="indefinite"/>
+                      </p:stCondLst>
+                      <p:childTnLst>
+                        <p:par>
+                          <p:cTn id="54" fill="hold">
+                            <p:stCondLst>
+                              <p:cond delay="0"/>
+                            </p:stCondLst>
+                            <p:childTnLst>
+                              <p:par>
+                                <p:cTn id="55" presetID="1" presetClass="exit" presetSubtype="0" fill="hold" grpId="1" nodeType="clickEffect">
+                                  <p:stCondLst>
+                                    <p:cond delay="0"/>
+                                  </p:stCondLst>
+                                  <p:childTnLst>
+                                    <p:set>
+                                      <p:cBhvr>
+                                        <p:cTn id="56" dur="1" fill="hold">
+                                          <p:stCondLst>
+                                            <p:cond delay="0"/>
+                                          </p:stCondLst>
+                                        </p:cTn>
+                                        <p:tgtEl>
+                                          <p:spTgt spid="81"/>
+                                        </p:tgtEl>
+                                        <p:attrNameLst>
+                                          <p:attrName>style.visibility</p:attrName>
+                                        </p:attrNameLst>
+                                      </p:cBhvr>
+                                      <p:to>
+                                        <p:strVal val="hidden"/>
+                                      </p:to>
+                                    </p:set>
+                                  </p:childTnLst>
+                                </p:cTn>
+                              </p:par>
+                              <p:par>
+                                <p:cTn id="57" presetID="1" presetClass="entr" presetSubtype="0" fill="hold" grpId="0" nodeType="withEffect">
+                                  <p:stCondLst>
+                                    <p:cond delay="0"/>
+                                  </p:stCondLst>
+                                  <p:childTnLst>
+                                    <p:set>
+                                      <p:cBhvr>
+                                        <p:cTn id="58" dur="1" fill="hold">
+                                          <p:stCondLst>
+                                            <p:cond delay="0"/>
+                                          </p:stCondLst>
+                                        </p:cTn>
+                                        <p:tgtEl>
+                                          <p:spTgt spid="82"/>
+                                        </p:tgtEl>
+                                        <p:attrNameLst>
+                                          <p:attrName>style.visibility</p:attrName>
+                                        </p:attrNameLst>
+                                      </p:cBhvr>
+                                      <p:to>
+                                        <p:strVal val="visible"/>
+                                      </p:to>
+                                    </p:set>
+                                  </p:childTnLst>
+                                </p:cTn>
+                              </p:par>
+                            </p:childTnLst>
+                          </p:cTn>
+                        </p:par>
+                      </p:childTnLst>
+                    </p:cTn>
+                  </p:par>
+                  <p:par>
+                    <p:cTn id="59" fill="hold">
+                      <p:stCondLst>
+                        <p:cond delay="indefinite"/>
+                      </p:stCondLst>
+                      <p:childTnLst>
+                        <p:par>
+                          <p:cTn id="60" fill="hold">
+                            <p:stCondLst>
+                              <p:cond delay="0"/>
+                            </p:stCondLst>
+                            <p:childTnLst>
+                              <p:par>
+                                <p:cTn id="61" presetID="1" presetClass="exit" presetSubtype="0" fill="hold" grpId="1" nodeType="clickEffect">
+                                  <p:stCondLst>
+                                    <p:cond delay="0"/>
+                                  </p:stCondLst>
+                                  <p:childTnLst>
+                                    <p:set>
+                                      <p:cBhvr>
+                                        <p:cTn id="62" dur="1" fill="hold">
+                                          <p:stCondLst>
+                                            <p:cond delay="0"/>
+                                          </p:stCondLst>
+                                        </p:cTn>
+                                        <p:tgtEl>
+                                          <p:spTgt spid="82"/>
+                                        </p:tgtEl>
+                                        <p:attrNameLst>
+                                          <p:attrName>style.visibility</p:attrName>
+                                        </p:attrNameLst>
+                                      </p:cBhvr>
+                                      <p:to>
+                                        <p:strVal val="hidden"/>
+                                      </p:to>
+                                    </p:set>
+                                  </p:childTnLst>
+                                </p:cTn>
+                              </p:par>
+                              <p:par>
+                                <p:cTn id="63" presetID="1" presetClass="entr" presetSubtype="0" fill="hold" grpId="0" nodeType="withEffect">
+                                  <p:stCondLst>
+                                    <p:cond delay="0"/>
+                                  </p:stCondLst>
+                                  <p:childTnLst>
+                                    <p:set>
+                                      <p:cBhvr>
+                                        <p:cTn id="64" dur="1" fill="hold">
+                                          <p:stCondLst>
+                                            <p:cond delay="0"/>
+                                          </p:stCondLst>
+                                        </p:cTn>
+                                        <p:tgtEl>
+                                          <p:spTgt spid="83"/>
+                                        </p:tgtEl>
+                                        <p:attrNameLst>
+                                          <p:attrName>style.visibility</p:attrName>
+                                        </p:attrNameLst>
+                                      </p:cBhvr>
+                                      <p:to>
+                                        <p:strVal val="visible"/>
+                                      </p:to>
+                                    </p:set>
+                                  </p:childTnLst>
+                                </p:cTn>
+                              </p:par>
+                            </p:childTnLst>
+                          </p:cTn>
+                        </p:par>
+                      </p:childTnLst>
+                    </p:cTn>
+                  </p:par>
+                  <p:par>
+                    <p:cTn id="65" fill="hold">
+                      <p:stCondLst>
+                        <p:cond delay="indefinite"/>
+                      </p:stCondLst>
+                      <p:childTnLst>
+                        <p:par>
+                          <p:cTn id="66" fill="hold">
+                            <p:stCondLst>
+                              <p:cond delay="0"/>
+                            </p:stCondLst>
+                            <p:childTnLst>
+                              <p:par>
+                                <p:cTn id="67" presetID="1" presetClass="exit" presetSubtype="0" fill="hold" grpId="1" nodeType="clickEffect">
+                                  <p:stCondLst>
+                                    <p:cond delay="0"/>
+                                  </p:stCondLst>
+                                  <p:childTnLst>
+                                    <p:set>
+                                      <p:cBhvr>
+                                        <p:cTn id="68" dur="1" fill="hold">
+                                          <p:stCondLst>
+                                            <p:cond delay="0"/>
+                                          </p:stCondLst>
+                                        </p:cTn>
+                                        <p:tgtEl>
+                                          <p:spTgt spid="83"/>
+                                        </p:tgtEl>
+                                        <p:attrNameLst>
+                                          <p:attrName>style.visibility</p:attrName>
+                                        </p:attrNameLst>
+                                      </p:cBhvr>
+                                      <p:to>
+                                        <p:strVal val="hidden"/>
+                                      </p:to>
+                                    </p:set>
+                                  </p:childTnLst>
+                                </p:cTn>
+                              </p:par>
+                              <p:par>
+                                <p:cTn id="69" presetID="1" presetClass="entr" presetSubtype="0" fill="hold" grpId="0" nodeType="withEffect">
+                                  <p:stCondLst>
+                                    <p:cond delay="0"/>
+                                  </p:stCondLst>
+                                  <p:childTnLst>
+                                    <p:set>
+                                      <p:cBhvr>
+                                        <p:cTn id="70" dur="1" fill="hold">
+                                          <p:stCondLst>
+                                            <p:cond delay="0"/>
+                                          </p:stCondLst>
+                                        </p:cTn>
+                                        <p:tgtEl>
+                                          <p:spTgt spid="84"/>
+                                        </p:tgtEl>
+                                        <p:attrNameLst>
+                                          <p:attrName>style.visibility</p:attrName>
+                                        </p:attrNameLst>
+                                      </p:cBhvr>
+                                      <p:to>
+                                        <p:strVal val="visible"/>
+                                      </p:to>
+                                    </p:set>
+                                  </p:childTnLst>
+                                </p:cTn>
+                              </p:par>
+                            </p:childTnLst>
+                          </p:cTn>
+                        </p:par>
+                      </p:childTnLst>
+                    </p:cTn>
+                  </p:par>
+                  <p:par>
+                    <p:cTn id="71" fill="hold">
+                      <p:stCondLst>
+                        <p:cond delay="indefinite"/>
+                      </p:stCondLst>
+                      <p:childTnLst>
+                        <p:par>
+                          <p:cTn id="72" fill="hold">
+                            <p:stCondLst>
+                              <p:cond delay="0"/>
+                            </p:stCondLst>
+                            <p:childTnLst>
+                              <p:par>
+                                <p:cTn id="73" presetID="1" presetClass="exit" presetSubtype="0" fill="hold" grpId="1" nodeType="clickEffect">
+                                  <p:stCondLst>
+                                    <p:cond delay="0"/>
+                                  </p:stCondLst>
+                                  <p:childTnLst>
+                                    <p:set>
+                                      <p:cBhvr>
+                                        <p:cTn id="74" dur="1" fill="hold">
+                                          <p:stCondLst>
+                                            <p:cond delay="0"/>
+                                          </p:stCondLst>
+                                        </p:cTn>
+                                        <p:tgtEl>
+                                          <p:spTgt spid="84"/>
+                                        </p:tgtEl>
+                                        <p:attrNameLst>
+                                          <p:attrName>style.visibility</p:attrName>
+                                        </p:attrNameLst>
+                                      </p:cBhvr>
+                                      <p:to>
+                                        <p:strVal val="hidden"/>
+                                      </p:to>
+                                    </p:set>
+                                  </p:childTnLst>
+                                </p:cTn>
+                              </p:par>
+                              <p:par>
+                                <p:cTn id="75" presetID="1" presetClass="entr" presetSubtype="0" fill="hold" grpId="0" nodeType="withEffect">
+                                  <p:stCondLst>
+                                    <p:cond delay="0"/>
+                                  </p:stCondLst>
+                                  <p:childTnLst>
+                                    <p:set>
+                                      <p:cBhvr>
+                                        <p:cTn id="76" dur="1" fill="hold">
+                                          <p:stCondLst>
+                                            <p:cond delay="0"/>
+                                          </p:stCondLst>
+                                        </p:cTn>
+                                        <p:tgtEl>
+                                          <p:spTgt spid="85"/>
+                                        </p:tgtEl>
+                                        <p:attrNameLst>
+                                          <p:attrName>style.visibility</p:attrName>
+                                        </p:attrNameLst>
+                                      </p:cBhvr>
+                                      <p:to>
+                                        <p:strVal val="visible"/>
+                                      </p:to>
+                                    </p:set>
+                                  </p:childTnLst>
+                                </p:cTn>
+                              </p:par>
+                            </p:childTnLst>
+                          </p:cTn>
+                        </p:par>
+                      </p:childTnLst>
+                    </p:cTn>
+                  </p:par>
+                  <p:par>
+                    <p:cTn id="77" fill="hold">
+                      <p:stCondLst>
+                        <p:cond delay="indefinite"/>
+                      </p:stCondLst>
+                      <p:childTnLst>
+                        <p:par>
+                          <p:cTn id="78" fill="hold">
+                            <p:stCondLst>
+                              <p:cond delay="0"/>
+                            </p:stCondLst>
+                            <p:childTnLst>
+                              <p:par>
+                                <p:cTn id="79" presetID="1" presetClass="exit" presetSubtype="0" fill="hold" grpId="1" nodeType="clickEffect">
+                                  <p:stCondLst>
+                                    <p:cond delay="0"/>
+                                  </p:stCondLst>
+                                  <p:childTnLst>
+                                    <p:set>
+                                      <p:cBhvr>
+                                        <p:cTn id="80" dur="1" fill="hold">
+                                          <p:stCondLst>
+                                            <p:cond delay="0"/>
+                                          </p:stCondLst>
+                                        </p:cTn>
+                                        <p:tgtEl>
+                                          <p:spTgt spid="85"/>
+                                        </p:tgtEl>
+                                        <p:attrNameLst>
+                                          <p:attrName>style.visibility</p:attrName>
+                                        </p:attrNameLst>
+                                      </p:cBhvr>
+                                      <p:to>
+                                        <p:strVal val="hidden"/>
+                                      </p:to>
+                                    </p:set>
+                                  </p:childTnLst>
+                                </p:cTn>
+                              </p:par>
+                              <p:par>
+                                <p:cTn id="81" presetID="1" presetClass="entr" presetSubtype="0" fill="hold" grpId="0" nodeType="withEffect">
+                                  <p:stCondLst>
+                                    <p:cond delay="0"/>
+                                  </p:stCondLst>
+                                  <p:childTnLst>
+                                    <p:set>
+                                      <p:cBhvr>
+                                        <p:cTn id="82" dur="1" fill="hold">
+                                          <p:stCondLst>
+                                            <p:cond delay="0"/>
+                                          </p:stCondLst>
+                                        </p:cTn>
+                                        <p:tgtEl>
+                                          <p:spTgt spid="86"/>
+                                        </p:tgtEl>
+                                        <p:attrNameLst>
+                                          <p:attrName>style.visibility</p:attrName>
+                                        </p:attrNameLst>
+                                      </p:cBhvr>
+                                      <p:to>
+                                        <p:strVal val="visible"/>
+                                      </p:to>
+                                    </p:set>
+                                  </p:childTnLst>
+                                </p:cTn>
+                              </p:par>
+                            </p:childTnLst>
+                          </p:cTn>
+                        </p:par>
+                      </p:childTnLst>
+                    </p:cTn>
+                  </p:par>
+                  <p:par>
+                    <p:cTn id="83" fill="hold">
+                      <p:stCondLst>
+                        <p:cond delay="indefinite"/>
+                      </p:stCondLst>
+                      <p:childTnLst>
+                        <p:par>
+                          <p:cTn id="84" fill="hold">
+                            <p:stCondLst>
+                              <p:cond delay="0"/>
+                            </p:stCondLst>
+                            <p:childTnLst>
+                              <p:par>
+                                <p:cTn id="85" presetID="1" presetClass="exit" presetSubtype="0" fill="hold" grpId="1" nodeType="clickEffect">
+                                  <p:stCondLst>
+                                    <p:cond delay="0"/>
+                                  </p:stCondLst>
+                                  <p:childTnLst>
+                                    <p:set>
+                                      <p:cBhvr>
+                                        <p:cTn id="86" dur="1" fill="hold">
+                                          <p:stCondLst>
+                                            <p:cond delay="0"/>
+                                          </p:stCondLst>
+                                        </p:cTn>
+                                        <p:tgtEl>
+                                          <p:spTgt spid="86"/>
+                                        </p:tgtEl>
+                                        <p:attrNameLst>
+                                          <p:attrName>style.visibility</p:attrName>
+                                        </p:attrNameLst>
+                                      </p:cBhvr>
+                                      <p:to>
+                                        <p:strVal val="hidden"/>
+                                      </p:to>
+                                    </p:set>
+                                  </p:childTnLst>
+                                </p:cTn>
+                              </p:par>
+                              <p:par>
+                                <p:cTn id="87" presetID="1" presetClass="entr" presetSubtype="0" fill="hold" grpId="0" nodeType="withEffect">
+                                  <p:stCondLst>
+                                    <p:cond delay="0"/>
+                                  </p:stCondLst>
+                                  <p:childTnLst>
+                                    <p:set>
+                                      <p:cBhvr>
+                                        <p:cTn id="88" dur="1" fill="hold">
+                                          <p:stCondLst>
+                                            <p:cond delay="0"/>
+                                          </p:stCondLst>
+                                        </p:cTn>
+                                        <p:tgtEl>
+                                          <p:spTgt spid="87"/>
+                                        </p:tgtEl>
+                                        <p:attrNameLst>
+                                          <p:attrName>style.visibility</p:attrName>
+                                        </p:attrNameLst>
+                                      </p:cBhvr>
+                                      <p:to>
+                                        <p:strVal val="visible"/>
+                                      </p:to>
+                                    </p:set>
+                                  </p:childTnLst>
+                                </p:cTn>
+                              </p:par>
+                            </p:childTnLst>
+                          </p:cTn>
+                        </p:par>
+                      </p:childTnLst>
+                    </p:cTn>
+                  </p:par>
+                  <p:par>
+                    <p:cTn id="89" fill="hold">
+                      <p:stCondLst>
+                        <p:cond delay="indefinite"/>
+                      </p:stCondLst>
+                      <p:childTnLst>
+                        <p:par>
+                          <p:cTn id="90" fill="hold">
+                            <p:stCondLst>
+                              <p:cond delay="0"/>
+                            </p:stCondLst>
+                            <p:childTnLst>
+                              <p:par>
+                                <p:cTn id="91" presetID="1" presetClass="exit" presetSubtype="0" fill="hold" grpId="1" nodeType="clickEffect">
+                                  <p:stCondLst>
+                                    <p:cond delay="0"/>
+                                  </p:stCondLst>
+                                  <p:childTnLst>
+                                    <p:set>
+                                      <p:cBhvr>
+                                        <p:cTn id="92" dur="1" fill="hold">
+                                          <p:stCondLst>
+                                            <p:cond delay="0"/>
+                                          </p:stCondLst>
+                                        </p:cTn>
+                                        <p:tgtEl>
+                                          <p:spTgt spid="87"/>
+                                        </p:tgtEl>
+                                        <p:attrNameLst>
+                                          <p:attrName>style.visibility</p:attrName>
+                                        </p:attrNameLst>
+                                      </p:cBhvr>
+                                      <p:to>
+                                        <p:strVal val="hidden"/>
+                                      </p:to>
+                                    </p:set>
+                                  </p:childTnLst>
+                                </p:cTn>
+                              </p:par>
+                              <p:par>
+                                <p:cTn id="93" presetID="1" presetClass="entr" presetSubtype="0" fill="hold" grpId="0" nodeType="withEffect">
+                                  <p:stCondLst>
+                                    <p:cond delay="0"/>
+                                  </p:stCondLst>
+                                  <p:childTnLst>
+                                    <p:set>
+                                      <p:cBhvr>
+                                        <p:cTn id="94" dur="1" fill="hold">
+                                          <p:stCondLst>
+                                            <p:cond delay="0"/>
+                                          </p:stCondLst>
+                                        </p:cTn>
+                                        <p:tgtEl>
+                                          <p:spTgt spid="88"/>
+                                        </p:tgtEl>
+                                        <p:attrNameLst>
+                                          <p:attrName>style.visibility</p:attrName>
+                                        </p:attrNameLst>
+                                      </p:cBhvr>
+                                      <p:to>
+                                        <p:strVal val="visible"/>
+                                      </p:to>
+                                    </p:set>
+                                  </p:childTnLst>
+                                </p:cTn>
+                              </p:par>
+                            </p:childTnLst>
+                          </p:cTn>
+                        </p:par>
+                      </p:childTnLst>
+                    </p:cTn>
+                  </p:par>
+                  <p:par>
+                    <p:cTn id="95" fill="hold">
+                      <p:stCondLst>
+                        <p:cond delay="indefinite"/>
+                      </p:stCondLst>
+                      <p:childTnLst>
+                        <p:par>
+                          <p:cTn id="96" fill="hold">
+                            <p:stCondLst>
+                              <p:cond delay="0"/>
+                            </p:stCondLst>
+                            <p:childTnLst>
+                              <p:par>
+                                <p:cTn id="97" presetID="1" presetClass="exit" presetSubtype="0" fill="hold" grpId="1" nodeType="clickEffect">
+                                  <p:stCondLst>
+                                    <p:cond delay="0"/>
+                                  </p:stCondLst>
+                                  <p:childTnLst>
+                                    <p:set>
+                                      <p:cBhvr>
+                                        <p:cTn id="98" dur="1" fill="hold">
+                                          <p:stCondLst>
+                                            <p:cond delay="0"/>
+                                          </p:stCondLst>
+                                        </p:cTn>
+                                        <p:tgtEl>
+                                          <p:spTgt spid="88"/>
+                                        </p:tgtEl>
+                                        <p:attrNameLst>
+                                          <p:attrName>style.visibility</p:attrName>
+                                        </p:attrNameLst>
+                                      </p:cBhvr>
+                                      <p:to>
+                                        <p:strVal val="hidden"/>
+                                      </p:to>
+                                    </p:set>
+                                  </p:childTnLst>
+                                </p:cTn>
+                              </p:par>
+                              <p:par>
+                                <p:cTn id="99" presetID="1" presetClass="entr" presetSubtype="0" fill="hold" grpId="0" nodeType="withEffect">
+                                  <p:stCondLst>
+                                    <p:cond delay="0"/>
+                                  </p:stCondLst>
+                                  <p:childTnLst>
+                                    <p:set>
+                                      <p:cBhvr>
+                                        <p:cTn id="100" dur="1" fill="hold">
+                                          <p:stCondLst>
+                                            <p:cond delay="0"/>
+                                          </p:stCondLst>
+                                        </p:cTn>
+                                        <p:tgtEl>
+                                          <p:spTgt spid="89"/>
+                                        </p:tgtEl>
+                                        <p:attrNameLst>
+                                          <p:attrName>style.visibility</p:attrName>
+                                        </p:attrNameLst>
+                                      </p:cBhvr>
+                                      <p:to>
+                                        <p:strVal val="visible"/>
+                                      </p:to>
+                                    </p:set>
+                                  </p:childTnLst>
+                                </p:cTn>
+                              </p:par>
+                            </p:childTnLst>
+                          </p:cTn>
+                        </p:par>
+                      </p:childTnLst>
+                    </p:cTn>
+                  </p:par>
+                  <p:par>
+                    <p:cTn id="101" fill="hold">
+                      <p:stCondLst>
+                        <p:cond delay="indefinite"/>
+                      </p:stCondLst>
+                      <p:childTnLst>
+                        <p:par>
+                          <p:cTn id="102" fill="hold">
+                            <p:stCondLst>
+                              <p:cond delay="0"/>
+                            </p:stCondLst>
+                            <p:childTnLst>
+                              <p:par>
+                                <p:cTn id="103" presetID="1" presetClass="exit" presetSubtype="0" fill="hold" grpId="1" nodeType="clickEffect">
+                                  <p:stCondLst>
+                                    <p:cond delay="0"/>
+                                  </p:stCondLst>
+                                  <p:childTnLst>
+                                    <p:set>
+                                      <p:cBhvr>
+                                        <p:cTn id="104" dur="1" fill="hold">
+                                          <p:stCondLst>
+                                            <p:cond delay="0"/>
+                                          </p:stCondLst>
+                                        </p:cTn>
+                                        <p:tgtEl>
+                                          <p:spTgt spid="89"/>
+                                        </p:tgtEl>
+                                        <p:attrNameLst>
+                                          <p:attrName>style.visibility</p:attrName>
+                                        </p:attrNameLst>
+                                      </p:cBhvr>
+                                      <p:to>
+                                        <p:strVal val="hidden"/>
+                                      </p:to>
+                                    </p:set>
+                                  </p:childTnLst>
+                                </p:cTn>
+                              </p:par>
+                              <p:par>
+                                <p:cTn id="105" presetID="1" presetClass="entr" presetSubtype="0" fill="hold" grpId="0" nodeType="withEffect">
+                                  <p:stCondLst>
+                                    <p:cond delay="0"/>
+                                  </p:stCondLst>
+                                  <p:childTnLst>
+                                    <p:set>
+                                      <p:cBhvr>
+                                        <p:cTn id="106" dur="1" fill="hold">
+                                          <p:stCondLst>
+                                            <p:cond delay="0"/>
+                                          </p:stCondLst>
+                                        </p:cTn>
+                                        <p:tgtEl>
+                                          <p:spTgt spid="90"/>
+                                        </p:tgtEl>
+                                        <p:attrNameLst>
+                                          <p:attrName>style.visibility</p:attrName>
+                                        </p:attrNameLst>
+                                      </p:cBhvr>
+                                      <p:to>
+                                        <p:strVal val="visible"/>
+                                      </p:to>
+                                    </p:set>
+                                  </p:childTnLst>
+                                </p:cTn>
+                              </p:par>
+                            </p:childTnLst>
+                          </p:cTn>
+                        </p:par>
+                      </p:childTnLst>
+                    </p:cTn>
+                  </p:par>
+                  <p:par>
+                    <p:cTn id="107" fill="hold">
+                      <p:stCondLst>
+                        <p:cond delay="indefinite"/>
+                      </p:stCondLst>
+                      <p:childTnLst>
+                        <p:par>
+                          <p:cTn id="108" fill="hold">
+                            <p:stCondLst>
+                              <p:cond delay="0"/>
+                            </p:stCondLst>
+                            <p:childTnLst>
+                              <p:par>
+                                <p:cTn id="109" presetID="1" presetClass="exit" presetSubtype="0" fill="hold" grpId="1" nodeType="clickEffect">
+                                  <p:stCondLst>
+                                    <p:cond delay="0"/>
+                                  </p:stCondLst>
+                                  <p:childTnLst>
+                                    <p:set>
+                                      <p:cBhvr>
+                                        <p:cTn id="110" dur="1" fill="hold">
+                                          <p:stCondLst>
+                                            <p:cond delay="0"/>
+                                          </p:stCondLst>
+                                        </p:cTn>
+                                        <p:tgtEl>
+                                          <p:spTgt spid="90"/>
+                                        </p:tgtEl>
+                                        <p:attrNameLst>
+                                          <p:attrName>style.visibility</p:attrName>
+                                        </p:attrNameLst>
+                                      </p:cBhvr>
+                                      <p:to>
+                                        <p:strVal val="hidden"/>
+                                      </p:to>
+                                    </p:set>
+                                  </p:childTnLst>
+                                </p:cTn>
+                              </p:par>
+                              <p:par>
+                                <p:cTn id="111" presetID="1" presetClass="entr" presetSubtype="0" fill="hold" grpId="0" nodeType="withEffect">
+                                  <p:stCondLst>
+                                    <p:cond delay="0"/>
+                                  </p:stCondLst>
+                                  <p:childTnLst>
+                                    <p:set>
+                                      <p:cBhvr>
+                                        <p:cTn id="112" dur="1" fill="hold">
+                                          <p:stCondLst>
+                                            <p:cond delay="0"/>
+                                          </p:stCondLst>
+                                        </p:cTn>
+                                        <p:tgtEl>
+                                          <p:spTgt spid="91"/>
+                                        </p:tgtEl>
+                                        <p:attrNameLst>
+                                          <p:attrName>style.visibility</p:attrName>
+                                        </p:attrNameLst>
+                                      </p:cBhvr>
+                                      <p:to>
+                                        <p:strVal val="visible"/>
+                                      </p:to>
+                                    </p:set>
+                                  </p:childTnLst>
+                                </p:cTn>
+                              </p:par>
+                            </p:childTnLst>
+                          </p:cTn>
+                        </p:par>
+                      </p:childTnLst>
+                    </p:cTn>
+                  </p:par>
+                  <p:par>
+                    <p:cTn id="113" fill="hold">
+                      <p:stCondLst>
+                        <p:cond delay="indefinite"/>
+                      </p:stCondLst>
+                      <p:childTnLst>
+                        <p:par>
+                          <p:cTn id="114" fill="hold">
+                            <p:stCondLst>
+                              <p:cond delay="0"/>
+                            </p:stCondLst>
+                            <p:childTnLst>
+                              <p:par>
+                                <p:cTn id="115" presetID="1" presetClass="exit" presetSubtype="0" fill="hold" grpId="1" nodeType="clickEffect">
+                                  <p:stCondLst>
+                                    <p:cond delay="0"/>
+                                  </p:stCondLst>
+                                  <p:childTnLst>
+                                    <p:set>
+                                      <p:cBhvr>
+                                        <p:cTn id="116" dur="1" fill="hold">
+                                          <p:stCondLst>
+                                            <p:cond delay="0"/>
+                                          </p:stCondLst>
+                                        </p:cTn>
+                                        <p:tgtEl>
+                                          <p:spTgt spid="91"/>
+                                        </p:tgtEl>
+                                        <p:attrNameLst>
+                                          <p:attrName>style.visibility</p:attrName>
+                                        </p:attrNameLst>
+                                      </p:cBhvr>
+                                      <p:to>
+                                        <p:strVal val="hidden"/>
+                                      </p:to>
+                                    </p:set>
+                                  </p:childTnLst>
+                                </p:cTn>
+                              </p:par>
+                            </p:childTnLst>
+                          </p:cTn>
+                        </p:par>
+                      </p:childTnLst>
+                    </p:cTn>
+                  </p:par>
+                </p:childTnLst>
+              </p:cTn>
+              <p:prevCondLst>
+                <p:cond evt="onPrev" delay="0">
+                  <p:tgtEl>
+                    <p:sldTgt/>
+                  </p:tgtEl>
+                </p:cond>
+              </p:prevCondLst>
+              <p:nextCondLst>
+                <p:cond evt="onNext" delay="0">
+                  <p:tgtEl>
+                    <p:sldTgt/>
+                  </p:tgtEl>
+                </p:cond>
+              </p:nextCondLst>
+            </p:seq>
+          </p:childTnLst>
+        </p:cTn>
+      </p:par>
+    </p:tnLst>
+    <p:bldLst>
+      <p:bldP spid="6" grpId="0" animBg="1"/>
+      <p:bldP spid="24" grpId="0" animBg="1"/>
+      <p:bldP spid="30" grpId="0" animBg="1"/>
+      <p:bldP spid="29" grpId="0" animBg="1"/>
+      <p:bldP spid="34" grpId="0" animBg="1"/>
+      <p:bldP spid="31" grpId="0" animBg="1"/>
+      <p:bldP spid="39" grpId="0" animBg="1"/>
+      <p:bldP spid="79" grpId="0" animBg="1"/>
+      <p:bldP spid="79" grpId="1" animBg="1"/>
+      <p:bldP spid="80" grpId="0" animBg="1"/>
+      <p:bldP spid="80" grpId="1" animBg="1"/>
+      <p:bldP spid="81" grpId="0" animBg="1"/>
+      <p:bldP spid="81" grpId="1" animBg="1"/>
+      <p:bldP spid="82" grpId="0" animBg="1"/>
+      <p:bldP spid="82" grpId="1" animBg="1"/>
+      <p:bldP spid="83" grpId="0" animBg="1"/>
+      <p:bldP spid="83" grpId="1" animBg="1"/>
+      <p:bldP spid="84" grpId="0" animBg="1"/>
+      <p:bldP spid="84" grpId="1" animBg="1"/>
+      <p:bldP spid="85" grpId="0" animBg="1"/>
+      <p:bldP spid="85" grpId="1" animBg="1"/>
+      <p:bldP spid="86" grpId="0" animBg="1"/>
+      <p:bldP spid="86" grpId="1" animBg="1"/>
+      <p:bldP spid="87" grpId="0" animBg="1"/>
+      <p:bldP spid="87" grpId="1" animBg="1"/>
+      <p:bldP spid="88" grpId="0" animBg="1"/>
+      <p:bldP spid="88" grpId="1" animBg="1"/>
+      <p:bldP spid="89" grpId="0" animBg="1"/>
+      <p:bldP spid="89" grpId="1" animBg="1"/>
+      <p:bldP spid="90" grpId="0" animBg="1"/>
+      <p:bldP spid="90" grpId="1" animBg="1"/>
+      <p:bldP spid="91" grpId="0" animBg="1"/>
+      <p:bldP spid="91" grpId="1" animBg="1"/>
+      <p:bldP spid="92" grpId="0"/>
+      <p:bldP spid="93" grpId="0"/>
+    </p:bldLst>
+  </p:timing>
+</p:sld>
+</file>
+
+<file path=ppt/slides/slide5.xml><?xml version="1.0" encoding="utf-8"?>
+<p:sld xmlns:a="http://schemas.openxmlformats.org/drawingml/2006/main" xmlns:r="http://schemas.openxmlformats.org/officeDocument/2006/relationships" xmlns:p="http://schemas.openxmlformats.org/presentationml/2006/main">
+  <p:cSld>
+    <p:spTree>
+      <p:nvGrpSpPr>
+        <p:cNvPr id="1" name=""/>
+        <p:cNvGrpSpPr/>
+        <p:nvPr/>
+      </p:nvGrpSpPr>
+      <p:grpSpPr>
+        <a:xfrm>
+          <a:off x="0" y="0"/>
+          <a:ext cx="0" cy="0"/>
+          <a:chOff x="0" y="0"/>
+          <a:chExt cx="0" cy="0"/>
+        </a:xfrm>
+      </p:grpSpPr>
+      <p:sp>
+        <p:nvSpPr>
+          <p:cNvPr id="2" name="Text Placeholder 1"/>
+          <p:cNvSpPr>
+            <a:spLocks noGrp="1"/>
+          </p:cNvSpPr>
+          <p:nvPr>
+            <p:ph type="body" sz="quarter" idx="10"/>
+          </p:nvPr>
+        </p:nvSpPr>
+        <p:spPr/>
+        <p:txBody>
+          <a:bodyPr/>
+          <a:lstStyle/>
+          <a:p>
+            <a:r>
+              <a:rPr lang="en-US" dirty="0" smtClean="0"/>
+              <a:t>LINQ (Language-</a:t>
+            </a:r>
+            <a:r>
+              <a:rPr lang="en-US" dirty="0" err="1" smtClean="0"/>
+              <a:t>INtegrated</a:t>
+            </a:r>
+            <a:r>
+              <a:rPr lang="en-US" dirty="0" smtClean="0"/>
+              <a:t> Query)</a:t>
+            </a:r>
+            <a:endParaRPr lang="en-US" dirty="0"/>
+          </a:p>
+        </p:txBody>
+      </p:sp>
+      <p:sp>
+        <p:nvSpPr>
+          <p:cNvPr id="3" name="Subtitle 2"/>
+          <p:cNvSpPr>
+            <a:spLocks noGrp="1"/>
+          </p:cNvSpPr>
+          <p:nvPr>
+            <p:ph type="subTitle" idx="1"/>
+          </p:nvPr>
+        </p:nvSpPr>
+        <p:spPr/>
+        <p:txBody>
+          <a:bodyPr/>
+          <a:lstStyle/>
+          <a:p>
+            <a:endParaRPr lang="en-US"/>
+          </a:p>
+        </p:txBody>
+      </p:sp>
+    </p:spTree>
+    <p:extLst>
+      <p:ext uri="{BB962C8B-B14F-4D97-AF65-F5344CB8AC3E}">
+        <p14:creationId xmlns:p14="http://schemas.microsoft.com/office/powerpoint/2010/main" val="2627759180"/>
+      </p:ext>
+    </p:extLst>
+  </p:cSld>
+  <p:clrMapOvr>
+    <a:masterClrMapping/>
+  </p:clrMapOvr>
+  <p:timing>
+    <p:tnLst>
+      <p:par>
+        <p:cTn id="1" dur="indefinite" restart="never" nodeType="tmRoot"/>
+      </p:par>
+    </p:tnLst>
+  </p:timing>
+</p:sld>
+</file>
+
+<file path=ppt/slides/slide6.xml><?xml version="1.0" encoding="utf-8"?>
+<p:sld xmlns:a="http://schemas.openxmlformats.org/drawingml/2006/main" xmlns:r="http://schemas.openxmlformats.org/officeDocument/2006/relationships" xmlns:p="http://schemas.openxmlformats.org/presentationml/2006/main">
+  <p:cSld>
+    <p:spTree>
+      <p:nvGrpSpPr>
+        <p:cNvPr id="1" name=""/>
+        <p:cNvGrpSpPr/>
+        <p:nvPr/>
+      </p:nvGrpSpPr>
+      <p:grpSpPr>
+        <a:xfrm>
+          <a:off x="0" y="0"/>
+          <a:ext cx="0" cy="0"/>
+          <a:chOff x="0" y="0"/>
+          <a:chExt cx="0" cy="0"/>
+        </a:xfrm>
+      </p:grpSpPr>
+      <p:sp>
+        <p:nvSpPr>
+          <p:cNvPr id="2" name="Text Placeholder 1"/>
+          <p:cNvSpPr>
+            <a:spLocks noGrp="1"/>
+          </p:cNvSpPr>
+          <p:nvPr>
+            <p:ph type="body" sz="quarter" idx="10"/>
+          </p:nvPr>
+        </p:nvSpPr>
+        <p:spPr/>
+        <p:txBody>
+          <a:bodyPr/>
+          <a:lstStyle/>
+          <a:p>
+            <a:r>
+              <a:rPr lang="en-US" dirty="0" smtClean="0"/>
+              <a:t>XML (Extensible Markup Language)</a:t>
+            </a:r>
+            <a:endParaRPr lang="en-US" dirty="0"/>
+          </a:p>
+        </p:txBody>
+      </p:sp>
+      <p:sp>
+        <p:nvSpPr>
+          <p:cNvPr id="3" name="Subtitle 2"/>
+          <p:cNvSpPr>
+            <a:spLocks noGrp="1"/>
+          </p:cNvSpPr>
+          <p:nvPr>
+            <p:ph type="subTitle" idx="1"/>
+          </p:nvPr>
+        </p:nvSpPr>
+        <p:spPr/>
+        <p:txBody>
+          <a:bodyPr/>
+          <a:lstStyle/>
+          <a:p>
+            <a:endParaRPr lang="en-US"/>
+          </a:p>
+        </p:txBody>
+      </p:sp>
+    </p:spTree>
+    <p:extLst>
+      <p:ext uri="{BB962C8B-B14F-4D97-AF65-F5344CB8AC3E}">
+        <p14:creationId xmlns:p14="http://schemas.microsoft.com/office/powerpoint/2010/main" val="561828270"/>
+      </p:ext>
+    </p:extLst>
+  </p:cSld>
+  <p:clrMapOvr>
+    <a:masterClrMapping/>
+  </p:clrMapOvr>
+  <p:timing>
+    <p:tnLst>
+      <p:par>
+        <p:cTn id="1" dur="indefinite" restart="never" nodeType="tmRoot"/>
+      </p:par>
+    </p:tnLst>
+  </p:timing>
+</p:sld>
+</file>
+
+<file path=ppt/slides/slide7.xml><?xml version="1.0" encoding="utf-8"?>
+<p:sld xmlns:a="http://schemas.openxmlformats.org/drawingml/2006/main" xmlns:r="http://schemas.openxmlformats.org/officeDocument/2006/relationships" xmlns:p="http://schemas.openxmlformats.org/presentationml/2006/main">
+  <p:cSld>
+    <p:spTree>
+      <p:nvGrpSpPr>
+        <p:cNvPr id="1" name=""/>
+        <p:cNvGrpSpPr/>
+        <p:nvPr/>
+      </p:nvGrpSpPr>
+      <p:grpSpPr>
+        <a:xfrm>
+          <a:off x="0" y="0"/>
+          <a:ext cx="0" cy="0"/>
+          <a:chOff x="0" y="0"/>
+          <a:chExt cx="0" cy="0"/>
+        </a:xfrm>
+      </p:grpSpPr>
+      <p:sp>
+        <p:nvSpPr>
+          <p:cNvPr id="2" name="Text Placeholder 1"/>
+          <p:cNvSpPr>
+            <a:spLocks noGrp="1"/>
+          </p:cNvSpPr>
+          <p:nvPr>
+            <p:ph type="body" sz="quarter" idx="10"/>
+          </p:nvPr>
+        </p:nvSpPr>
+        <p:spPr/>
+        <p:txBody>
+          <a:bodyPr/>
+          <a:lstStyle/>
+          <a:p>
+            <a:r>
+              <a:rPr lang="en-US" dirty="0" smtClean="0"/>
+              <a:t>LINQ to XML</a:t>
+            </a:r>
+            <a:endParaRPr lang="en-US" dirty="0"/>
+          </a:p>
+        </p:txBody>
+      </p:sp>
+      <p:sp>
+        <p:nvSpPr>
+          <p:cNvPr id="3" name="Subtitle 2"/>
+          <p:cNvSpPr>
+            <a:spLocks noGrp="1"/>
+          </p:cNvSpPr>
+          <p:nvPr>
+            <p:ph type="subTitle" idx="1"/>
+          </p:nvPr>
+        </p:nvSpPr>
+        <p:spPr/>
+        <p:txBody>
+          <a:bodyPr/>
+          <a:lstStyle/>
+          <a:p>
+            <a:endParaRPr lang="en-US"/>
+          </a:p>
+        </p:txBody>
+      </p:sp>
+    </p:spTree>
+    <p:extLst>
+      <p:ext uri="{BB962C8B-B14F-4D97-AF65-F5344CB8AC3E}">
+        <p14:creationId xmlns:p14="http://schemas.microsoft.com/office/powerpoint/2010/main" val="2355084437"/>
+      </p:ext>
+    </p:extLst>
+  </p:cSld>
+  <p:clrMapOvr>
+    <a:masterClrMapping/>
+  </p:clrMapOvr>
+</p:sld>
+</file>
+
+<file path=ppt/slides/slide8.xml><?xml version="1.0" encoding="utf-8"?>
 <p:sld xmlns:a="http://schemas.openxmlformats.org/drawingml/2006/main" xmlns:r="http://schemas.openxmlformats.org/officeDocument/2006/relationships" xmlns:p="http://schemas.openxmlformats.org/presentationml/2006/main">
   <p:cSld>
     <p:spTree>
@@ -4414,15 +10642,6 @@
 </file>
 
 <file path=customXml/item1.xml><?xml version="1.0" encoding="utf-8"?>
-<?mso-contentType ?>
-<FormTemplates xmlns="http://schemas.microsoft.com/sharepoint/v3/contenttype/forms">
-  <Display>DocumentLibraryForm</Display>
-  <Edit>DocumentLibraryForm</Edit>
-  <New>DocumentLibraryForm</New>
-</FormTemplates>
-</file>
-
-<file path=customXml/item2.xml><?xml version="1.0" encoding="utf-8"?>
 <ct:contentTypeSchema xmlns:ct="http://schemas.microsoft.com/office/2006/metadata/contentType" xmlns:ma="http://schemas.microsoft.com/office/2006/metadata/properties/metaAttributes" ct:_="" ma:_="" ma:contentTypeName="Document" ma:contentTypeID="0x010100B77C1942F61CC445966EF0B72456FB71" ma:contentTypeVersion="5" ma:contentTypeDescription="Create a new document." ma:contentTypeScope="" ma:versionID="5421a2b3915c7c9b88cb078d9907b3f4">
   <xsd:schema xmlns:xsd="http://www.w3.org/2001/XMLSchema" xmlns:xs="http://www.w3.org/2001/XMLSchema" xmlns:p="http://schemas.microsoft.com/office/2006/metadata/properties" xmlns:ns2="230e9df3-be65-4c73-a93b-d1236ebd677e" xmlns:ns3="9144449b-ba5a-4612-98a9-381e907e54b6" targetNamespace="http://schemas.microsoft.com/office/2006/metadata/properties" ma:root="true" ma:fieldsID="c375f00a2d990dcf3e2772267a56beac" ns2:_="" ns3:_="">
     <xsd:import namespace="230e9df3-be65-4c73-a93b-d1236ebd677e"/>
@@ -4567,6 +10786,15 @@
 </ct:contentTypeSchema>
 </file>
 
+<file path=customXml/item2.xml><?xml version="1.0" encoding="utf-8"?>
+<?mso-contentType ?>
+<FormTemplates xmlns="http://schemas.microsoft.com/sharepoint/v3/contenttype/forms">
+  <Display>DocumentLibraryForm</Display>
+  <Edit>DocumentLibraryForm</Edit>
+  <New>DocumentLibraryForm</New>
+</FormTemplates>
+</file>
+
 <file path=customXml/item3.xml><?xml version="1.0" encoding="utf-8"?>
 <p:properties xmlns:p="http://schemas.microsoft.com/office/2006/metadata/properties" xmlns:xsi="http://www.w3.org/2001/XMLSchema-instance" xmlns:pc="http://schemas.microsoft.com/office/infopath/2007/PartnerControls">
   <documentManagement>
@@ -4586,14 +10814,6 @@
 </file>
 
 <file path=customXml/itemProps1.xml><?xml version="1.0" encoding="utf-8"?>
-<ds:datastoreItem xmlns:ds="http://schemas.openxmlformats.org/officeDocument/2006/customXml" ds:itemID="{B0CA13EC-1D3C-4D6F-8D1C-E8A452CFC79A}">
-  <ds:schemaRefs>
-    <ds:schemaRef ds:uri="http://schemas.microsoft.com/sharepoint/v3/contenttype/forms"/>
-  </ds:schemaRefs>
-</ds:datastoreItem>
-</file>
-
-<file path=customXml/itemProps2.xml><?xml version="1.0" encoding="utf-8"?>
 <ds:datastoreItem xmlns:ds="http://schemas.openxmlformats.org/officeDocument/2006/customXml" ds:itemID="{82E29CF1-14D8-4EA9-9912-77C2B374A353}">
   <ds:schemaRefs>
     <ds:schemaRef ds:uri="http://schemas.microsoft.com/office/2006/metadata/contentType"/>
@@ -4608,6 +10828,14 @@
     <ds:schemaRef ds:uri="http://purl.org/dc/elements/1.1/"/>
     <ds:schemaRef ds:uri="http://purl.org/dc/terms/"/>
     <ds:schemaRef ds:uri="http://schemas.microsoft.com/internal/obd"/>
+  </ds:schemaRefs>
+</ds:datastoreItem>
+</file>
+
+<file path=customXml/itemProps2.xml><?xml version="1.0" encoding="utf-8"?>
+<ds:datastoreItem xmlns:ds="http://schemas.openxmlformats.org/officeDocument/2006/customXml" ds:itemID="{B0CA13EC-1D3C-4D6F-8D1C-E8A452CFC79A}">
+  <ds:schemaRefs>
+    <ds:schemaRef ds:uri="http://schemas.microsoft.com/sharepoint/v3/contenttype/forms"/>
   </ds:schemaRefs>
 </ds:datastoreItem>
 </file>
